--- a/Requirements-Engineering/RE-L08-Documentation--Model-based.pptx
+++ b/Requirements-Engineering/RE-L08-Documentation--Model-based.pptx
@@ -69,8 +69,6 @@
     <p:sldId id="309" r:id="rId62"/>
     <p:sldId id="310" r:id="rId63"/>
     <p:sldId id="311" r:id="rId64"/>
-    <p:sldId id="312" r:id="rId65"/>
-    <p:sldId id="313" r:id="rId66"/>
   </p:sldIdLst>
   <p:sldSz cx="12192000" cy="6858000"/>
   <p:notesSz cx="7772400" cy="10058400"/>
@@ -425,7 +423,7 @@
             <a:pPr indent="0" algn="r">
               <a:buNone/>
             </a:pPr>
-            <a:fld id="{4864765A-DDC4-42C6-818A-62B888EC7E17}" type="slidenum">
+            <a:fld id="{FBABEA02-CAD4-45C6-A5D9-D18F144C9311}" type="slidenum">
               <a:rPr b="0" lang="en-US" sz="1400" spc="-1" strike="noStrike">
                 <a:solidFill>
                   <a:srgbClr val="000000"/>
@@ -468,7 +466,7 @@
       </p:grpSpPr>
       <p:sp>
         <p:nvSpPr>
-          <p:cNvPr id="494" name="PlaceHolder 1"/>
+          <p:cNvPr id="488" name="PlaceHolder 1"/>
           <p:cNvSpPr>
             <a:spLocks noGrp="1"/>
           </p:cNvSpPr>
@@ -479,7 +477,7 @@
         <p:spPr>
           <a:xfrm>
             <a:off x="4403880" y="9556200"/>
-            <a:ext cx="3364200" cy="498600"/>
+            <a:ext cx="3363840" cy="498240"/>
           </a:xfrm>
           <a:prstGeom prst="rect">
             <a:avLst/>
@@ -521,7 +519,7 @@
                 <a:tab algn="l" pos="0"/>
               </a:tabLst>
             </a:pPr>
-            <a:fld id="{9F39F51C-F0F5-43C0-AE8C-3057C01745C0}" type="slidenum">
+            <a:fld id="{896E9D96-4CBD-47A6-866F-90C2AE0AF06B}" type="slidenum">
               <a:rPr b="0" lang="de-DE" sz="1400" spc="-1" strike="noStrike">
                 <a:solidFill>
                   <a:srgbClr val="000000"/>
@@ -529,7 +527,7 @@
                 <a:latin typeface="Times New Roman"/>
                 <a:ea typeface="ＭＳ Ｐゴシック"/>
               </a:rPr>
-              <a:t>56</a:t>
+              <a:t>54</a:t>
             </a:fld>
             <a:endParaRPr b="0" lang="en-US" sz="1400" spc="-1" strike="noStrike">
               <a:solidFill>
@@ -542,7 +540,7 @@
       </p:sp>
       <p:sp>
         <p:nvSpPr>
-          <p:cNvPr id="495" name="PlaceHolder 2"/>
+          <p:cNvPr id="489" name="PlaceHolder 2"/>
           <p:cNvSpPr>
             <a:spLocks noGrp="1"/>
           </p:cNvSpPr>
@@ -553,7 +551,7 @@
         <p:spPr>
           <a:xfrm>
             <a:off x="533520" y="755640"/>
-            <a:ext cx="6702120" cy="3768480"/>
+            <a:ext cx="6701760" cy="3768120"/>
           </a:xfrm>
           <a:prstGeom prst="rect">
             <a:avLst/>
@@ -565,7 +563,7 @@
       </p:sp>
       <p:sp>
         <p:nvSpPr>
-          <p:cNvPr id="496" name="PlaceHolder 3"/>
+          <p:cNvPr id="490" name="PlaceHolder 3"/>
           <p:cNvSpPr>
             <a:spLocks noGrp="1"/>
           </p:cNvSpPr>
@@ -576,7 +574,7 @@
         <p:spPr>
           <a:xfrm>
             <a:off x="1035720" y="4777200"/>
-            <a:ext cx="5696640" cy="4522320"/>
+            <a:ext cx="5696280" cy="4521960"/>
           </a:xfrm>
           <a:prstGeom prst="rect">
             <a:avLst/>
@@ -607,7 +605,16 @@
                 </a:solidFill>
                 <a:latin typeface="Times New Roman"/>
               </a:rPr>
-              <a:t>Vier Variablen Modell in einem Satz: Grundlagen sind Variablen (Grundlegendes Modell), Erweiterung über Realtionen -&gt; Grundlage für Dokumente: Wie dokumentiere ich sowas</a:t>
+              <a:t>Vier Variablen Modell in einem Satz: Grundlagen sind Variablen (Grundlegendes Modell), </a:t>
+            </a:r>
+            <a:r>
+              <a:rPr b="0" lang="en-US" sz="2000" spc="-1" strike="noStrike">
+                <a:solidFill>
+                  <a:srgbClr val="000000"/>
+                </a:solidFill>
+                <a:latin typeface="Times New Roman"/>
+              </a:rPr>
+              <a:t>Erweiterung über Realtionen -&gt; Grundlage für Dokumente: Wie dokumentiere ich sowas</a:t>
             </a:r>
             <a:endParaRPr b="0" lang="en-US" sz="2000" spc="-1" strike="noStrike">
               <a:solidFill>
@@ -821,7 +828,7 @@
       </p:grpSpPr>
       <p:sp>
         <p:nvSpPr>
-          <p:cNvPr id="497" name="PlaceHolder 1"/>
+          <p:cNvPr id="491" name="PlaceHolder 1"/>
           <p:cNvSpPr>
             <a:spLocks noGrp="1"/>
           </p:cNvSpPr>
@@ -832,7 +839,7 @@
         <p:spPr>
           <a:xfrm>
             <a:off x="4403880" y="9556200"/>
-            <a:ext cx="3364200" cy="498600"/>
+            <a:ext cx="3363840" cy="498240"/>
           </a:xfrm>
           <a:prstGeom prst="rect">
             <a:avLst/>
@@ -874,7 +881,7 @@
                 <a:tab algn="l" pos="0"/>
               </a:tabLst>
             </a:pPr>
-            <a:fld id="{8B9AFE04-DAF6-405E-A4C6-8E25588CDDF7}" type="slidenum">
+            <a:fld id="{AA127D2C-62A1-443C-B5B3-7E19CA67D514}" type="slidenum">
               <a:rPr b="0" lang="de-DE" sz="1400" spc="-1" strike="noStrike">
                 <a:solidFill>
                   <a:srgbClr val="000000"/>
@@ -882,7 +889,7 @@
                 <a:latin typeface="Times New Roman"/>
                 <a:ea typeface="ＭＳ Ｐゴシック"/>
               </a:rPr>
-              <a:t>56</a:t>
+              <a:t>54</a:t>
             </a:fld>
             <a:endParaRPr b="0" lang="en-US" sz="1400" spc="-1" strike="noStrike">
               <a:solidFill>
@@ -895,7 +902,7 @@
       </p:sp>
       <p:sp>
         <p:nvSpPr>
-          <p:cNvPr id="498" name="PlaceHolder 2"/>
+          <p:cNvPr id="492" name="PlaceHolder 2"/>
           <p:cNvSpPr>
             <a:spLocks noGrp="1"/>
           </p:cNvSpPr>
@@ -906,7 +913,7 @@
         <p:spPr>
           <a:xfrm>
             <a:off x="533520" y="755640"/>
-            <a:ext cx="6702120" cy="3768480"/>
+            <a:ext cx="6701760" cy="3768120"/>
           </a:xfrm>
           <a:prstGeom prst="rect">
             <a:avLst/>
@@ -918,7 +925,7 @@
       </p:sp>
       <p:sp>
         <p:nvSpPr>
-          <p:cNvPr id="499" name="PlaceHolder 3"/>
+          <p:cNvPr id="493" name="PlaceHolder 3"/>
           <p:cNvSpPr>
             <a:spLocks noGrp="1"/>
           </p:cNvSpPr>
@@ -929,7 +936,7 @@
         <p:spPr>
           <a:xfrm>
             <a:off x="1035720" y="4777200"/>
-            <a:ext cx="5696640" cy="4522320"/>
+            <a:ext cx="5696280" cy="4521960"/>
           </a:xfrm>
           <a:prstGeom prst="rect">
             <a:avLst/>
@@ -960,97 +967,7 @@
                 </a:solidFill>
                 <a:latin typeface="Times New Roman"/>
               </a:rPr>
-              <a:t>Vier Variablen Modell </a:t>
-            </a:r>
-            <a:r>
-              <a:rPr b="0" lang="en-US" sz="2000" spc="-1" strike="noStrike">
-                <a:solidFill>
-                  <a:srgbClr val="000000"/>
-                </a:solidFill>
-                <a:latin typeface="Times New Roman"/>
-              </a:rPr>
-              <a:t>in einem Satz: </a:t>
-            </a:r>
-            <a:r>
-              <a:rPr b="0" lang="en-US" sz="2000" spc="-1" strike="noStrike">
-                <a:solidFill>
-                  <a:srgbClr val="000000"/>
-                </a:solidFill>
-                <a:latin typeface="Times New Roman"/>
-              </a:rPr>
-              <a:t>Grundlagen sind </a:t>
-            </a:r>
-            <a:r>
-              <a:rPr b="0" lang="en-US" sz="2000" spc="-1" strike="noStrike">
-                <a:solidFill>
-                  <a:srgbClr val="000000"/>
-                </a:solidFill>
-                <a:latin typeface="Times New Roman"/>
-              </a:rPr>
-              <a:t>Variablen </a:t>
-            </a:r>
-            <a:r>
-              <a:rPr b="0" lang="en-US" sz="2000" spc="-1" strike="noStrike">
-                <a:solidFill>
-                  <a:srgbClr val="000000"/>
-                </a:solidFill>
-                <a:latin typeface="Times New Roman"/>
-              </a:rPr>
-              <a:t>(Grundlegendes </a:t>
-            </a:r>
-            <a:r>
-              <a:rPr b="0" lang="en-US" sz="2000" spc="-1" strike="noStrike">
-                <a:solidFill>
-                  <a:srgbClr val="000000"/>
-                </a:solidFill>
-                <a:latin typeface="Times New Roman"/>
-              </a:rPr>
-              <a:t>Modell), Erweiterung </a:t>
-            </a:r>
-            <a:r>
-              <a:rPr b="0" lang="en-US" sz="2000" spc="-1" strike="noStrike">
-                <a:solidFill>
-                  <a:srgbClr val="000000"/>
-                </a:solidFill>
-                <a:latin typeface="Times New Roman"/>
-              </a:rPr>
-              <a:t>über Realtionen -&gt; </a:t>
-            </a:r>
-            <a:r>
-              <a:rPr b="0" lang="en-US" sz="2000" spc="-1" strike="noStrike">
-                <a:solidFill>
-                  <a:srgbClr val="000000"/>
-                </a:solidFill>
-                <a:latin typeface="Times New Roman"/>
-              </a:rPr>
-              <a:t>Grundlage für </a:t>
-            </a:r>
-            <a:r>
-              <a:rPr b="0" lang="en-US" sz="2000" spc="-1" strike="noStrike">
-                <a:solidFill>
-                  <a:srgbClr val="000000"/>
-                </a:solidFill>
-                <a:latin typeface="Times New Roman"/>
-              </a:rPr>
-              <a:t>Dokumente: Wie </a:t>
-            </a:r>
-            <a:r>
-              <a:rPr b="0" lang="en-US" sz="2000" spc="-1" strike="noStrike">
-                <a:solidFill>
-                  <a:srgbClr val="000000"/>
-                </a:solidFill>
-                <a:latin typeface="Times New Roman"/>
-              </a:rPr>
-              <a:t>dokumentiere ich </a:t>
-            </a:r>
-            <a:r>
-              <a:rPr b="0" lang="en-US" sz="2000" spc="-1" strike="noStrike">
-                <a:solidFill>
-                  <a:srgbClr val="000000"/>
-                </a:solidFill>
-                <a:latin typeface="Times New Roman"/>
-              </a:rPr>
-              <a:t>sowas</a:t>
+              <a:t>Vier Variablen Modell in einem Satz: Grundlagen sind Variablen (Grundlegendes Modell), Erweiterung über Realtionen -&gt; Grundlage für Dokumente: Wie dokumentiere ich sowas</a:t>
             </a:r>
             <a:endParaRPr b="0" lang="en-US" sz="2000" spc="-1" strike="noStrike">
               <a:solidFill>
@@ -1094,8 +1011,25 @@
                 <a:latin typeface="Times New Roman"/>
                 <a:ea typeface="ＭＳ Ｐゴシック"/>
               </a:rPr>
-              <a:t>Controlled V-&gt; Ausgabewerte die durch </a:t>
-            </a:r>
+              <a:t>Controlled V-&gt; Ausgabewerte die durch das System beschrieben / verändert werden</a:t>
+            </a:r>
+            <a:endParaRPr b="0" lang="en-US" sz="1200" spc="-1" strike="noStrike">
+              <a:solidFill>
+                <a:srgbClr val="000000"/>
+              </a:solidFill>
+              <a:latin typeface="Arial"/>
+            </a:endParaRPr>
+          </a:p>
+          <a:p>
+            <a:pPr marL="216000" indent="0">
+              <a:lnSpc>
+                <a:spcPct val="100000"/>
+              </a:lnSpc>
+              <a:buNone/>
+              <a:tabLst>
+                <a:tab algn="l" pos="0"/>
+              </a:tabLst>
+            </a:pPr>
             <a:r>
               <a:rPr b="0" lang="en-US" sz="1200" spc="-1" strike="noStrike">
                 <a:solidFill>
@@ -1104,8 +1038,25 @@
                 <a:latin typeface="Times New Roman"/>
                 <a:ea typeface="ＭＳ Ｐゴシック"/>
               </a:rPr>
-              <a:t>das System beschrieben / verändert </a:t>
-            </a:r>
+              <a:t>Monitored V -&gt; EingabeWerte, die durch das System beschrieben werden</a:t>
+            </a:r>
+            <a:endParaRPr b="0" lang="en-US" sz="1200" spc="-1" strike="noStrike">
+              <a:solidFill>
+                <a:srgbClr val="000000"/>
+              </a:solidFill>
+              <a:latin typeface="Arial"/>
+            </a:endParaRPr>
+          </a:p>
+          <a:p>
+            <a:pPr marL="216000" indent="0">
+              <a:lnSpc>
+                <a:spcPct val="100000"/>
+              </a:lnSpc>
+              <a:buNone/>
+              <a:tabLst>
+                <a:tab algn="l" pos="0"/>
+              </a:tabLst>
+            </a:pPr>
             <a:r>
               <a:rPr b="0" lang="en-US" sz="1200" spc="-1" strike="noStrike">
                 <a:solidFill>
@@ -1114,7 +1065,7 @@
                 <a:latin typeface="Times New Roman"/>
                 <a:ea typeface="ＭＳ Ｐゴシック"/>
               </a:rPr>
-              <a:t>werden</a:t>
+              <a:t>Output V -&gt; represents controlled V.</a:t>
             </a:r>
             <a:endParaRPr b="0" lang="en-US" sz="1200" spc="-1" strike="noStrike">
               <a:solidFill>
@@ -1141,17 +1092,17 @@
                 <a:latin typeface="Times New Roman"/>
                 <a:ea typeface="ＭＳ Ｐゴシック"/>
               </a:rPr>
-              <a:t>Monitored V -&gt; EingabeWerte, die durch </a:t>
-            </a:r>
-            <a:r>
-              <a:rPr b="0" lang="en-US" sz="1200" spc="-1" strike="noStrike">
+              <a:t>Input V -&gt; </a:t>
+            </a:r>
+            <a:r>
+              <a:rPr b="0" lang="de-DE" sz="1200" spc="-1" strike="noStrike">
                 <a:solidFill>
                   <a:srgbClr val="000000"/>
                 </a:solidFill>
                 <a:latin typeface="Times New Roman"/>
                 <a:ea typeface="ＭＳ Ｐゴシック"/>
               </a:rPr>
-              <a:t>das System beschrieben werden</a:t>
+              <a:t>represents monitored V.</a:t>
             </a:r>
             <a:endParaRPr b="0" lang="en-US" sz="1200" spc="-1" strike="noStrike">
               <a:solidFill>
@@ -1170,136 +1121,32 @@
                 <a:tab algn="l" pos="0"/>
               </a:tabLst>
             </a:pPr>
-            <a:r>
-              <a:rPr b="0" lang="en-US" sz="1200" spc="-1" strike="noStrike">
+            <a:endParaRPr b="0" lang="en-US" sz="1200" spc="-1" strike="noStrike">
+              <a:solidFill>
+                <a:srgbClr val="000000"/>
+              </a:solidFill>
+              <a:latin typeface="Arial"/>
+            </a:endParaRPr>
+          </a:p>
+          <a:p>
+            <a:pPr marL="216000" indent="0">
+              <a:lnSpc>
+                <a:spcPct val="100000"/>
+              </a:lnSpc>
+              <a:buNone/>
+              <a:tabLst>
+                <a:tab algn="l" pos="0"/>
+              </a:tabLst>
+            </a:pPr>
+            <a:r>
+              <a:rPr b="0" lang="en-US" sz="2000" spc="-1" strike="noStrike">
                 <a:solidFill>
                   <a:srgbClr val="000000"/>
                 </a:solidFill>
                 <a:latin typeface="Times New Roman"/>
                 <a:ea typeface="ＭＳ Ｐゴシック"/>
               </a:rPr>
-              <a:t>Output V -&gt; represents controlled V.</a:t>
-            </a:r>
-            <a:endParaRPr b="0" lang="en-US" sz="1200" spc="-1" strike="noStrike">
-              <a:solidFill>
-                <a:srgbClr val="000000"/>
-              </a:solidFill>
-              <a:latin typeface="Arial"/>
-            </a:endParaRPr>
-          </a:p>
-          <a:p>
-            <a:pPr marL="216000" indent="0">
-              <a:lnSpc>
-                <a:spcPct val="100000"/>
-              </a:lnSpc>
-              <a:buNone/>
-              <a:tabLst>
-                <a:tab algn="l" pos="0"/>
-              </a:tabLst>
-            </a:pPr>
-            <a:r>
-              <a:rPr b="0" lang="en-US" sz="1200" spc="-1" strike="noStrike">
-                <a:solidFill>
-                  <a:srgbClr val="000000"/>
-                </a:solidFill>
-                <a:latin typeface="Times New Roman"/>
-                <a:ea typeface="ＭＳ Ｐゴシック"/>
-              </a:rPr>
-              <a:t>Input V -&gt; </a:t>
-            </a:r>
-            <a:r>
-              <a:rPr b="0" lang="de-DE" sz="1200" spc="-1" strike="noStrike">
-                <a:solidFill>
-                  <a:srgbClr val="000000"/>
-                </a:solidFill>
-                <a:latin typeface="Times New Roman"/>
-                <a:ea typeface="ＭＳ Ｐゴシック"/>
-              </a:rPr>
-              <a:t>represents monitored V.</a:t>
-            </a:r>
-            <a:endParaRPr b="0" lang="en-US" sz="1200" spc="-1" strike="noStrike">
-              <a:solidFill>
-                <a:srgbClr val="000000"/>
-              </a:solidFill>
-              <a:latin typeface="Arial"/>
-            </a:endParaRPr>
-          </a:p>
-          <a:p>
-            <a:pPr marL="216000" indent="0">
-              <a:lnSpc>
-                <a:spcPct val="100000"/>
-              </a:lnSpc>
-              <a:buNone/>
-              <a:tabLst>
-                <a:tab algn="l" pos="0"/>
-              </a:tabLst>
-            </a:pPr>
-            <a:endParaRPr b="0" lang="en-US" sz="1200" spc="-1" strike="noStrike">
-              <a:solidFill>
-                <a:srgbClr val="000000"/>
-              </a:solidFill>
-              <a:latin typeface="Arial"/>
-            </a:endParaRPr>
-          </a:p>
-          <a:p>
-            <a:pPr marL="216000" indent="0">
-              <a:lnSpc>
-                <a:spcPct val="100000"/>
-              </a:lnSpc>
-              <a:buNone/>
-              <a:tabLst>
-                <a:tab algn="l" pos="0"/>
-              </a:tabLst>
-            </a:pPr>
-            <a:r>
-              <a:rPr b="0" lang="en-US" sz="2000" spc="-1" strike="noStrike">
-                <a:solidFill>
-                  <a:srgbClr val="000000"/>
-                </a:solidFill>
-                <a:latin typeface="Times New Roman"/>
-                <a:ea typeface="ＭＳ Ｐゴシック"/>
-              </a:rPr>
-              <a:t>Eschbach, Elicitation &amp; </a:t>
-            </a:r>
-            <a:r>
-              <a:rPr b="0" lang="en-US" sz="2000" spc="-1" strike="noStrike">
-                <a:solidFill>
-                  <a:srgbClr val="000000"/>
-                </a:solidFill>
-                <a:latin typeface="Times New Roman"/>
-                <a:ea typeface="ＭＳ Ｐゴシック"/>
-              </a:rPr>
-              <a:t>Modeling: Embedded </a:t>
-            </a:r>
-            <a:r>
-              <a:rPr b="0" lang="en-US" sz="2000" spc="-1" strike="noStrike">
-                <a:solidFill>
-                  <a:srgbClr val="000000"/>
-                </a:solidFill>
-                <a:latin typeface="Times New Roman"/>
-                <a:ea typeface="ＭＳ Ｐゴシック"/>
-              </a:rPr>
-              <a:t>Systems Industrial </a:t>
-            </a:r>
-            <a:r>
-              <a:rPr b="0" lang="en-US" sz="2000" spc="-1" strike="noStrike">
-                <a:solidFill>
-                  <a:srgbClr val="000000"/>
-                </a:solidFill>
-                <a:latin typeface="Times New Roman"/>
-                <a:ea typeface="ＭＳ Ｐゴシック"/>
-              </a:rPr>
-              <a:t>Formal Techniques, </a:t>
-            </a:r>
-            <a:r>
-              <a:rPr b="0" lang="en-US" sz="2000" spc="-1" strike="noStrike">
-                <a:solidFill>
-                  <a:srgbClr val="000000"/>
-                </a:solidFill>
-                <a:latin typeface="Times New Roman"/>
-                <a:ea typeface="ＭＳ Ｐゴシック"/>
-              </a:rPr>
-              <a:t>2006</a:t>
+              <a:t>Eschbach, Elicitation &amp; Modeling: Embedded Systems Industrial Formal Techniques, 2006</a:t>
             </a:r>
             <a:endParaRPr b="0" lang="en-US" sz="2000" spc="-1" strike="noStrike">
               <a:solidFill>
@@ -1334,7 +1181,7 @@
       </p:grpSpPr>
       <p:sp>
         <p:nvSpPr>
-          <p:cNvPr id="500" name="PlaceHolder 1"/>
+          <p:cNvPr id="494" name="PlaceHolder 1"/>
           <p:cNvSpPr>
             <a:spLocks noGrp="1"/>
           </p:cNvSpPr>
@@ -1345,7 +1192,7 @@
         <p:spPr>
           <a:xfrm>
             <a:off x="4403880" y="9556200"/>
-            <a:ext cx="3364200" cy="498600"/>
+            <a:ext cx="3363840" cy="498240"/>
           </a:xfrm>
           <a:prstGeom prst="rect">
             <a:avLst/>
@@ -1387,7 +1234,7 @@
                 <a:tab algn="l" pos="0"/>
               </a:tabLst>
             </a:pPr>
-            <a:fld id="{5E71CD74-4AC8-487B-ADBB-5DC46F83BBE0}" type="slidenum">
+            <a:fld id="{079965CA-64BF-4E71-9A1C-8D17FF23A77C}" type="slidenum">
               <a:rPr b="0" lang="de-DE" sz="1400" spc="-1" strike="noStrike">
                 <a:solidFill>
                   <a:srgbClr val="000000"/>
@@ -1395,7 +1242,7 @@
                 <a:latin typeface="Times New Roman"/>
                 <a:ea typeface="ＭＳ Ｐゴシック"/>
               </a:rPr>
-              <a:t>56</a:t>
+              <a:t>54</a:t>
             </a:fld>
             <a:endParaRPr b="0" lang="en-US" sz="1400" spc="-1" strike="noStrike">
               <a:solidFill>
@@ -1408,7 +1255,7 @@
       </p:sp>
       <p:sp>
         <p:nvSpPr>
-          <p:cNvPr id="501" name="PlaceHolder 2"/>
+          <p:cNvPr id="495" name="PlaceHolder 2"/>
           <p:cNvSpPr>
             <a:spLocks noGrp="1"/>
           </p:cNvSpPr>
@@ -1419,7 +1266,7 @@
         <p:spPr>
           <a:xfrm>
             <a:off x="533520" y="755640"/>
-            <a:ext cx="6702120" cy="3768480"/>
+            <a:ext cx="6701760" cy="3768120"/>
           </a:xfrm>
           <a:prstGeom prst="rect">
             <a:avLst/>
@@ -1431,7 +1278,7 @@
       </p:sp>
       <p:sp>
         <p:nvSpPr>
-          <p:cNvPr id="502" name="PlaceHolder 3"/>
+          <p:cNvPr id="496" name="PlaceHolder 3"/>
           <p:cNvSpPr>
             <a:spLocks noGrp="1"/>
           </p:cNvSpPr>
@@ -1442,7 +1289,7 @@
         <p:spPr>
           <a:xfrm>
             <a:off x="1035720" y="4777200"/>
-            <a:ext cx="5696640" cy="4522320"/>
+            <a:ext cx="5696280" cy="4521960"/>
           </a:xfrm>
           <a:prstGeom prst="rect">
             <a:avLst/>
@@ -1473,7 +1320,106 @@
                 </a:solidFill>
                 <a:latin typeface="Times New Roman"/>
               </a:rPr>
-              <a:t>Vier Variablen Modell in einem Satz: Grundlagen sind Variablen (Grundlegendes Modell), Erweiterung über Realtionen -&gt; Grundlage für Dokumente: Wie dokumentiere ich sowas</a:t>
+              <a:t>Vier Variablen </a:t>
+            </a:r>
+            <a:r>
+              <a:rPr b="0" lang="en-US" sz="2000" spc="-1" strike="noStrike">
+                <a:solidFill>
+                  <a:srgbClr val="000000"/>
+                </a:solidFill>
+                <a:latin typeface="Times New Roman"/>
+              </a:rPr>
+              <a:t>Modell in einem </a:t>
+            </a:r>
+            <a:r>
+              <a:rPr b="0" lang="en-US" sz="2000" spc="-1" strike="noStrike">
+                <a:solidFill>
+                  <a:srgbClr val="000000"/>
+                </a:solidFill>
+                <a:latin typeface="Times New Roman"/>
+              </a:rPr>
+              <a:t>Satz: Grundlagen </a:t>
+            </a:r>
+            <a:r>
+              <a:rPr b="0" lang="en-US" sz="2000" spc="-1" strike="noStrike">
+                <a:solidFill>
+                  <a:srgbClr val="000000"/>
+                </a:solidFill>
+                <a:latin typeface="Times New Roman"/>
+              </a:rPr>
+              <a:t>sind Variablen </a:t>
+            </a:r>
+            <a:r>
+              <a:rPr b="0" lang="en-US" sz="2000" spc="-1" strike="noStrike">
+                <a:solidFill>
+                  <a:srgbClr val="000000"/>
+                </a:solidFill>
+                <a:latin typeface="Times New Roman"/>
+              </a:rPr>
+              <a:t>(Grundlegendes </a:t>
+            </a:r>
+            <a:r>
+              <a:rPr b="0" lang="en-US" sz="2000" spc="-1" strike="noStrike">
+                <a:solidFill>
+                  <a:srgbClr val="000000"/>
+                </a:solidFill>
+                <a:latin typeface="Times New Roman"/>
+              </a:rPr>
+              <a:t>Modell), </a:t>
+            </a:r>
+            <a:r>
+              <a:rPr b="0" lang="en-US" sz="2000" spc="-1" strike="noStrike">
+                <a:solidFill>
+                  <a:srgbClr val="000000"/>
+                </a:solidFill>
+                <a:latin typeface="Times New Roman"/>
+              </a:rPr>
+              <a:t>Erweiterung über </a:t>
+            </a:r>
+            <a:r>
+              <a:rPr b="0" lang="en-US" sz="2000" spc="-1" strike="noStrike">
+                <a:solidFill>
+                  <a:srgbClr val="000000"/>
+                </a:solidFill>
+                <a:latin typeface="Times New Roman"/>
+              </a:rPr>
+              <a:t>Realtionen -&gt; </a:t>
+            </a:r>
+            <a:r>
+              <a:rPr b="0" lang="en-US" sz="2000" spc="-1" strike="noStrike">
+                <a:solidFill>
+                  <a:srgbClr val="000000"/>
+                </a:solidFill>
+                <a:latin typeface="Times New Roman"/>
+              </a:rPr>
+              <a:t>Grundlage für </a:t>
+            </a:r>
+            <a:r>
+              <a:rPr b="0" lang="en-US" sz="2000" spc="-1" strike="noStrike">
+                <a:solidFill>
+                  <a:srgbClr val="000000"/>
+                </a:solidFill>
+                <a:latin typeface="Times New Roman"/>
+              </a:rPr>
+              <a:t>Dokumente: Wie </a:t>
+            </a:r>
+            <a:r>
+              <a:rPr b="0" lang="en-US" sz="2000" spc="-1" strike="noStrike">
+                <a:solidFill>
+                  <a:srgbClr val="000000"/>
+                </a:solidFill>
+                <a:latin typeface="Times New Roman"/>
+              </a:rPr>
+              <a:t>dokumentiere ich </a:t>
+            </a:r>
+            <a:r>
+              <a:rPr b="0" lang="en-US" sz="2000" spc="-1" strike="noStrike">
+                <a:solidFill>
+                  <a:srgbClr val="000000"/>
+                </a:solidFill>
+                <a:latin typeface="Times New Roman"/>
+              </a:rPr>
+              <a:t>sowas</a:t>
             </a:r>
             <a:endParaRPr b="0" lang="en-US" sz="2000" spc="-1" strike="noStrike">
               <a:solidFill>
@@ -1517,25 +1463,8 @@
                 <a:latin typeface="Times New Roman"/>
                 <a:ea typeface="ＭＳ Ｐゴシック"/>
               </a:rPr>
-              <a:t>Controlled V-&gt; Ausgabewerte die durch das System beschrieben / verändert werden</a:t>
-            </a:r>
-            <a:endParaRPr b="0" lang="en-US" sz="1200" spc="-1" strike="noStrike">
-              <a:solidFill>
-                <a:srgbClr val="000000"/>
-              </a:solidFill>
-              <a:latin typeface="Arial"/>
-            </a:endParaRPr>
-          </a:p>
-          <a:p>
-            <a:pPr marL="216000" indent="0">
-              <a:lnSpc>
-                <a:spcPct val="100000"/>
-              </a:lnSpc>
-              <a:buNone/>
-              <a:tabLst>
-                <a:tab algn="l" pos="0"/>
-              </a:tabLst>
-            </a:pPr>
+              <a:t>Controlled V-&gt; Ausgabewerte die </a:t>
+            </a:r>
             <a:r>
               <a:rPr b="0" lang="en-US" sz="1200" spc="-1" strike="noStrike">
                 <a:solidFill>
@@ -1544,25 +1473,8 @@
                 <a:latin typeface="Times New Roman"/>
                 <a:ea typeface="ＭＳ Ｐゴシック"/>
               </a:rPr>
-              <a:t>Monitored V -&gt; EingabeWerte, die durch das System beschrieben werden</a:t>
-            </a:r>
-            <a:endParaRPr b="0" lang="en-US" sz="1200" spc="-1" strike="noStrike">
-              <a:solidFill>
-                <a:srgbClr val="000000"/>
-              </a:solidFill>
-              <a:latin typeface="Arial"/>
-            </a:endParaRPr>
-          </a:p>
-          <a:p>
-            <a:pPr marL="216000" indent="0">
-              <a:lnSpc>
-                <a:spcPct val="100000"/>
-              </a:lnSpc>
-              <a:buNone/>
-              <a:tabLst>
-                <a:tab algn="l" pos="0"/>
-              </a:tabLst>
-            </a:pPr>
+              <a:t>durch das System beschrieben / </a:t>
+            </a:r>
             <a:r>
               <a:rPr b="0" lang="en-US" sz="1200" spc="-1" strike="noStrike">
                 <a:solidFill>
@@ -1571,7 +1483,7 @@
                 <a:latin typeface="Times New Roman"/>
                 <a:ea typeface="ＭＳ Ｐゴシック"/>
               </a:rPr>
-              <a:t>Output V -&gt; represents controlled V.</a:t>
+              <a:t>verändert werden</a:t>
             </a:r>
             <a:endParaRPr b="0" lang="en-US" sz="1200" spc="-1" strike="noStrike">
               <a:solidFill>
@@ -1598,61 +1510,215 @@
                 <a:latin typeface="Times New Roman"/>
                 <a:ea typeface="ＭＳ Ｐゴシック"/>
               </a:rPr>
-              <a:t>Input V -&gt; </a:t>
-            </a:r>
-            <a:r>
-              <a:rPr b="0" lang="de-DE" sz="1200" spc="-1" strike="noStrike">
+              <a:t>Monitored V -&gt; EingabeWerte, </a:t>
+            </a:r>
+            <a:r>
+              <a:rPr b="0" lang="en-US" sz="1200" spc="-1" strike="noStrike">
                 <a:solidFill>
                   <a:srgbClr val="000000"/>
                 </a:solidFill>
                 <a:latin typeface="Times New Roman"/>
                 <a:ea typeface="ＭＳ Ｐゴシック"/>
               </a:rPr>
-              <a:t>represents monitored V.</a:t>
-            </a:r>
-            <a:endParaRPr b="0" lang="en-US" sz="1200" spc="-1" strike="noStrike">
-              <a:solidFill>
-                <a:srgbClr val="000000"/>
-              </a:solidFill>
-              <a:latin typeface="Arial"/>
-            </a:endParaRPr>
-          </a:p>
-          <a:p>
-            <a:pPr marL="216000" indent="0">
-              <a:lnSpc>
-                <a:spcPct val="100000"/>
-              </a:lnSpc>
-              <a:buNone/>
-              <a:tabLst>
-                <a:tab algn="l" pos="0"/>
-              </a:tabLst>
-            </a:pPr>
-            <a:endParaRPr b="0" lang="en-US" sz="1200" spc="-1" strike="noStrike">
-              <a:solidFill>
-                <a:srgbClr val="000000"/>
-              </a:solidFill>
-              <a:latin typeface="Arial"/>
-            </a:endParaRPr>
-          </a:p>
-          <a:p>
-            <a:pPr marL="216000" indent="0">
-              <a:lnSpc>
-                <a:spcPct val="100000"/>
-              </a:lnSpc>
-              <a:buNone/>
-              <a:tabLst>
-                <a:tab algn="l" pos="0"/>
-              </a:tabLst>
-            </a:pPr>
-            <a:r>
-              <a:rPr b="0" lang="en-US" sz="2000" spc="-1" strike="noStrike">
+              <a:t>die durch das System beschrieben </a:t>
+            </a:r>
+            <a:r>
+              <a:rPr b="0" lang="en-US" sz="1200" spc="-1" strike="noStrike">
                 <a:solidFill>
                   <a:srgbClr val="000000"/>
                 </a:solidFill>
                 <a:latin typeface="Times New Roman"/>
                 <a:ea typeface="ＭＳ Ｐゴシック"/>
               </a:rPr>
-              <a:t>Eschbach, Elicitation &amp; Modeling: Embedded Systems Industrial Formal Techniques, 2006</a:t>
+              <a:t>werden</a:t>
+            </a:r>
+            <a:endParaRPr b="0" lang="en-US" sz="1200" spc="-1" strike="noStrike">
+              <a:solidFill>
+                <a:srgbClr val="000000"/>
+              </a:solidFill>
+              <a:latin typeface="Arial"/>
+            </a:endParaRPr>
+          </a:p>
+          <a:p>
+            <a:pPr marL="216000" indent="0">
+              <a:lnSpc>
+                <a:spcPct val="100000"/>
+              </a:lnSpc>
+              <a:buNone/>
+              <a:tabLst>
+                <a:tab algn="l" pos="0"/>
+              </a:tabLst>
+            </a:pPr>
+            <a:r>
+              <a:rPr b="0" lang="en-US" sz="1200" spc="-1" strike="noStrike">
+                <a:solidFill>
+                  <a:srgbClr val="000000"/>
+                </a:solidFill>
+                <a:latin typeface="Times New Roman"/>
+                <a:ea typeface="ＭＳ Ｐゴシック"/>
+              </a:rPr>
+              <a:t>Output V -&gt; represents controlled </a:t>
+            </a:r>
+            <a:r>
+              <a:rPr b="0" lang="en-US" sz="1200" spc="-1" strike="noStrike">
+                <a:solidFill>
+                  <a:srgbClr val="000000"/>
+                </a:solidFill>
+                <a:latin typeface="Times New Roman"/>
+                <a:ea typeface="ＭＳ Ｐゴシック"/>
+              </a:rPr>
+              <a:t>V.</a:t>
+            </a:r>
+            <a:endParaRPr b="0" lang="en-US" sz="1200" spc="-1" strike="noStrike">
+              <a:solidFill>
+                <a:srgbClr val="000000"/>
+              </a:solidFill>
+              <a:latin typeface="Arial"/>
+            </a:endParaRPr>
+          </a:p>
+          <a:p>
+            <a:pPr marL="216000" indent="0">
+              <a:lnSpc>
+                <a:spcPct val="100000"/>
+              </a:lnSpc>
+              <a:buNone/>
+              <a:tabLst>
+                <a:tab algn="l" pos="0"/>
+              </a:tabLst>
+            </a:pPr>
+            <a:r>
+              <a:rPr b="0" lang="en-US" sz="1200" spc="-1" strike="noStrike">
+                <a:solidFill>
+                  <a:srgbClr val="000000"/>
+                </a:solidFill>
+                <a:latin typeface="Times New Roman"/>
+                <a:ea typeface="ＭＳ Ｐゴシック"/>
+              </a:rPr>
+              <a:t>Input V -&gt; </a:t>
+            </a:r>
+            <a:r>
+              <a:rPr b="0" lang="de-DE" sz="1200" spc="-1" strike="noStrike">
+                <a:solidFill>
+                  <a:srgbClr val="000000"/>
+                </a:solidFill>
+                <a:latin typeface="Times New Roman"/>
+                <a:ea typeface="ＭＳ Ｐゴシック"/>
+              </a:rPr>
+              <a:t>represents monitored </a:t>
+            </a:r>
+            <a:r>
+              <a:rPr b="0" lang="de-DE" sz="1200" spc="-1" strike="noStrike">
+                <a:solidFill>
+                  <a:srgbClr val="000000"/>
+                </a:solidFill>
+                <a:latin typeface="Times New Roman"/>
+                <a:ea typeface="ＭＳ Ｐゴシック"/>
+              </a:rPr>
+              <a:t>V.</a:t>
+            </a:r>
+            <a:endParaRPr b="0" lang="en-US" sz="1200" spc="-1" strike="noStrike">
+              <a:solidFill>
+                <a:srgbClr val="000000"/>
+              </a:solidFill>
+              <a:latin typeface="Arial"/>
+            </a:endParaRPr>
+          </a:p>
+          <a:p>
+            <a:pPr marL="216000" indent="0">
+              <a:lnSpc>
+                <a:spcPct val="100000"/>
+              </a:lnSpc>
+              <a:buNone/>
+              <a:tabLst>
+                <a:tab algn="l" pos="0"/>
+              </a:tabLst>
+            </a:pPr>
+            <a:endParaRPr b="0" lang="en-US" sz="1200" spc="-1" strike="noStrike">
+              <a:solidFill>
+                <a:srgbClr val="000000"/>
+              </a:solidFill>
+              <a:latin typeface="Arial"/>
+            </a:endParaRPr>
+          </a:p>
+          <a:p>
+            <a:pPr marL="216000" indent="0">
+              <a:lnSpc>
+                <a:spcPct val="100000"/>
+              </a:lnSpc>
+              <a:buNone/>
+              <a:tabLst>
+                <a:tab algn="l" pos="0"/>
+              </a:tabLst>
+            </a:pPr>
+            <a:r>
+              <a:rPr b="0" lang="en-US" sz="2000" spc="-1" strike="noStrike">
+                <a:solidFill>
+                  <a:srgbClr val="000000"/>
+                </a:solidFill>
+                <a:latin typeface="Times New Roman"/>
+                <a:ea typeface="ＭＳ Ｐゴシック"/>
+              </a:rPr>
+              <a:t>Eschbach, </a:t>
+            </a:r>
+            <a:r>
+              <a:rPr b="0" lang="en-US" sz="2000" spc="-1" strike="noStrike">
+                <a:solidFill>
+                  <a:srgbClr val="000000"/>
+                </a:solidFill>
+                <a:latin typeface="Times New Roman"/>
+                <a:ea typeface="ＭＳ Ｐゴシック"/>
+              </a:rPr>
+              <a:t>Elicitation &amp; </a:t>
+            </a:r>
+            <a:r>
+              <a:rPr b="0" lang="en-US" sz="2000" spc="-1" strike="noStrike">
+                <a:solidFill>
+                  <a:srgbClr val="000000"/>
+                </a:solidFill>
+                <a:latin typeface="Times New Roman"/>
+                <a:ea typeface="ＭＳ Ｐゴシック"/>
+              </a:rPr>
+              <a:t>Modeling: </a:t>
+            </a:r>
+            <a:r>
+              <a:rPr b="0" lang="en-US" sz="2000" spc="-1" strike="noStrike">
+                <a:solidFill>
+                  <a:srgbClr val="000000"/>
+                </a:solidFill>
+                <a:latin typeface="Times New Roman"/>
+                <a:ea typeface="ＭＳ Ｐゴシック"/>
+              </a:rPr>
+              <a:t>Embedded </a:t>
+            </a:r>
+            <a:r>
+              <a:rPr b="0" lang="en-US" sz="2000" spc="-1" strike="noStrike">
+                <a:solidFill>
+                  <a:srgbClr val="000000"/>
+                </a:solidFill>
+                <a:latin typeface="Times New Roman"/>
+                <a:ea typeface="ＭＳ Ｐゴシック"/>
+              </a:rPr>
+              <a:t>Systems Industrial </a:t>
+            </a:r>
+            <a:r>
+              <a:rPr b="0" lang="en-US" sz="2000" spc="-1" strike="noStrike">
+                <a:solidFill>
+                  <a:srgbClr val="000000"/>
+                </a:solidFill>
+                <a:latin typeface="Times New Roman"/>
+                <a:ea typeface="ＭＳ Ｐゴシック"/>
+              </a:rPr>
+              <a:t>Formal </a:t>
+            </a:r>
+            <a:r>
+              <a:rPr b="0" lang="en-US" sz="2000" spc="-1" strike="noStrike">
+                <a:solidFill>
+                  <a:srgbClr val="000000"/>
+                </a:solidFill>
+                <a:latin typeface="Times New Roman"/>
+                <a:ea typeface="ＭＳ Ｐゴシック"/>
+              </a:rPr>
+              <a:t>Techniques, 2006</a:t>
             </a:r>
             <a:endParaRPr b="0" lang="en-US" sz="2000" spc="-1" strike="noStrike">
               <a:solidFill>
@@ -1687,7 +1753,7 @@
       </p:grpSpPr>
       <p:sp>
         <p:nvSpPr>
-          <p:cNvPr id="503" name="PlaceHolder 1"/>
+          <p:cNvPr id="497" name="PlaceHolder 1"/>
           <p:cNvSpPr>
             <a:spLocks noGrp="1"/>
           </p:cNvSpPr>
@@ -1698,7 +1764,7 @@
         <p:spPr>
           <a:xfrm>
             <a:off x="4403880" y="9556200"/>
-            <a:ext cx="3364200" cy="498600"/>
+            <a:ext cx="3363840" cy="498240"/>
           </a:xfrm>
           <a:prstGeom prst="rect">
             <a:avLst/>
@@ -1740,7 +1806,7 @@
                 <a:tab algn="l" pos="0"/>
               </a:tabLst>
             </a:pPr>
-            <a:fld id="{83D99E0F-EFEB-4A12-ABEE-388DE3CDB8BE}" type="slidenum">
+            <a:fld id="{D1F7860F-B218-4C77-A0C8-652C5F9B4E9A}" type="slidenum">
               <a:rPr b="0" lang="de-DE" sz="1400" spc="-1" strike="noStrike">
                 <a:solidFill>
                   <a:srgbClr val="000000"/>
@@ -1748,7 +1814,7 @@
                 <a:latin typeface="Times New Roman"/>
                 <a:ea typeface="ＭＳ Ｐゴシック"/>
               </a:rPr>
-              <a:t>56</a:t>
+              <a:t>54</a:t>
             </a:fld>
             <a:endParaRPr b="0" lang="en-US" sz="1400" spc="-1" strike="noStrike">
               <a:solidFill>
@@ -1761,7 +1827,7 @@
       </p:sp>
       <p:sp>
         <p:nvSpPr>
-          <p:cNvPr id="504" name="PlaceHolder 2"/>
+          <p:cNvPr id="498" name="PlaceHolder 2"/>
           <p:cNvSpPr>
             <a:spLocks noGrp="1"/>
           </p:cNvSpPr>
@@ -1772,7 +1838,7 @@
         <p:spPr>
           <a:xfrm>
             <a:off x="533520" y="755640"/>
-            <a:ext cx="6702120" cy="3768480"/>
+            <a:ext cx="6701760" cy="3768120"/>
           </a:xfrm>
           <a:prstGeom prst="rect">
             <a:avLst/>
@@ -1784,7 +1850,7 @@
       </p:sp>
       <p:sp>
         <p:nvSpPr>
-          <p:cNvPr id="505" name="PlaceHolder 3"/>
+          <p:cNvPr id="499" name="PlaceHolder 3"/>
           <p:cNvSpPr>
             <a:spLocks noGrp="1"/>
           </p:cNvSpPr>
@@ -1795,7 +1861,7 @@
         <p:spPr>
           <a:xfrm>
             <a:off x="1035720" y="4777200"/>
-            <a:ext cx="5696640" cy="4522320"/>
+            <a:ext cx="5696280" cy="4521960"/>
           </a:xfrm>
           <a:prstGeom prst="rect">
             <a:avLst/>
@@ -2040,7 +2106,7 @@
       </p:grpSpPr>
       <p:sp>
         <p:nvSpPr>
-          <p:cNvPr id="506" name="PlaceHolder 1"/>
+          <p:cNvPr id="500" name="PlaceHolder 1"/>
           <p:cNvSpPr>
             <a:spLocks noGrp="1"/>
           </p:cNvSpPr>
@@ -2051,7 +2117,7 @@
         <p:spPr>
           <a:xfrm>
             <a:off x="4403880" y="9556200"/>
-            <a:ext cx="3364200" cy="498600"/>
+            <a:ext cx="3363840" cy="498240"/>
           </a:xfrm>
           <a:prstGeom prst="rect">
             <a:avLst/>
@@ -2093,7 +2159,7 @@
                 <a:tab algn="l" pos="0"/>
               </a:tabLst>
             </a:pPr>
-            <a:fld id="{3F2A24A0-AEFA-4FC8-AFD7-4370A90CB520}" type="slidenum">
+            <a:fld id="{3B049034-227B-4BB6-BC77-D5CD92EE46F1}" type="slidenum">
               <a:rPr b="0" lang="de-DE" sz="1400" spc="-1" strike="noStrike">
                 <a:solidFill>
                   <a:srgbClr val="000000"/>
@@ -2101,7 +2167,7 @@
                 <a:latin typeface="Times New Roman"/>
                 <a:ea typeface="ＭＳ Ｐゴシック"/>
               </a:rPr>
-              <a:t>56</a:t>
+              <a:t>54</a:t>
             </a:fld>
             <a:endParaRPr b="0" lang="en-US" sz="1400" spc="-1" strike="noStrike">
               <a:solidFill>
@@ -2114,7 +2180,7 @@
       </p:sp>
       <p:sp>
         <p:nvSpPr>
-          <p:cNvPr id="507" name="PlaceHolder 2"/>
+          <p:cNvPr id="501" name="PlaceHolder 2"/>
           <p:cNvSpPr>
             <a:spLocks noGrp="1"/>
           </p:cNvSpPr>
@@ -2125,7 +2191,7 @@
         <p:spPr>
           <a:xfrm>
             <a:off x="533520" y="755640"/>
-            <a:ext cx="6702120" cy="3768480"/>
+            <a:ext cx="6701760" cy="3768120"/>
           </a:xfrm>
           <a:prstGeom prst="rect">
             <a:avLst/>
@@ -2137,7 +2203,7 @@
       </p:sp>
       <p:sp>
         <p:nvSpPr>
-          <p:cNvPr id="508" name="PlaceHolder 3"/>
+          <p:cNvPr id="502" name="PlaceHolder 3"/>
           <p:cNvSpPr>
             <a:spLocks noGrp="1"/>
           </p:cNvSpPr>
@@ -2148,7 +2214,7 @@
         <p:spPr>
           <a:xfrm>
             <a:off x="1035720" y="4777200"/>
-            <a:ext cx="5696640" cy="4522320"/>
+            <a:ext cx="5696280" cy="4521960"/>
           </a:xfrm>
           <a:prstGeom prst="rect">
             <a:avLst/>
@@ -2393,7 +2459,7 @@
       </p:grpSpPr>
       <p:sp>
         <p:nvSpPr>
-          <p:cNvPr id="509" name="PlaceHolder 1"/>
+          <p:cNvPr id="503" name="PlaceHolder 1"/>
           <p:cNvSpPr>
             <a:spLocks noGrp="1"/>
           </p:cNvSpPr>
@@ -2404,7 +2470,7 @@
         <p:spPr>
           <a:xfrm>
             <a:off x="4403880" y="9556200"/>
-            <a:ext cx="3364200" cy="498600"/>
+            <a:ext cx="3363840" cy="498240"/>
           </a:xfrm>
           <a:prstGeom prst="rect">
             <a:avLst/>
@@ -2446,7 +2512,7 @@
                 <a:tab algn="l" pos="0"/>
               </a:tabLst>
             </a:pPr>
-            <a:fld id="{1D3841D5-A3D9-4BC5-AB07-3E6E4429BEF3}" type="slidenum">
+            <a:fld id="{C117C8C1-A5C9-49C8-BC01-4D22C37D67CD}" type="slidenum">
               <a:rPr b="0" lang="de-DE" sz="1400" spc="-1" strike="noStrike">
                 <a:solidFill>
                   <a:srgbClr val="000000"/>
@@ -2454,7 +2520,7 @@
                 <a:latin typeface="Times New Roman"/>
                 <a:ea typeface="ＭＳ Ｐゴシック"/>
               </a:rPr>
-              <a:t>56</a:t>
+              <a:t>54</a:t>
             </a:fld>
             <a:endParaRPr b="0" lang="en-US" sz="1400" spc="-1" strike="noStrike">
               <a:solidFill>
@@ -2467,7 +2533,7 @@
       </p:sp>
       <p:sp>
         <p:nvSpPr>
-          <p:cNvPr id="510" name="PlaceHolder 2"/>
+          <p:cNvPr id="504" name="PlaceHolder 2"/>
           <p:cNvSpPr>
             <a:spLocks noGrp="1"/>
           </p:cNvSpPr>
@@ -2478,7 +2544,7 @@
         <p:spPr>
           <a:xfrm>
             <a:off x="533520" y="755640"/>
-            <a:ext cx="6702120" cy="3768480"/>
+            <a:ext cx="6701760" cy="3768120"/>
           </a:xfrm>
           <a:prstGeom prst="rect">
             <a:avLst/>
@@ -2490,7 +2556,7 @@
       </p:sp>
       <p:sp>
         <p:nvSpPr>
-          <p:cNvPr id="511" name="PlaceHolder 3"/>
+          <p:cNvPr id="505" name="PlaceHolder 3"/>
           <p:cNvSpPr>
             <a:spLocks noGrp="1"/>
           </p:cNvSpPr>
@@ -2501,7 +2567,7 @@
         <p:spPr>
           <a:xfrm>
             <a:off x="1035720" y="4777200"/>
-            <a:ext cx="5696640" cy="4522320"/>
+            <a:ext cx="5696280" cy="4521960"/>
           </a:xfrm>
           <a:prstGeom prst="rect">
             <a:avLst/>
@@ -2746,7 +2812,7 @@
       </p:grpSpPr>
       <p:sp>
         <p:nvSpPr>
-          <p:cNvPr id="512" name="PlaceHolder 1"/>
+          <p:cNvPr id="506" name="PlaceHolder 1"/>
           <p:cNvSpPr>
             <a:spLocks noGrp="1"/>
           </p:cNvSpPr>
@@ -2757,7 +2823,7 @@
         <p:spPr>
           <a:xfrm>
             <a:off x="4403880" y="9556200"/>
-            <a:ext cx="3364200" cy="498600"/>
+            <a:ext cx="3363840" cy="498240"/>
           </a:xfrm>
           <a:prstGeom prst="rect">
             <a:avLst/>
@@ -2799,7 +2865,7 @@
                 <a:tab algn="l" pos="0"/>
               </a:tabLst>
             </a:pPr>
-            <a:fld id="{0A253990-1131-4744-886C-4192A814DA17}" type="slidenum">
+            <a:fld id="{8575E492-3418-4471-A05B-AAB18776977B}" type="slidenum">
               <a:rPr b="0" lang="de-DE" sz="1400" spc="-1" strike="noStrike">
                 <a:solidFill>
                   <a:srgbClr val="000000"/>
@@ -2807,7 +2873,7 @@
                 <a:latin typeface="Times New Roman"/>
                 <a:ea typeface="ＭＳ Ｐゴシック"/>
               </a:rPr>
-              <a:t>56</a:t>
+              <a:t>54</a:t>
             </a:fld>
             <a:endParaRPr b="0" lang="en-US" sz="1400" spc="-1" strike="noStrike">
               <a:solidFill>
@@ -2820,7 +2886,7 @@
       </p:sp>
       <p:sp>
         <p:nvSpPr>
-          <p:cNvPr id="513" name="PlaceHolder 2"/>
+          <p:cNvPr id="507" name="PlaceHolder 2"/>
           <p:cNvSpPr>
             <a:spLocks noGrp="1"/>
           </p:cNvSpPr>
@@ -2831,7 +2897,7 @@
         <p:spPr>
           <a:xfrm>
             <a:off x="533520" y="755640"/>
-            <a:ext cx="6702120" cy="3768480"/>
+            <a:ext cx="6701760" cy="3768120"/>
           </a:xfrm>
           <a:prstGeom prst="rect">
             <a:avLst/>
@@ -2843,7 +2909,7 @@
       </p:sp>
       <p:sp>
         <p:nvSpPr>
-          <p:cNvPr id="514" name="PlaceHolder 3"/>
+          <p:cNvPr id="508" name="PlaceHolder 3"/>
           <p:cNvSpPr>
             <a:spLocks noGrp="1"/>
           </p:cNvSpPr>
@@ -2854,7 +2920,7 @@
         <p:spPr>
           <a:xfrm>
             <a:off x="1035720" y="4777200"/>
-            <a:ext cx="5696640" cy="4522320"/>
+            <a:ext cx="5696280" cy="4521960"/>
           </a:xfrm>
           <a:prstGeom prst="rect">
             <a:avLst/>
@@ -3099,7 +3165,7 @@
       </p:grpSpPr>
       <p:sp>
         <p:nvSpPr>
-          <p:cNvPr id="515" name="PlaceHolder 1"/>
+          <p:cNvPr id="509" name="PlaceHolder 1"/>
           <p:cNvSpPr>
             <a:spLocks noGrp="1"/>
           </p:cNvSpPr>
@@ -3110,7 +3176,7 @@
         <p:spPr>
           <a:xfrm>
             <a:off x="4403880" y="9556200"/>
-            <a:ext cx="3364200" cy="498600"/>
+            <a:ext cx="3363840" cy="498240"/>
           </a:xfrm>
           <a:prstGeom prst="rect">
             <a:avLst/>
@@ -3152,7 +3218,7 @@
                 <a:tab algn="l" pos="0"/>
               </a:tabLst>
             </a:pPr>
-            <a:fld id="{0DC68F66-DFD9-4C9E-B173-5F1326E0114E}" type="slidenum">
+            <a:fld id="{0413CE8A-D6C5-4DEC-991C-FFF8D4791ED3}" type="slidenum">
               <a:rPr b="0" lang="de-DE" sz="1400" spc="-1" strike="noStrike">
                 <a:solidFill>
                   <a:srgbClr val="000000"/>
@@ -3160,7 +3226,7 @@
                 <a:latin typeface="Times New Roman"/>
                 <a:ea typeface="ＭＳ Ｐゴシック"/>
               </a:rPr>
-              <a:t>56</a:t>
+              <a:t>54</a:t>
             </a:fld>
             <a:endParaRPr b="0" lang="en-US" sz="1400" spc="-1" strike="noStrike">
               <a:solidFill>
@@ -3173,7 +3239,7 @@
       </p:sp>
       <p:sp>
         <p:nvSpPr>
-          <p:cNvPr id="516" name="PlaceHolder 2"/>
+          <p:cNvPr id="510" name="PlaceHolder 2"/>
           <p:cNvSpPr>
             <a:spLocks noGrp="1"/>
           </p:cNvSpPr>
@@ -3184,7 +3250,7 @@
         <p:spPr>
           <a:xfrm>
             <a:off x="533520" y="755640"/>
-            <a:ext cx="6702120" cy="3768480"/>
+            <a:ext cx="6701760" cy="3768120"/>
           </a:xfrm>
           <a:prstGeom prst="rect">
             <a:avLst/>
@@ -3196,7 +3262,7 @@
       </p:sp>
       <p:sp>
         <p:nvSpPr>
-          <p:cNvPr id="517" name="PlaceHolder 3"/>
+          <p:cNvPr id="511" name="PlaceHolder 3"/>
           <p:cNvSpPr>
             <a:spLocks noGrp="1"/>
           </p:cNvSpPr>
@@ -3207,7 +3273,7 @@
         <p:spPr>
           <a:xfrm>
             <a:off x="1035720" y="4777200"/>
-            <a:ext cx="5696640" cy="4522320"/>
+            <a:ext cx="5696280" cy="4521960"/>
           </a:xfrm>
           <a:prstGeom prst="rect">
             <a:avLst/>
@@ -3452,7 +3518,7 @@
       </p:grpSpPr>
       <p:sp>
         <p:nvSpPr>
-          <p:cNvPr id="518" name="PlaceHolder 1"/>
+          <p:cNvPr id="512" name="PlaceHolder 1"/>
           <p:cNvSpPr>
             <a:spLocks noGrp="1"/>
           </p:cNvSpPr>
@@ -3463,7 +3529,7 @@
         <p:spPr>
           <a:xfrm>
             <a:off x="4403880" y="9556200"/>
-            <a:ext cx="3364200" cy="498600"/>
+            <a:ext cx="3363840" cy="498240"/>
           </a:xfrm>
           <a:prstGeom prst="rect">
             <a:avLst/>
@@ -3505,7 +3571,7 @@
                 <a:tab algn="l" pos="0"/>
               </a:tabLst>
             </a:pPr>
-            <a:fld id="{F655641B-9ECF-4397-8F21-41CEFB9D2489}" type="slidenum">
+            <a:fld id="{C551BF29-E792-44B6-A432-CB43538BAA7E}" type="slidenum">
               <a:rPr b="0" lang="de-DE" sz="1400" spc="-1" strike="noStrike">
                 <a:solidFill>
                   <a:srgbClr val="000000"/>
@@ -3513,7 +3579,7 @@
                 <a:latin typeface="Times New Roman"/>
                 <a:ea typeface="ＭＳ Ｐゴシック"/>
               </a:rPr>
-              <a:t>56</a:t>
+              <a:t>54</a:t>
             </a:fld>
             <a:endParaRPr b="0" lang="en-US" sz="1400" spc="-1" strike="noStrike">
               <a:solidFill>
@@ -3526,7 +3592,7 @@
       </p:sp>
       <p:sp>
         <p:nvSpPr>
-          <p:cNvPr id="519" name="PlaceHolder 2"/>
+          <p:cNvPr id="513" name="PlaceHolder 2"/>
           <p:cNvSpPr>
             <a:spLocks noGrp="1"/>
           </p:cNvSpPr>
@@ -3537,7 +3603,7 @@
         <p:spPr>
           <a:xfrm>
             <a:off x="533520" y="755640"/>
-            <a:ext cx="6702120" cy="3768480"/>
+            <a:ext cx="6701760" cy="3768120"/>
           </a:xfrm>
           <a:prstGeom prst="rect">
             <a:avLst/>
@@ -3549,7 +3615,7 @@
       </p:sp>
       <p:sp>
         <p:nvSpPr>
-          <p:cNvPr id="520" name="PlaceHolder 3"/>
+          <p:cNvPr id="514" name="PlaceHolder 3"/>
           <p:cNvSpPr>
             <a:spLocks noGrp="1"/>
           </p:cNvSpPr>
@@ -3560,7 +3626,7 @@
         <p:spPr>
           <a:xfrm>
             <a:off x="1035720" y="4777200"/>
-            <a:ext cx="5696640" cy="4522320"/>
+            <a:ext cx="5696280" cy="4521960"/>
           </a:xfrm>
           <a:prstGeom prst="rect">
             <a:avLst/>
@@ -3805,7 +3871,7 @@
       </p:grpSpPr>
       <p:sp>
         <p:nvSpPr>
-          <p:cNvPr id="521" name="PlaceHolder 1"/>
+          <p:cNvPr id="515" name="PlaceHolder 1"/>
           <p:cNvSpPr>
             <a:spLocks noGrp="1"/>
           </p:cNvSpPr>
@@ -3816,7 +3882,7 @@
         <p:spPr>
           <a:xfrm>
             <a:off x="4403880" y="9556200"/>
-            <a:ext cx="3364200" cy="498600"/>
+            <a:ext cx="3363840" cy="498240"/>
           </a:xfrm>
           <a:prstGeom prst="rect">
             <a:avLst/>
@@ -3858,7 +3924,7 @@
                 <a:tab algn="l" pos="0"/>
               </a:tabLst>
             </a:pPr>
-            <a:fld id="{9F398BBA-B904-40FE-958F-C53DD4748C0D}" type="slidenum">
+            <a:fld id="{ACCC6DE7-717C-4717-97FE-25E7604A3827}" type="slidenum">
               <a:rPr b="0" lang="de-DE" sz="1400" spc="-1" strike="noStrike">
                 <a:solidFill>
                   <a:srgbClr val="000000"/>
@@ -3866,7 +3932,7 @@
                 <a:latin typeface="Times New Roman"/>
                 <a:ea typeface="ＭＳ Ｐゴシック"/>
               </a:rPr>
-              <a:t>56</a:t>
+              <a:t>54</a:t>
             </a:fld>
             <a:endParaRPr b="0" lang="en-US" sz="1400" spc="-1" strike="noStrike">
               <a:solidFill>
@@ -3879,7 +3945,7 @@
       </p:sp>
       <p:sp>
         <p:nvSpPr>
-          <p:cNvPr id="522" name="PlaceHolder 2"/>
+          <p:cNvPr id="516" name="PlaceHolder 2"/>
           <p:cNvSpPr>
             <a:spLocks noGrp="1"/>
           </p:cNvSpPr>
@@ -3890,7 +3956,7 @@
         <p:spPr>
           <a:xfrm>
             <a:off x="533520" y="755640"/>
-            <a:ext cx="6702120" cy="3768480"/>
+            <a:ext cx="6701760" cy="3768120"/>
           </a:xfrm>
           <a:prstGeom prst="rect">
             <a:avLst/>
@@ -3902,7 +3968,7 @@
       </p:sp>
       <p:sp>
         <p:nvSpPr>
-          <p:cNvPr id="523" name="PlaceHolder 3"/>
+          <p:cNvPr id="517" name="PlaceHolder 3"/>
           <p:cNvSpPr>
             <a:spLocks noGrp="1"/>
           </p:cNvSpPr>
@@ -3913,7 +3979,7 @@
         <p:spPr>
           <a:xfrm>
             <a:off x="1035720" y="4777200"/>
-            <a:ext cx="5696640" cy="4522320"/>
+            <a:ext cx="5696280" cy="4521960"/>
           </a:xfrm>
           <a:prstGeom prst="rect">
             <a:avLst/>
@@ -4158,7 +4224,7 @@
       </p:grpSpPr>
       <p:sp>
         <p:nvSpPr>
-          <p:cNvPr id="524" name="PlaceHolder 1"/>
+          <p:cNvPr id="518" name="PlaceHolder 1"/>
           <p:cNvSpPr>
             <a:spLocks noGrp="1"/>
           </p:cNvSpPr>
@@ -4169,7 +4235,7 @@
         <p:spPr>
           <a:xfrm>
             <a:off x="4403880" y="9556200"/>
-            <a:ext cx="3364200" cy="498600"/>
+            <a:ext cx="3363840" cy="498240"/>
           </a:xfrm>
           <a:prstGeom prst="rect">
             <a:avLst/>
@@ -4211,7 +4277,7 @@
                 <a:tab algn="l" pos="0"/>
               </a:tabLst>
             </a:pPr>
-            <a:fld id="{385D575C-DD2A-4910-9DF0-ABDB785C9B02}" type="slidenum">
+            <a:fld id="{6BC8E896-A6F7-4D28-B315-2D114A93DE5C}" type="slidenum">
               <a:rPr b="0" lang="de-DE" sz="1400" spc="-1" strike="noStrike">
                 <a:solidFill>
                   <a:srgbClr val="000000"/>
@@ -4219,7 +4285,7 @@
                 <a:latin typeface="Times New Roman"/>
                 <a:ea typeface="ＭＳ Ｐゴシック"/>
               </a:rPr>
-              <a:t>56</a:t>
+              <a:t>54</a:t>
             </a:fld>
             <a:endParaRPr b="0" lang="en-US" sz="1400" spc="-1" strike="noStrike">
               <a:solidFill>
@@ -4232,7 +4298,7 @@
       </p:sp>
       <p:sp>
         <p:nvSpPr>
-          <p:cNvPr id="525" name="PlaceHolder 2"/>
+          <p:cNvPr id="519" name="PlaceHolder 2"/>
           <p:cNvSpPr>
             <a:spLocks noGrp="1"/>
           </p:cNvSpPr>
@@ -4243,7 +4309,7 @@
         <p:spPr>
           <a:xfrm>
             <a:off x="533520" y="755640"/>
-            <a:ext cx="6702120" cy="3768480"/>
+            <a:ext cx="6701760" cy="3768120"/>
           </a:xfrm>
           <a:prstGeom prst="rect">
             <a:avLst/>
@@ -4255,7 +4321,7 @@
       </p:sp>
       <p:sp>
         <p:nvSpPr>
-          <p:cNvPr id="526" name="PlaceHolder 3"/>
+          <p:cNvPr id="520" name="PlaceHolder 3"/>
           <p:cNvSpPr>
             <a:spLocks noGrp="1"/>
           </p:cNvSpPr>
@@ -4266,7 +4332,7 @@
         <p:spPr>
           <a:xfrm>
             <a:off x="1035720" y="4777200"/>
-            <a:ext cx="5696640" cy="4522320"/>
+            <a:ext cx="5696280" cy="4521960"/>
           </a:xfrm>
           <a:prstGeom prst="rect">
             <a:avLst/>
@@ -4511,7 +4577,7 @@
       </p:grpSpPr>
       <p:sp>
         <p:nvSpPr>
-          <p:cNvPr id="527" name="PlaceHolder 1"/>
+          <p:cNvPr id="521" name="PlaceHolder 1"/>
           <p:cNvSpPr>
             <a:spLocks noGrp="1"/>
           </p:cNvSpPr>
@@ -4522,7 +4588,7 @@
         <p:spPr>
           <a:xfrm>
             <a:off x="4403880" y="9556200"/>
-            <a:ext cx="3364200" cy="498600"/>
+            <a:ext cx="3363840" cy="498240"/>
           </a:xfrm>
           <a:prstGeom prst="rect">
             <a:avLst/>
@@ -4564,7 +4630,7 @@
                 <a:tab algn="l" pos="0"/>
               </a:tabLst>
             </a:pPr>
-            <a:fld id="{E3111397-FF26-4C53-85A0-26BCF0474163}" type="slidenum">
+            <a:fld id="{66216085-F54D-4051-B76E-46DADAF8C7EC}" type="slidenum">
               <a:rPr b="0" lang="de-DE" sz="1400" spc="-1" strike="noStrike">
                 <a:solidFill>
                   <a:srgbClr val="000000"/>
@@ -4572,7 +4638,7 @@
                 <a:latin typeface="Times New Roman"/>
                 <a:ea typeface="ＭＳ Ｐゴシック"/>
               </a:rPr>
-              <a:t>56</a:t>
+              <a:t>54</a:t>
             </a:fld>
             <a:endParaRPr b="0" lang="en-US" sz="1400" spc="-1" strike="noStrike">
               <a:solidFill>
@@ -4585,7 +4651,7 @@
       </p:sp>
       <p:sp>
         <p:nvSpPr>
-          <p:cNvPr id="528" name="PlaceHolder 2"/>
+          <p:cNvPr id="522" name="PlaceHolder 2"/>
           <p:cNvSpPr>
             <a:spLocks noGrp="1"/>
           </p:cNvSpPr>
@@ -4596,7 +4662,7 @@
         <p:spPr>
           <a:xfrm>
             <a:off x="533520" y="755640"/>
-            <a:ext cx="6702120" cy="3768480"/>
+            <a:ext cx="6701760" cy="3768120"/>
           </a:xfrm>
           <a:prstGeom prst="rect">
             <a:avLst/>
@@ -4608,7 +4674,7 @@
       </p:sp>
       <p:sp>
         <p:nvSpPr>
-          <p:cNvPr id="529" name="PlaceHolder 3"/>
+          <p:cNvPr id="523" name="PlaceHolder 3"/>
           <p:cNvSpPr>
             <a:spLocks noGrp="1"/>
           </p:cNvSpPr>
@@ -4619,7 +4685,7 @@
         <p:spPr>
           <a:xfrm>
             <a:off x="1035720" y="4777200"/>
-            <a:ext cx="5696640" cy="4522320"/>
+            <a:ext cx="5696280" cy="4521960"/>
           </a:xfrm>
           <a:prstGeom prst="rect">
             <a:avLst/>
@@ -4650,97 +4716,7 @@
                 </a:solidFill>
                 <a:latin typeface="Times New Roman"/>
               </a:rPr>
-              <a:t>Vier Variablen Modell </a:t>
-            </a:r>
-            <a:r>
-              <a:rPr b="0" lang="en-US" sz="2000" spc="-1" strike="noStrike">
-                <a:solidFill>
-                  <a:srgbClr val="000000"/>
-                </a:solidFill>
-                <a:latin typeface="Times New Roman"/>
-              </a:rPr>
-              <a:t>in einem Satz: </a:t>
-            </a:r>
-            <a:r>
-              <a:rPr b="0" lang="en-US" sz="2000" spc="-1" strike="noStrike">
-                <a:solidFill>
-                  <a:srgbClr val="000000"/>
-                </a:solidFill>
-                <a:latin typeface="Times New Roman"/>
-              </a:rPr>
-              <a:t>Grundlagen sind </a:t>
-            </a:r>
-            <a:r>
-              <a:rPr b="0" lang="en-US" sz="2000" spc="-1" strike="noStrike">
-                <a:solidFill>
-                  <a:srgbClr val="000000"/>
-                </a:solidFill>
-                <a:latin typeface="Times New Roman"/>
-              </a:rPr>
-              <a:t>Variablen </a:t>
-            </a:r>
-            <a:r>
-              <a:rPr b="0" lang="en-US" sz="2000" spc="-1" strike="noStrike">
-                <a:solidFill>
-                  <a:srgbClr val="000000"/>
-                </a:solidFill>
-                <a:latin typeface="Times New Roman"/>
-              </a:rPr>
-              <a:t>(Grundlegendes </a:t>
-            </a:r>
-            <a:r>
-              <a:rPr b="0" lang="en-US" sz="2000" spc="-1" strike="noStrike">
-                <a:solidFill>
-                  <a:srgbClr val="000000"/>
-                </a:solidFill>
-                <a:latin typeface="Times New Roman"/>
-              </a:rPr>
-              <a:t>Modell), Erweiterung </a:t>
-            </a:r>
-            <a:r>
-              <a:rPr b="0" lang="en-US" sz="2000" spc="-1" strike="noStrike">
-                <a:solidFill>
-                  <a:srgbClr val="000000"/>
-                </a:solidFill>
-                <a:latin typeface="Times New Roman"/>
-              </a:rPr>
-              <a:t>über Realtionen -&gt; </a:t>
-            </a:r>
-            <a:r>
-              <a:rPr b="0" lang="en-US" sz="2000" spc="-1" strike="noStrike">
-                <a:solidFill>
-                  <a:srgbClr val="000000"/>
-                </a:solidFill>
-                <a:latin typeface="Times New Roman"/>
-              </a:rPr>
-              <a:t>Grundlage für </a:t>
-            </a:r>
-            <a:r>
-              <a:rPr b="0" lang="en-US" sz="2000" spc="-1" strike="noStrike">
-                <a:solidFill>
-                  <a:srgbClr val="000000"/>
-                </a:solidFill>
-                <a:latin typeface="Times New Roman"/>
-              </a:rPr>
-              <a:t>Dokumente: Wie </a:t>
-            </a:r>
-            <a:r>
-              <a:rPr b="0" lang="en-US" sz="2000" spc="-1" strike="noStrike">
-                <a:solidFill>
-                  <a:srgbClr val="000000"/>
-                </a:solidFill>
-                <a:latin typeface="Times New Roman"/>
-              </a:rPr>
-              <a:t>dokumentiere ich </a:t>
-            </a:r>
-            <a:r>
-              <a:rPr b="0" lang="en-US" sz="2000" spc="-1" strike="noStrike">
-                <a:solidFill>
-                  <a:srgbClr val="000000"/>
-                </a:solidFill>
-                <a:latin typeface="Times New Roman"/>
-              </a:rPr>
-              <a:t>sowas</a:t>
+              <a:t>Vier Variablen Modell in einem Satz: Grundlagen sind Variablen (Grundlegendes Modell), Erweiterung über Realtionen -&gt; Grundlage für Dokumente: Wie dokumentiere ich sowas</a:t>
             </a:r>
             <a:endParaRPr b="0" lang="en-US" sz="2000" spc="-1" strike="noStrike">
               <a:solidFill>
@@ -4784,8 +4760,25 @@
                 <a:latin typeface="Times New Roman"/>
                 <a:ea typeface="ＭＳ Ｐゴシック"/>
               </a:rPr>
-              <a:t>Controlled V-&gt; Ausgabewerte die durch </a:t>
-            </a:r>
+              <a:t>Controlled V-&gt; Ausgabewerte die durch das System beschrieben / verändert werden</a:t>
+            </a:r>
+            <a:endParaRPr b="0" lang="en-US" sz="1200" spc="-1" strike="noStrike">
+              <a:solidFill>
+                <a:srgbClr val="000000"/>
+              </a:solidFill>
+              <a:latin typeface="Arial"/>
+            </a:endParaRPr>
+          </a:p>
+          <a:p>
+            <a:pPr marL="216000" indent="0">
+              <a:lnSpc>
+                <a:spcPct val="100000"/>
+              </a:lnSpc>
+              <a:buNone/>
+              <a:tabLst>
+                <a:tab algn="l" pos="0"/>
+              </a:tabLst>
+            </a:pPr>
             <a:r>
               <a:rPr b="0" lang="en-US" sz="1200" spc="-1" strike="noStrike">
                 <a:solidFill>
@@ -4794,8 +4787,25 @@
                 <a:latin typeface="Times New Roman"/>
                 <a:ea typeface="ＭＳ Ｐゴシック"/>
               </a:rPr>
-              <a:t>das System beschrieben / verändert </a:t>
-            </a:r>
+              <a:t>Monitored V -&gt; EingabeWerte, die durch das System beschrieben werden</a:t>
+            </a:r>
+            <a:endParaRPr b="0" lang="en-US" sz="1200" spc="-1" strike="noStrike">
+              <a:solidFill>
+                <a:srgbClr val="000000"/>
+              </a:solidFill>
+              <a:latin typeface="Arial"/>
+            </a:endParaRPr>
+          </a:p>
+          <a:p>
+            <a:pPr marL="216000" indent="0">
+              <a:lnSpc>
+                <a:spcPct val="100000"/>
+              </a:lnSpc>
+              <a:buNone/>
+              <a:tabLst>
+                <a:tab algn="l" pos="0"/>
+              </a:tabLst>
+            </a:pPr>
             <a:r>
               <a:rPr b="0" lang="en-US" sz="1200" spc="-1" strike="noStrike">
                 <a:solidFill>
@@ -4804,7 +4814,7 @@
                 <a:latin typeface="Times New Roman"/>
                 <a:ea typeface="ＭＳ Ｐゴシック"/>
               </a:rPr>
-              <a:t>werden</a:t>
+              <a:t>Output V -&gt; represents controlled V.</a:t>
             </a:r>
             <a:endParaRPr b="0" lang="en-US" sz="1200" spc="-1" strike="noStrike">
               <a:solidFill>
@@ -4831,17 +4841,17 @@
                 <a:latin typeface="Times New Roman"/>
                 <a:ea typeface="ＭＳ Ｐゴシック"/>
               </a:rPr>
-              <a:t>Monitored V -&gt; EingabeWerte, die durch </a:t>
-            </a:r>
-            <a:r>
-              <a:rPr b="0" lang="en-US" sz="1200" spc="-1" strike="noStrike">
+              <a:t>Input V -&gt; </a:t>
+            </a:r>
+            <a:r>
+              <a:rPr b="0" lang="de-DE" sz="1200" spc="-1" strike="noStrike">
                 <a:solidFill>
                   <a:srgbClr val="000000"/>
                 </a:solidFill>
                 <a:latin typeface="Times New Roman"/>
                 <a:ea typeface="ＭＳ Ｐゴシック"/>
               </a:rPr>
-              <a:t>das System beschrieben werden</a:t>
+              <a:t>represents monitored V.</a:t>
             </a:r>
             <a:endParaRPr b="0" lang="en-US" sz="1200" spc="-1" strike="noStrike">
               <a:solidFill>
@@ -4860,136 +4870,32 @@
                 <a:tab algn="l" pos="0"/>
               </a:tabLst>
             </a:pPr>
-            <a:r>
-              <a:rPr b="0" lang="en-US" sz="1200" spc="-1" strike="noStrike">
+            <a:endParaRPr b="0" lang="en-US" sz="1200" spc="-1" strike="noStrike">
+              <a:solidFill>
+                <a:srgbClr val="000000"/>
+              </a:solidFill>
+              <a:latin typeface="Arial"/>
+            </a:endParaRPr>
+          </a:p>
+          <a:p>
+            <a:pPr marL="216000" indent="0">
+              <a:lnSpc>
+                <a:spcPct val="100000"/>
+              </a:lnSpc>
+              <a:buNone/>
+              <a:tabLst>
+                <a:tab algn="l" pos="0"/>
+              </a:tabLst>
+            </a:pPr>
+            <a:r>
+              <a:rPr b="0" lang="en-US" sz="2000" spc="-1" strike="noStrike">
                 <a:solidFill>
                   <a:srgbClr val="000000"/>
                 </a:solidFill>
                 <a:latin typeface="Times New Roman"/>
                 <a:ea typeface="ＭＳ Ｐゴシック"/>
               </a:rPr>
-              <a:t>Output V -&gt; represents controlled V.</a:t>
-            </a:r>
-            <a:endParaRPr b="0" lang="en-US" sz="1200" spc="-1" strike="noStrike">
-              <a:solidFill>
-                <a:srgbClr val="000000"/>
-              </a:solidFill>
-              <a:latin typeface="Arial"/>
-            </a:endParaRPr>
-          </a:p>
-          <a:p>
-            <a:pPr marL="216000" indent="0">
-              <a:lnSpc>
-                <a:spcPct val="100000"/>
-              </a:lnSpc>
-              <a:buNone/>
-              <a:tabLst>
-                <a:tab algn="l" pos="0"/>
-              </a:tabLst>
-            </a:pPr>
-            <a:r>
-              <a:rPr b="0" lang="en-US" sz="1200" spc="-1" strike="noStrike">
-                <a:solidFill>
-                  <a:srgbClr val="000000"/>
-                </a:solidFill>
-                <a:latin typeface="Times New Roman"/>
-                <a:ea typeface="ＭＳ Ｐゴシック"/>
-              </a:rPr>
-              <a:t>Input V -&gt; </a:t>
-            </a:r>
-            <a:r>
-              <a:rPr b="0" lang="de-DE" sz="1200" spc="-1" strike="noStrike">
-                <a:solidFill>
-                  <a:srgbClr val="000000"/>
-                </a:solidFill>
-                <a:latin typeface="Times New Roman"/>
-                <a:ea typeface="ＭＳ Ｐゴシック"/>
-              </a:rPr>
-              <a:t>represents monitored V.</a:t>
-            </a:r>
-            <a:endParaRPr b="0" lang="en-US" sz="1200" spc="-1" strike="noStrike">
-              <a:solidFill>
-                <a:srgbClr val="000000"/>
-              </a:solidFill>
-              <a:latin typeface="Arial"/>
-            </a:endParaRPr>
-          </a:p>
-          <a:p>
-            <a:pPr marL="216000" indent="0">
-              <a:lnSpc>
-                <a:spcPct val="100000"/>
-              </a:lnSpc>
-              <a:buNone/>
-              <a:tabLst>
-                <a:tab algn="l" pos="0"/>
-              </a:tabLst>
-            </a:pPr>
-            <a:endParaRPr b="0" lang="en-US" sz="1200" spc="-1" strike="noStrike">
-              <a:solidFill>
-                <a:srgbClr val="000000"/>
-              </a:solidFill>
-              <a:latin typeface="Arial"/>
-            </a:endParaRPr>
-          </a:p>
-          <a:p>
-            <a:pPr marL="216000" indent="0">
-              <a:lnSpc>
-                <a:spcPct val="100000"/>
-              </a:lnSpc>
-              <a:buNone/>
-              <a:tabLst>
-                <a:tab algn="l" pos="0"/>
-              </a:tabLst>
-            </a:pPr>
-            <a:r>
-              <a:rPr b="0" lang="en-US" sz="2000" spc="-1" strike="noStrike">
-                <a:solidFill>
-                  <a:srgbClr val="000000"/>
-                </a:solidFill>
-                <a:latin typeface="Times New Roman"/>
-                <a:ea typeface="ＭＳ Ｐゴシック"/>
-              </a:rPr>
-              <a:t>Eschbach, Elicitation &amp; </a:t>
-            </a:r>
-            <a:r>
-              <a:rPr b="0" lang="en-US" sz="2000" spc="-1" strike="noStrike">
-                <a:solidFill>
-                  <a:srgbClr val="000000"/>
-                </a:solidFill>
-                <a:latin typeface="Times New Roman"/>
-                <a:ea typeface="ＭＳ Ｐゴシック"/>
-              </a:rPr>
-              <a:t>Modeling: Embedded </a:t>
-            </a:r>
-            <a:r>
-              <a:rPr b="0" lang="en-US" sz="2000" spc="-1" strike="noStrike">
-                <a:solidFill>
-                  <a:srgbClr val="000000"/>
-                </a:solidFill>
-                <a:latin typeface="Times New Roman"/>
-                <a:ea typeface="ＭＳ Ｐゴシック"/>
-              </a:rPr>
-              <a:t>Systems Industrial </a:t>
-            </a:r>
-            <a:r>
-              <a:rPr b="0" lang="en-US" sz="2000" spc="-1" strike="noStrike">
-                <a:solidFill>
-                  <a:srgbClr val="000000"/>
-                </a:solidFill>
-                <a:latin typeface="Times New Roman"/>
-                <a:ea typeface="ＭＳ Ｐゴシック"/>
-              </a:rPr>
-              <a:t>Formal Techniques, </a:t>
-            </a:r>
-            <a:r>
-              <a:rPr b="0" lang="en-US" sz="2000" spc="-1" strike="noStrike">
-                <a:solidFill>
-                  <a:srgbClr val="000000"/>
-                </a:solidFill>
-                <a:latin typeface="Times New Roman"/>
-                <a:ea typeface="ＭＳ Ｐゴシック"/>
-              </a:rPr>
-              <a:t>2006</a:t>
+              <a:t>Eschbach, Elicitation &amp; Modeling: Embedded Systems Industrial Formal Techniques, 2006</a:t>
             </a:r>
             <a:endParaRPr b="0" lang="en-US" sz="2000" spc="-1" strike="noStrike">
               <a:solidFill>
@@ -5024,7 +4930,7 @@
       </p:grpSpPr>
       <p:sp>
         <p:nvSpPr>
-          <p:cNvPr id="530" name="PlaceHolder 1"/>
+          <p:cNvPr id="524" name="PlaceHolder 1"/>
           <p:cNvSpPr>
             <a:spLocks noGrp="1"/>
           </p:cNvSpPr>
@@ -5035,7 +4941,7 @@
         <p:spPr>
           <a:xfrm>
             <a:off x="4403880" y="9556200"/>
-            <a:ext cx="3364200" cy="498600"/>
+            <a:ext cx="3363840" cy="498240"/>
           </a:xfrm>
           <a:prstGeom prst="rect">
             <a:avLst/>
@@ -5077,7 +4983,7 @@
                 <a:tab algn="l" pos="0"/>
               </a:tabLst>
             </a:pPr>
-            <a:fld id="{F6BB67F9-0957-473B-9030-BF8A51A919DE}" type="slidenum">
+            <a:fld id="{465E30D9-FD4D-41B9-9FBE-18EF2FBBFFBD}" type="slidenum">
               <a:rPr b="0" lang="de-DE" sz="1400" spc="-1" strike="noStrike">
                 <a:solidFill>
                   <a:srgbClr val="000000"/>
@@ -5085,7 +4991,7 @@
                 <a:latin typeface="Times New Roman"/>
                 <a:ea typeface="ＭＳ Ｐゴシック"/>
               </a:rPr>
-              <a:t>56</a:t>
+              <a:t>54</a:t>
             </a:fld>
             <a:endParaRPr b="0" lang="en-US" sz="1400" spc="-1" strike="noStrike">
               <a:solidFill>
@@ -5098,7 +5004,7 @@
       </p:sp>
       <p:sp>
         <p:nvSpPr>
-          <p:cNvPr id="531" name="PlaceHolder 2"/>
+          <p:cNvPr id="525" name="PlaceHolder 2"/>
           <p:cNvSpPr>
             <a:spLocks noGrp="1"/>
           </p:cNvSpPr>
@@ -5109,7 +5015,7 @@
         <p:spPr>
           <a:xfrm>
             <a:off x="533520" y="755640"/>
-            <a:ext cx="6702120" cy="3768480"/>
+            <a:ext cx="6701760" cy="3768120"/>
           </a:xfrm>
           <a:prstGeom prst="rect">
             <a:avLst/>
@@ -5121,7 +5027,7 @@
       </p:sp>
       <p:sp>
         <p:nvSpPr>
-          <p:cNvPr id="532" name="PlaceHolder 3"/>
+          <p:cNvPr id="526" name="PlaceHolder 3"/>
           <p:cNvSpPr>
             <a:spLocks noGrp="1"/>
           </p:cNvSpPr>
@@ -5132,7 +5038,7 @@
         <p:spPr>
           <a:xfrm>
             <a:off x="1035720" y="4777200"/>
-            <a:ext cx="5696640" cy="4522320"/>
+            <a:ext cx="5696280" cy="4521960"/>
           </a:xfrm>
           <a:prstGeom prst="rect">
             <a:avLst/>
@@ -5163,16 +5069,7 @@
                 </a:solidFill>
                 <a:latin typeface="Times New Roman"/>
               </a:rPr>
-              <a:t>Vier Variablen Modell in einem Satz: Grundlagen sind Variablen (Grundlegendes Modell), </a:t>
-            </a:r>
-            <a:r>
-              <a:rPr b="0" lang="en-US" sz="2000" spc="-1" strike="noStrike">
-                <a:solidFill>
-                  <a:srgbClr val="000000"/>
-                </a:solidFill>
-                <a:latin typeface="Times New Roman"/>
-              </a:rPr>
-              <a:t>Erweiterung über Realtionen -&gt; Grundlage für Dokumente: Wie dokumentiere ich sowas</a:t>
+              <a:t>Vier Variablen Modell in einem Satz: Grundlagen sind Variablen (Grundlegendes Modell), Erweiterung über Realtionen -&gt; Grundlage für Dokumente: Wie dokumentiere ich sowas</a:t>
             </a:r>
             <a:endParaRPr b="0" lang="en-US" sz="2000" spc="-1" strike="noStrike">
               <a:solidFill>
@@ -5386,7 +5283,7 @@
       </p:grpSpPr>
       <p:sp>
         <p:nvSpPr>
-          <p:cNvPr id="533" name="PlaceHolder 1"/>
+          <p:cNvPr id="527" name="PlaceHolder 1"/>
           <p:cNvSpPr>
             <a:spLocks noGrp="1"/>
           </p:cNvSpPr>
@@ -5397,7 +5294,7 @@
         <p:spPr>
           <a:xfrm>
             <a:off x="4403880" y="9556200"/>
-            <a:ext cx="3364200" cy="498600"/>
+            <a:ext cx="3363840" cy="498240"/>
           </a:xfrm>
           <a:prstGeom prst="rect">
             <a:avLst/>
@@ -5439,7 +5336,7 @@
                 <a:tab algn="l" pos="0"/>
               </a:tabLst>
             </a:pPr>
-            <a:fld id="{D211F4C6-B441-43EF-9287-8DDC417C8C67}" type="slidenum">
+            <a:fld id="{93D7C151-76EC-447D-BE8D-6893546F0324}" type="slidenum">
               <a:rPr b="0" lang="de-DE" sz="1400" spc="-1" strike="noStrike">
                 <a:solidFill>
                   <a:srgbClr val="000000"/>
@@ -5447,7 +5344,7 @@
                 <a:latin typeface="Times New Roman"/>
                 <a:ea typeface="ＭＳ Ｐゴシック"/>
               </a:rPr>
-              <a:t>56</a:t>
+              <a:t>&lt;number&gt;</a:t>
             </a:fld>
             <a:endParaRPr b="0" lang="en-US" sz="1400" spc="-1" strike="noStrike">
               <a:solidFill>
@@ -5460,7 +5357,7 @@
       </p:sp>
       <p:sp>
         <p:nvSpPr>
-          <p:cNvPr id="534" name="PlaceHolder 2"/>
+          <p:cNvPr id="528" name="PlaceHolder 2"/>
           <p:cNvSpPr>
             <a:spLocks noGrp="1"/>
           </p:cNvSpPr>
@@ -5471,7 +5368,7 @@
         <p:spPr>
           <a:xfrm>
             <a:off x="533520" y="755640"/>
-            <a:ext cx="6702120" cy="3768480"/>
+            <a:ext cx="6701760" cy="3768120"/>
           </a:xfrm>
           <a:prstGeom prst="rect">
             <a:avLst/>
@@ -5483,7 +5380,7 @@
       </p:sp>
       <p:sp>
         <p:nvSpPr>
-          <p:cNvPr id="535" name="PlaceHolder 3"/>
+          <p:cNvPr id="529" name="PlaceHolder 3"/>
           <p:cNvSpPr>
             <a:spLocks noGrp="1"/>
           </p:cNvSpPr>
@@ -5494,7 +5391,7 @@
         <p:spPr>
           <a:xfrm>
             <a:off x="1035720" y="4777200"/>
-            <a:ext cx="5696640" cy="4522320"/>
+            <a:ext cx="5696280" cy="4521960"/>
           </a:xfrm>
           <a:prstGeom prst="rect">
             <a:avLst/>
@@ -5525,16 +5422,7 @@
                 </a:solidFill>
                 <a:latin typeface="Times New Roman"/>
               </a:rPr>
-              <a:t>Vier Variablen Modell in einem Satz: Grundlagen sind Variablen (Grundlegendes Modell), </a:t>
-            </a:r>
-            <a:r>
-              <a:rPr b="0" lang="en-US" sz="2000" spc="-1" strike="noStrike">
-                <a:solidFill>
-                  <a:srgbClr val="000000"/>
-                </a:solidFill>
-                <a:latin typeface="Times New Roman"/>
-              </a:rPr>
-              <a:t>Erweiterung über Realtionen -&gt; Grundlage für Dokumente: Wie dokumentiere ich sowas</a:t>
+              <a:t>Vier Variablen Modell in einem Satz: Grundlagen sind Variablen (Grundlegendes Modell), Erweiterung über Realtionen -&gt; Grundlage für Dokumente: Wie dokumentiere ich sowas</a:t>
             </a:r>
             <a:endParaRPr b="0" lang="en-US" sz="2000" spc="-1" strike="noStrike">
               <a:solidFill>
@@ -5748,7 +5636,7 @@
       </p:grpSpPr>
       <p:sp>
         <p:nvSpPr>
-          <p:cNvPr id="536" name="PlaceHolder 1"/>
+          <p:cNvPr id="530" name="PlaceHolder 1"/>
           <p:cNvSpPr>
             <a:spLocks noGrp="1"/>
           </p:cNvSpPr>
@@ -5759,7 +5647,7 @@
         <p:spPr>
           <a:xfrm>
             <a:off x="4403880" y="9556200"/>
-            <a:ext cx="3364200" cy="498600"/>
+            <a:ext cx="3363840" cy="498240"/>
           </a:xfrm>
           <a:prstGeom prst="rect">
             <a:avLst/>
@@ -5801,7 +5689,7 @@
                 <a:tab algn="l" pos="0"/>
               </a:tabLst>
             </a:pPr>
-            <a:fld id="{72DCD582-75F3-4C63-B217-6D8ED5F65871}" type="slidenum">
+            <a:fld id="{2A055AE1-D53F-4D1A-9F25-A83A020A9CCF}" type="slidenum">
               <a:rPr b="0" lang="de-DE" sz="1400" spc="-1" strike="noStrike">
                 <a:solidFill>
                   <a:srgbClr val="000000"/>
@@ -5809,7 +5697,7 @@
                 <a:latin typeface="Times New Roman"/>
                 <a:ea typeface="ＭＳ Ｐゴシック"/>
               </a:rPr>
-              <a:t>56</a:t>
+              <a:t>&lt;number&gt;</a:t>
             </a:fld>
             <a:endParaRPr b="0" lang="en-US" sz="1400" spc="-1" strike="noStrike">
               <a:solidFill>
@@ -5822,7 +5710,7 @@
       </p:sp>
       <p:sp>
         <p:nvSpPr>
-          <p:cNvPr id="537" name="PlaceHolder 2"/>
+          <p:cNvPr id="531" name="PlaceHolder 2"/>
           <p:cNvSpPr>
             <a:spLocks noGrp="1"/>
           </p:cNvSpPr>
@@ -5833,7 +5721,7 @@
         <p:spPr>
           <a:xfrm>
             <a:off x="533520" y="755640"/>
-            <a:ext cx="6702120" cy="3768480"/>
+            <a:ext cx="6701760" cy="3768120"/>
           </a:xfrm>
           <a:prstGeom prst="rect">
             <a:avLst/>
@@ -5845,7 +5733,7 @@
       </p:sp>
       <p:sp>
         <p:nvSpPr>
-          <p:cNvPr id="538" name="PlaceHolder 3"/>
+          <p:cNvPr id="532" name="PlaceHolder 3"/>
           <p:cNvSpPr>
             <a:spLocks noGrp="1"/>
           </p:cNvSpPr>
@@ -5856,7 +5744,7 @@
         <p:spPr>
           <a:xfrm>
             <a:off x="1035720" y="4777200"/>
-            <a:ext cx="5696640" cy="4522320"/>
+            <a:ext cx="5696280" cy="4521960"/>
           </a:xfrm>
           <a:prstGeom prst="rect">
             <a:avLst/>
@@ -6101,7 +5989,7 @@
       </p:grpSpPr>
       <p:sp>
         <p:nvSpPr>
-          <p:cNvPr id="539" name="PlaceHolder 1"/>
+          <p:cNvPr id="533" name="PlaceHolder 1"/>
           <p:cNvSpPr>
             <a:spLocks noGrp="1"/>
           </p:cNvSpPr>
@@ -6112,7 +6000,7 @@
         <p:spPr>
           <a:xfrm>
             <a:off x="4403880" y="9556200"/>
-            <a:ext cx="3364200" cy="498600"/>
+            <a:ext cx="3363840" cy="498240"/>
           </a:xfrm>
           <a:prstGeom prst="rect">
             <a:avLst/>
@@ -6154,7 +6042,7 @@
                 <a:tab algn="l" pos="0"/>
               </a:tabLst>
             </a:pPr>
-            <a:fld id="{E2EAC9B7-B791-489F-B358-B3B2F24767CC}" type="slidenum">
+            <a:fld id="{BFA9FC13-5071-4521-804A-3DA4B794153B}" type="slidenum">
               <a:rPr b="0" lang="de-DE" sz="1400" spc="-1" strike="noStrike">
                 <a:solidFill>
                   <a:srgbClr val="000000"/>
@@ -6162,7 +6050,7 @@
                 <a:latin typeface="Times New Roman"/>
                 <a:ea typeface="ＭＳ Ｐゴシック"/>
               </a:rPr>
-              <a:t>56</a:t>
+              <a:t>&lt;number&gt;</a:t>
             </a:fld>
             <a:endParaRPr b="0" lang="en-US" sz="1400" spc="-1" strike="noStrike">
               <a:solidFill>
@@ -6175,7 +6063,7 @@
       </p:sp>
       <p:sp>
         <p:nvSpPr>
-          <p:cNvPr id="540" name="PlaceHolder 2"/>
+          <p:cNvPr id="534" name="PlaceHolder 2"/>
           <p:cNvSpPr>
             <a:spLocks noGrp="1"/>
           </p:cNvSpPr>
@@ -6186,7 +6074,7 @@
         <p:spPr>
           <a:xfrm>
             <a:off x="533520" y="755640"/>
-            <a:ext cx="6702120" cy="3768480"/>
+            <a:ext cx="6701760" cy="3768120"/>
           </a:xfrm>
           <a:prstGeom prst="rect">
             <a:avLst/>
@@ -6198,7 +6086,7 @@
       </p:sp>
       <p:sp>
         <p:nvSpPr>
-          <p:cNvPr id="541" name="PlaceHolder 3"/>
+          <p:cNvPr id="535" name="PlaceHolder 3"/>
           <p:cNvSpPr>
             <a:spLocks noGrp="1"/>
           </p:cNvSpPr>
@@ -6209,7 +6097,7 @@
         <p:spPr>
           <a:xfrm>
             <a:off x="1035720" y="4777200"/>
-            <a:ext cx="5696640" cy="4522320"/>
+            <a:ext cx="5696280" cy="4521960"/>
           </a:xfrm>
           <a:prstGeom prst="rect">
             <a:avLst/>
@@ -6240,16 +6128,7 @@
                 </a:solidFill>
                 <a:latin typeface="Times New Roman"/>
               </a:rPr>
-              <a:t>Vier Variablen Modell in einem Satz: Grundlagen sind Variablen (Grundlegendes Modell), </a:t>
-            </a:r>
-            <a:r>
-              <a:rPr b="0" lang="en-US" sz="2000" spc="-1" strike="noStrike">
-                <a:solidFill>
-                  <a:srgbClr val="000000"/>
-                </a:solidFill>
-                <a:latin typeface="Times New Roman"/>
-              </a:rPr>
-              <a:t>Erweiterung über Realtionen -&gt; Grundlage für Dokumente: Wie dokumentiere ich sowas</a:t>
+              <a:t>Vier Variablen Modell in einem Satz: Grundlagen sind Variablen (Grundlegendes Modell), Erweiterung über Realtionen -&gt; Grundlage für Dokumente: Wie dokumentiere ich sowas</a:t>
             </a:r>
             <a:endParaRPr b="0" lang="en-US" sz="2000" spc="-1" strike="noStrike">
               <a:solidFill>
@@ -6463,7 +6342,7 @@
       </p:grpSpPr>
       <p:sp>
         <p:nvSpPr>
-          <p:cNvPr id="542" name="PlaceHolder 1"/>
+          <p:cNvPr id="536" name="PlaceHolder 1"/>
           <p:cNvSpPr>
             <a:spLocks noGrp="1"/>
           </p:cNvSpPr>
@@ -6474,7 +6353,7 @@
         <p:spPr>
           <a:xfrm>
             <a:off x="4403880" y="9556200"/>
-            <a:ext cx="3364200" cy="498600"/>
+            <a:ext cx="3363840" cy="498240"/>
           </a:xfrm>
           <a:prstGeom prst="rect">
             <a:avLst/>
@@ -6516,7 +6395,7 @@
                 <a:tab algn="l" pos="0"/>
               </a:tabLst>
             </a:pPr>
-            <a:fld id="{1381C981-5D47-4AEF-B625-165B16F473DE}" type="slidenum">
+            <a:fld id="{1B8ECDE6-4A42-469B-9416-1BB5D8F9AE3A}" type="slidenum">
               <a:rPr b="0" lang="de-DE" sz="1400" spc="-1" strike="noStrike">
                 <a:solidFill>
                   <a:srgbClr val="000000"/>
@@ -6524,7 +6403,7 @@
                 <a:latin typeface="Times New Roman"/>
                 <a:ea typeface="ＭＳ Ｐゴシック"/>
               </a:rPr>
-              <a:t>56</a:t>
+              <a:t>&lt;number&gt;</a:t>
             </a:fld>
             <a:endParaRPr b="0" lang="en-US" sz="1400" spc="-1" strike="noStrike">
               <a:solidFill>
@@ -6537,7 +6416,7 @@
       </p:sp>
       <p:sp>
         <p:nvSpPr>
-          <p:cNvPr id="543" name="PlaceHolder 2"/>
+          <p:cNvPr id="537" name="PlaceHolder 2"/>
           <p:cNvSpPr>
             <a:spLocks noGrp="1"/>
           </p:cNvSpPr>
@@ -6548,7 +6427,7 @@
         <p:spPr>
           <a:xfrm>
             <a:off x="533520" y="755640"/>
-            <a:ext cx="6702120" cy="3768480"/>
+            <a:ext cx="6701760" cy="3768120"/>
           </a:xfrm>
           <a:prstGeom prst="rect">
             <a:avLst/>
@@ -6560,7 +6439,7 @@
       </p:sp>
       <p:sp>
         <p:nvSpPr>
-          <p:cNvPr id="544" name="PlaceHolder 3"/>
+          <p:cNvPr id="538" name="PlaceHolder 3"/>
           <p:cNvSpPr>
             <a:spLocks noGrp="1"/>
           </p:cNvSpPr>
@@ -6571,7 +6450,7 @@
         <p:spPr>
           <a:xfrm>
             <a:off x="1035720" y="4777200"/>
-            <a:ext cx="5696640" cy="4522320"/>
+            <a:ext cx="5696280" cy="4521960"/>
           </a:xfrm>
           <a:prstGeom prst="rect">
             <a:avLst/>
@@ -6602,16 +6481,7 @@
                 </a:solidFill>
                 <a:latin typeface="Times New Roman"/>
               </a:rPr>
-              <a:t>Vier Variablen Modell in einem Satz: Grundlagen sind Variablen (Grundlegendes Modell), </a:t>
-            </a:r>
-            <a:r>
-              <a:rPr b="0" lang="en-US" sz="2000" spc="-1" strike="noStrike">
-                <a:solidFill>
-                  <a:srgbClr val="000000"/>
-                </a:solidFill>
-                <a:latin typeface="Times New Roman"/>
-              </a:rPr>
-              <a:t>Erweiterung über Realtionen -&gt; Grundlage für Dokumente: Wie dokumentiere ich sowas</a:t>
+              <a:t>Vier Variablen Modell in einem Satz: Grundlagen sind Variablen (Grundlegendes Modell), Erweiterung über Realtionen -&gt; Grundlage für Dokumente: Wie dokumentiere ich sowas</a:t>
             </a:r>
             <a:endParaRPr b="0" lang="en-US" sz="2000" spc="-1" strike="noStrike">
               <a:solidFill>
@@ -6825,7 +6695,7 @@
       </p:grpSpPr>
       <p:sp>
         <p:nvSpPr>
-          <p:cNvPr id="545" name="PlaceHolder 1"/>
+          <p:cNvPr id="539" name="PlaceHolder 1"/>
           <p:cNvSpPr>
             <a:spLocks noGrp="1"/>
           </p:cNvSpPr>
@@ -6836,7 +6706,7 @@
         <p:spPr>
           <a:xfrm>
             <a:off x="4403880" y="9556200"/>
-            <a:ext cx="3364200" cy="498600"/>
+            <a:ext cx="3363840" cy="498240"/>
           </a:xfrm>
           <a:prstGeom prst="rect">
             <a:avLst/>
@@ -6878,7 +6748,7 @@
                 <a:tab algn="l" pos="0"/>
               </a:tabLst>
             </a:pPr>
-            <a:fld id="{41738651-3BA8-468B-90BE-1EB05FE86382}" type="slidenum">
+            <a:fld id="{FAF08537-1518-4607-BE97-9E3ABA4DB758}" type="slidenum">
               <a:rPr b="0" lang="de-DE" sz="1400" spc="-1" strike="noStrike">
                 <a:solidFill>
                   <a:srgbClr val="000000"/>
@@ -6886,7 +6756,7 @@
                 <a:latin typeface="Times New Roman"/>
                 <a:ea typeface="ＭＳ Ｐゴシック"/>
               </a:rPr>
-              <a:t>56</a:t>
+              <a:t>&lt;number&gt;</a:t>
             </a:fld>
             <a:endParaRPr b="0" lang="en-US" sz="1400" spc="-1" strike="noStrike">
               <a:solidFill>
@@ -6899,7 +6769,7 @@
       </p:sp>
       <p:sp>
         <p:nvSpPr>
-          <p:cNvPr id="546" name="PlaceHolder 2"/>
+          <p:cNvPr id="540" name="PlaceHolder 2"/>
           <p:cNvSpPr>
             <a:spLocks noGrp="1"/>
           </p:cNvSpPr>
@@ -6910,7 +6780,7 @@
         <p:spPr>
           <a:xfrm>
             <a:off x="533520" y="755640"/>
-            <a:ext cx="6702120" cy="3768480"/>
+            <a:ext cx="6701760" cy="3768120"/>
           </a:xfrm>
           <a:prstGeom prst="rect">
             <a:avLst/>
@@ -6922,7 +6792,7 @@
       </p:sp>
       <p:sp>
         <p:nvSpPr>
-          <p:cNvPr id="547" name="PlaceHolder 3"/>
+          <p:cNvPr id="541" name="PlaceHolder 3"/>
           <p:cNvSpPr>
             <a:spLocks noGrp="1"/>
           </p:cNvSpPr>
@@ -6933,7 +6803,7 @@
         <p:spPr>
           <a:xfrm>
             <a:off x="1035720" y="4777200"/>
-            <a:ext cx="5696640" cy="4522320"/>
+            <a:ext cx="5696280" cy="4521960"/>
           </a:xfrm>
           <a:prstGeom prst="rect">
             <a:avLst/>
@@ -7178,7 +7048,7 @@
       </p:grpSpPr>
       <p:sp>
         <p:nvSpPr>
-          <p:cNvPr id="548" name="PlaceHolder 1"/>
+          <p:cNvPr id="542" name="PlaceHolder 1"/>
           <p:cNvSpPr>
             <a:spLocks noGrp="1"/>
           </p:cNvSpPr>
@@ -7189,7 +7059,7 @@
         <p:spPr>
           <a:xfrm>
             <a:off x="4403880" y="9556200"/>
-            <a:ext cx="3364200" cy="498600"/>
+            <a:ext cx="3363840" cy="498240"/>
           </a:xfrm>
           <a:prstGeom prst="rect">
             <a:avLst/>
@@ -7231,7 +7101,7 @@
                 <a:tab algn="l" pos="0"/>
               </a:tabLst>
             </a:pPr>
-            <a:fld id="{6EBBAA64-B4AA-43B0-B7AB-518C44CA3717}" type="slidenum">
+            <a:fld id="{4A1DCABC-6CFF-436C-AB61-035EF175A1C4}" type="slidenum">
               <a:rPr b="0" lang="de-DE" sz="1400" spc="-1" strike="noStrike">
                 <a:solidFill>
                   <a:srgbClr val="000000"/>
@@ -7239,7 +7109,7 @@
                 <a:latin typeface="Times New Roman"/>
                 <a:ea typeface="ＭＳ Ｐゴシック"/>
               </a:rPr>
-              <a:t>56</a:t>
+              <a:t>&lt;number&gt;</a:t>
             </a:fld>
             <a:endParaRPr b="0" lang="en-US" sz="1400" spc="-1" strike="noStrike">
               <a:solidFill>
@@ -7252,7 +7122,7 @@
       </p:sp>
       <p:sp>
         <p:nvSpPr>
-          <p:cNvPr id="549" name="PlaceHolder 2"/>
+          <p:cNvPr id="543" name="PlaceHolder 2"/>
           <p:cNvSpPr>
             <a:spLocks noGrp="1"/>
           </p:cNvSpPr>
@@ -7263,7 +7133,7 @@
         <p:spPr>
           <a:xfrm>
             <a:off x="533520" y="755640"/>
-            <a:ext cx="6702120" cy="3768480"/>
+            <a:ext cx="6701760" cy="3768120"/>
           </a:xfrm>
           <a:prstGeom prst="rect">
             <a:avLst/>
@@ -7275,7 +7145,7 @@
       </p:sp>
       <p:sp>
         <p:nvSpPr>
-          <p:cNvPr id="550" name="PlaceHolder 3"/>
+          <p:cNvPr id="544" name="PlaceHolder 3"/>
           <p:cNvSpPr>
             <a:spLocks noGrp="1"/>
           </p:cNvSpPr>
@@ -7286,7 +7156,7 @@
         <p:spPr>
           <a:xfrm>
             <a:off x="1035720" y="4777200"/>
-            <a:ext cx="5696640" cy="4522320"/>
+            <a:ext cx="5696280" cy="4521960"/>
           </a:xfrm>
           <a:prstGeom prst="rect">
             <a:avLst/>
@@ -7531,7 +7401,7 @@
       </p:grpSpPr>
       <p:sp>
         <p:nvSpPr>
-          <p:cNvPr id="551" name="PlaceHolder 1"/>
+          <p:cNvPr id="545" name="PlaceHolder 1"/>
           <p:cNvSpPr>
             <a:spLocks noGrp="1"/>
           </p:cNvSpPr>
@@ -7542,7 +7412,7 @@
         <p:spPr>
           <a:xfrm>
             <a:off x="4403880" y="9556200"/>
-            <a:ext cx="3364200" cy="498600"/>
+            <a:ext cx="3363840" cy="498240"/>
           </a:xfrm>
           <a:prstGeom prst="rect">
             <a:avLst/>
@@ -7584,7 +7454,7 @@
                 <a:tab algn="l" pos="0"/>
               </a:tabLst>
             </a:pPr>
-            <a:fld id="{6129502B-E45E-45D3-B4C6-179EF80B0988}" type="slidenum">
+            <a:fld id="{14307C5F-FC90-4469-A44F-E6EF3891E4C2}" type="slidenum">
               <a:rPr b="0" lang="de-DE" sz="1400" spc="-1" strike="noStrike">
                 <a:solidFill>
                   <a:srgbClr val="000000"/>
@@ -7592,7 +7462,7 @@
                 <a:latin typeface="Times New Roman"/>
                 <a:ea typeface="ＭＳ Ｐゴシック"/>
               </a:rPr>
-              <a:t>56</a:t>
+              <a:t>&lt;number&gt;</a:t>
             </a:fld>
             <a:endParaRPr b="0" lang="en-US" sz="1400" spc="-1" strike="noStrike">
               <a:solidFill>
@@ -7605,7 +7475,7 @@
       </p:sp>
       <p:sp>
         <p:nvSpPr>
-          <p:cNvPr id="552" name="PlaceHolder 2"/>
+          <p:cNvPr id="546" name="PlaceHolder 2"/>
           <p:cNvSpPr>
             <a:spLocks noGrp="1"/>
           </p:cNvSpPr>
@@ -7616,7 +7486,7 @@
         <p:spPr>
           <a:xfrm>
             <a:off x="533520" y="755640"/>
-            <a:ext cx="6702120" cy="3768480"/>
+            <a:ext cx="6701760" cy="3768120"/>
           </a:xfrm>
           <a:prstGeom prst="rect">
             <a:avLst/>
@@ -7628,7 +7498,7 @@
       </p:sp>
       <p:sp>
         <p:nvSpPr>
-          <p:cNvPr id="553" name="PlaceHolder 3"/>
+          <p:cNvPr id="547" name="PlaceHolder 3"/>
           <p:cNvSpPr>
             <a:spLocks noGrp="1"/>
           </p:cNvSpPr>
@@ -7639,7 +7509,7 @@
         <p:spPr>
           <a:xfrm>
             <a:off x="1035720" y="4777200"/>
-            <a:ext cx="5696640" cy="4522320"/>
+            <a:ext cx="5696280" cy="4521960"/>
           </a:xfrm>
           <a:prstGeom prst="rect">
             <a:avLst/>
@@ -7670,16 +7540,7 @@
                 </a:solidFill>
                 <a:latin typeface="Times New Roman"/>
               </a:rPr>
-              <a:t>Vier Variablen Modell in einem Satz: Grundlagen sind Variablen (Grundlegendes Modell), </a:t>
-            </a:r>
-            <a:r>
-              <a:rPr b="0" lang="en-US" sz="2000" spc="-1" strike="noStrike">
-                <a:solidFill>
-                  <a:srgbClr val="000000"/>
-                </a:solidFill>
-                <a:latin typeface="Times New Roman"/>
-              </a:rPr>
-              <a:t>Erweiterung über Realtionen -&gt; Grundlage für Dokumente: Wie dokumentiere ich sowas</a:t>
+              <a:t>Vier Variablen Modell in einem Satz: Grundlagen sind Variablen (Grundlegendes Modell), Erweiterung über Realtionen -&gt; Grundlage für Dokumente: Wie dokumentiere ich sowas</a:t>
             </a:r>
             <a:endParaRPr b="0" lang="en-US" sz="2000" spc="-1" strike="noStrike">
               <a:solidFill>
@@ -7893,7 +7754,7 @@
       </p:grpSpPr>
       <p:sp>
         <p:nvSpPr>
-          <p:cNvPr id="554" name="PlaceHolder 1"/>
+          <p:cNvPr id="548" name="PlaceHolder 1"/>
           <p:cNvSpPr>
             <a:spLocks noGrp="1"/>
           </p:cNvSpPr>
@@ -7904,7 +7765,7 @@
         <p:spPr>
           <a:xfrm>
             <a:off x="4403880" y="9556200"/>
-            <a:ext cx="3364200" cy="498600"/>
+            <a:ext cx="3363840" cy="498240"/>
           </a:xfrm>
           <a:prstGeom prst="rect">
             <a:avLst/>
@@ -7946,7 +7807,7 @@
                 <a:tab algn="l" pos="0"/>
               </a:tabLst>
             </a:pPr>
-            <a:fld id="{C36409C9-A725-4A43-ACB8-2908FCA4739D}" type="slidenum">
+            <a:fld id="{EBE75D17-2BC2-43D1-A989-1A274A28F3D0}" type="slidenum">
               <a:rPr b="0" lang="de-DE" sz="1400" spc="-1" strike="noStrike">
                 <a:solidFill>
                   <a:srgbClr val="000000"/>
@@ -7954,7 +7815,7 @@
                 <a:latin typeface="Times New Roman"/>
                 <a:ea typeface="ＭＳ Ｐゴシック"/>
               </a:rPr>
-              <a:t>56</a:t>
+              <a:t>&lt;number&gt;</a:t>
             </a:fld>
             <a:endParaRPr b="0" lang="en-US" sz="1400" spc="-1" strike="noStrike">
               <a:solidFill>
@@ -7967,7 +7828,7 @@
       </p:sp>
       <p:sp>
         <p:nvSpPr>
-          <p:cNvPr id="555" name="PlaceHolder 2"/>
+          <p:cNvPr id="549" name="PlaceHolder 2"/>
           <p:cNvSpPr>
             <a:spLocks noGrp="1"/>
           </p:cNvSpPr>
@@ -7978,7 +7839,7 @@
         <p:spPr>
           <a:xfrm>
             <a:off x="533520" y="755640"/>
-            <a:ext cx="6702120" cy="3768480"/>
+            <a:ext cx="6701760" cy="3768120"/>
           </a:xfrm>
           <a:prstGeom prst="rect">
             <a:avLst/>
@@ -7990,7 +7851,7 @@
       </p:sp>
       <p:sp>
         <p:nvSpPr>
-          <p:cNvPr id="556" name="PlaceHolder 3"/>
+          <p:cNvPr id="550" name="PlaceHolder 3"/>
           <p:cNvSpPr>
             <a:spLocks noGrp="1"/>
           </p:cNvSpPr>
@@ -8001,7 +7862,7 @@
         <p:spPr>
           <a:xfrm>
             <a:off x="1035720" y="4777200"/>
-            <a:ext cx="5696640" cy="4522320"/>
+            <a:ext cx="5696280" cy="4521960"/>
           </a:xfrm>
           <a:prstGeom prst="rect">
             <a:avLst/>
@@ -8032,16 +7893,7 @@
                 </a:solidFill>
                 <a:latin typeface="Times New Roman"/>
               </a:rPr>
-              <a:t>Vier Variablen Modell in einem Satz: Grundlagen sind Variablen (Grundlegendes Modell), </a:t>
-            </a:r>
-            <a:r>
-              <a:rPr b="0" lang="en-US" sz="2000" spc="-1" strike="noStrike">
-                <a:solidFill>
-                  <a:srgbClr val="000000"/>
-                </a:solidFill>
-                <a:latin typeface="Times New Roman"/>
-              </a:rPr>
-              <a:t>Erweiterung über Realtionen -&gt; Grundlage für Dokumente: Wie dokumentiere ich sowas</a:t>
+              <a:t>Vier Variablen Modell in einem Satz: Grundlagen sind Variablen (Grundlegendes Modell), Erweiterung über Realtionen -&gt; Grundlage für Dokumente: Wie dokumentiere ich sowas</a:t>
             </a:r>
             <a:endParaRPr b="0" lang="en-US" sz="2000" spc="-1" strike="noStrike">
               <a:solidFill>
@@ -8255,7 +8107,7 @@
       </p:grpSpPr>
       <p:sp>
         <p:nvSpPr>
-          <p:cNvPr id="557" name="PlaceHolder 1"/>
+          <p:cNvPr id="551" name="PlaceHolder 1"/>
           <p:cNvSpPr>
             <a:spLocks noGrp="1"/>
           </p:cNvSpPr>
@@ -8266,7 +8118,7 @@
         <p:spPr>
           <a:xfrm>
             <a:off x="4403880" y="9556200"/>
-            <a:ext cx="3364200" cy="498600"/>
+            <a:ext cx="3363840" cy="498240"/>
           </a:xfrm>
           <a:prstGeom prst="rect">
             <a:avLst/>
@@ -8308,7 +8160,7 @@
                 <a:tab algn="l" pos="0"/>
               </a:tabLst>
             </a:pPr>
-            <a:fld id="{92904092-B48F-447B-AC85-C020922AEB77}" type="slidenum">
+            <a:fld id="{2F099029-9815-4ABF-8725-C07B684555FB}" type="slidenum">
               <a:rPr b="0" lang="de-DE" sz="1400" spc="-1" strike="noStrike">
                 <a:solidFill>
                   <a:srgbClr val="000000"/>
@@ -8316,7 +8168,7 @@
                 <a:latin typeface="Times New Roman"/>
                 <a:ea typeface="ＭＳ Ｐゴシック"/>
               </a:rPr>
-              <a:t>56</a:t>
+              <a:t>&lt;number&gt;</a:t>
             </a:fld>
             <a:endParaRPr b="0" lang="en-US" sz="1400" spc="-1" strike="noStrike">
               <a:solidFill>
@@ -8329,7 +8181,7 @@
       </p:sp>
       <p:sp>
         <p:nvSpPr>
-          <p:cNvPr id="558" name="PlaceHolder 2"/>
+          <p:cNvPr id="552" name="PlaceHolder 2"/>
           <p:cNvSpPr>
             <a:spLocks noGrp="1"/>
           </p:cNvSpPr>
@@ -8340,7 +8192,7 @@
         <p:spPr>
           <a:xfrm>
             <a:off x="533520" y="755640"/>
-            <a:ext cx="6702120" cy="3768480"/>
+            <a:ext cx="6701760" cy="3768120"/>
           </a:xfrm>
           <a:prstGeom prst="rect">
             <a:avLst/>
@@ -8352,7 +8204,7 @@
       </p:sp>
       <p:sp>
         <p:nvSpPr>
-          <p:cNvPr id="559" name="PlaceHolder 3"/>
+          <p:cNvPr id="553" name="PlaceHolder 3"/>
           <p:cNvSpPr>
             <a:spLocks noGrp="1"/>
           </p:cNvSpPr>
@@ -8363,7 +8215,7 @@
         <p:spPr>
           <a:xfrm>
             <a:off x="1035720" y="4777200"/>
-            <a:ext cx="5696640" cy="4522320"/>
+            <a:ext cx="5696280" cy="4521960"/>
           </a:xfrm>
           <a:prstGeom prst="rect">
             <a:avLst/>
@@ -8394,97 +8246,7 @@
                 </a:solidFill>
                 <a:latin typeface="Times New Roman"/>
               </a:rPr>
-              <a:t>Vier Variablen Modell </a:t>
-            </a:r>
-            <a:r>
-              <a:rPr b="0" lang="en-US" sz="2000" spc="-1" strike="noStrike">
-                <a:solidFill>
-                  <a:srgbClr val="000000"/>
-                </a:solidFill>
-                <a:latin typeface="Times New Roman"/>
-              </a:rPr>
-              <a:t>in einem Satz: </a:t>
-            </a:r>
-            <a:r>
-              <a:rPr b="0" lang="en-US" sz="2000" spc="-1" strike="noStrike">
-                <a:solidFill>
-                  <a:srgbClr val="000000"/>
-                </a:solidFill>
-                <a:latin typeface="Times New Roman"/>
-              </a:rPr>
-              <a:t>Grundlagen sind </a:t>
-            </a:r>
-            <a:r>
-              <a:rPr b="0" lang="en-US" sz="2000" spc="-1" strike="noStrike">
-                <a:solidFill>
-                  <a:srgbClr val="000000"/>
-                </a:solidFill>
-                <a:latin typeface="Times New Roman"/>
-              </a:rPr>
-              <a:t>Variablen </a:t>
-            </a:r>
-            <a:r>
-              <a:rPr b="0" lang="en-US" sz="2000" spc="-1" strike="noStrike">
-                <a:solidFill>
-                  <a:srgbClr val="000000"/>
-                </a:solidFill>
-                <a:latin typeface="Times New Roman"/>
-              </a:rPr>
-              <a:t>(Grundlegendes </a:t>
-            </a:r>
-            <a:r>
-              <a:rPr b="0" lang="en-US" sz="2000" spc="-1" strike="noStrike">
-                <a:solidFill>
-                  <a:srgbClr val="000000"/>
-                </a:solidFill>
-                <a:latin typeface="Times New Roman"/>
-              </a:rPr>
-              <a:t>Modell), Erweiterung </a:t>
-            </a:r>
-            <a:r>
-              <a:rPr b="0" lang="en-US" sz="2000" spc="-1" strike="noStrike">
-                <a:solidFill>
-                  <a:srgbClr val="000000"/>
-                </a:solidFill>
-                <a:latin typeface="Times New Roman"/>
-              </a:rPr>
-              <a:t>über Realtionen -&gt; </a:t>
-            </a:r>
-            <a:r>
-              <a:rPr b="0" lang="en-US" sz="2000" spc="-1" strike="noStrike">
-                <a:solidFill>
-                  <a:srgbClr val="000000"/>
-                </a:solidFill>
-                <a:latin typeface="Times New Roman"/>
-              </a:rPr>
-              <a:t>Grundlage für </a:t>
-            </a:r>
-            <a:r>
-              <a:rPr b="0" lang="en-US" sz="2000" spc="-1" strike="noStrike">
-                <a:solidFill>
-                  <a:srgbClr val="000000"/>
-                </a:solidFill>
-                <a:latin typeface="Times New Roman"/>
-              </a:rPr>
-              <a:t>Dokumente: Wie </a:t>
-            </a:r>
-            <a:r>
-              <a:rPr b="0" lang="en-US" sz="2000" spc="-1" strike="noStrike">
-                <a:solidFill>
-                  <a:srgbClr val="000000"/>
-                </a:solidFill>
-                <a:latin typeface="Times New Roman"/>
-              </a:rPr>
-              <a:t>dokumentiere ich </a:t>
-            </a:r>
-            <a:r>
-              <a:rPr b="0" lang="en-US" sz="2000" spc="-1" strike="noStrike">
-                <a:solidFill>
-                  <a:srgbClr val="000000"/>
-                </a:solidFill>
-                <a:latin typeface="Times New Roman"/>
-              </a:rPr>
-              <a:t>sowas</a:t>
+              <a:t>Vier Variablen Modell in einem Satz: Grundlagen sind Variablen (Grundlegendes Modell), Erweiterung über Realtionen -&gt; Grundlage für Dokumente: Wie dokumentiere ich sowas</a:t>
             </a:r>
             <a:endParaRPr b="0" lang="en-US" sz="2000" spc="-1" strike="noStrike">
               <a:solidFill>
@@ -8528,8 +8290,25 @@
                 <a:latin typeface="Times New Roman"/>
                 <a:ea typeface="ＭＳ Ｐゴシック"/>
               </a:rPr>
-              <a:t>Controlled V-&gt; Ausgabewerte die durch </a:t>
-            </a:r>
+              <a:t>Controlled V-&gt; Ausgabewerte die durch das System beschrieben / verändert werden</a:t>
+            </a:r>
+            <a:endParaRPr b="0" lang="en-US" sz="1200" spc="-1" strike="noStrike">
+              <a:solidFill>
+                <a:srgbClr val="000000"/>
+              </a:solidFill>
+              <a:latin typeface="Arial"/>
+            </a:endParaRPr>
+          </a:p>
+          <a:p>
+            <a:pPr marL="216000" indent="0">
+              <a:lnSpc>
+                <a:spcPct val="100000"/>
+              </a:lnSpc>
+              <a:buNone/>
+              <a:tabLst>
+                <a:tab algn="l" pos="0"/>
+              </a:tabLst>
+            </a:pPr>
             <a:r>
               <a:rPr b="0" lang="en-US" sz="1200" spc="-1" strike="noStrike">
                 <a:solidFill>
@@ -8538,8 +8317,25 @@
                 <a:latin typeface="Times New Roman"/>
                 <a:ea typeface="ＭＳ Ｐゴシック"/>
               </a:rPr>
-              <a:t>das System beschrieben / verändert </a:t>
-            </a:r>
+              <a:t>Monitored V -&gt; EingabeWerte, die durch das System beschrieben werden</a:t>
+            </a:r>
+            <a:endParaRPr b="0" lang="en-US" sz="1200" spc="-1" strike="noStrike">
+              <a:solidFill>
+                <a:srgbClr val="000000"/>
+              </a:solidFill>
+              <a:latin typeface="Arial"/>
+            </a:endParaRPr>
+          </a:p>
+          <a:p>
+            <a:pPr marL="216000" indent="0">
+              <a:lnSpc>
+                <a:spcPct val="100000"/>
+              </a:lnSpc>
+              <a:buNone/>
+              <a:tabLst>
+                <a:tab algn="l" pos="0"/>
+              </a:tabLst>
+            </a:pPr>
             <a:r>
               <a:rPr b="0" lang="en-US" sz="1200" spc="-1" strike="noStrike">
                 <a:solidFill>
@@ -8548,7 +8344,7 @@
                 <a:latin typeface="Times New Roman"/>
                 <a:ea typeface="ＭＳ Ｐゴシック"/>
               </a:rPr>
-              <a:t>werden</a:t>
+              <a:t>Output V -&gt; represents controlled V.</a:t>
             </a:r>
             <a:endParaRPr b="0" lang="en-US" sz="1200" spc="-1" strike="noStrike">
               <a:solidFill>
@@ -8575,17 +8371,17 @@
                 <a:latin typeface="Times New Roman"/>
                 <a:ea typeface="ＭＳ Ｐゴシック"/>
               </a:rPr>
-              <a:t>Monitored V -&gt; EingabeWerte, die durch </a:t>
-            </a:r>
-            <a:r>
-              <a:rPr b="0" lang="en-US" sz="1200" spc="-1" strike="noStrike">
+              <a:t>Input V -&gt; </a:t>
+            </a:r>
+            <a:r>
+              <a:rPr b="0" lang="de-DE" sz="1200" spc="-1" strike="noStrike">
                 <a:solidFill>
                   <a:srgbClr val="000000"/>
                 </a:solidFill>
                 <a:latin typeface="Times New Roman"/>
                 <a:ea typeface="ＭＳ Ｐゴシック"/>
               </a:rPr>
-              <a:t>das System beschrieben werden</a:t>
+              <a:t>represents monitored V.</a:t>
             </a:r>
             <a:endParaRPr b="0" lang="en-US" sz="1200" spc="-1" strike="noStrike">
               <a:solidFill>
@@ -8604,136 +8400,32 @@
                 <a:tab algn="l" pos="0"/>
               </a:tabLst>
             </a:pPr>
-            <a:r>
-              <a:rPr b="0" lang="en-US" sz="1200" spc="-1" strike="noStrike">
+            <a:endParaRPr b="0" lang="en-US" sz="1200" spc="-1" strike="noStrike">
+              <a:solidFill>
+                <a:srgbClr val="000000"/>
+              </a:solidFill>
+              <a:latin typeface="Arial"/>
+            </a:endParaRPr>
+          </a:p>
+          <a:p>
+            <a:pPr marL="216000" indent="0">
+              <a:lnSpc>
+                <a:spcPct val="100000"/>
+              </a:lnSpc>
+              <a:buNone/>
+              <a:tabLst>
+                <a:tab algn="l" pos="0"/>
+              </a:tabLst>
+            </a:pPr>
+            <a:r>
+              <a:rPr b="0" lang="en-US" sz="2000" spc="-1" strike="noStrike">
                 <a:solidFill>
                   <a:srgbClr val="000000"/>
                 </a:solidFill>
                 <a:latin typeface="Times New Roman"/>
                 <a:ea typeface="ＭＳ Ｐゴシック"/>
               </a:rPr>
-              <a:t>Output V -&gt; represents controlled V.</a:t>
-            </a:r>
-            <a:endParaRPr b="0" lang="en-US" sz="1200" spc="-1" strike="noStrike">
-              <a:solidFill>
-                <a:srgbClr val="000000"/>
-              </a:solidFill>
-              <a:latin typeface="Arial"/>
-            </a:endParaRPr>
-          </a:p>
-          <a:p>
-            <a:pPr marL="216000" indent="0">
-              <a:lnSpc>
-                <a:spcPct val="100000"/>
-              </a:lnSpc>
-              <a:buNone/>
-              <a:tabLst>
-                <a:tab algn="l" pos="0"/>
-              </a:tabLst>
-            </a:pPr>
-            <a:r>
-              <a:rPr b="0" lang="en-US" sz="1200" spc="-1" strike="noStrike">
-                <a:solidFill>
-                  <a:srgbClr val="000000"/>
-                </a:solidFill>
-                <a:latin typeface="Times New Roman"/>
-                <a:ea typeface="ＭＳ Ｐゴシック"/>
-              </a:rPr>
-              <a:t>Input V -&gt; </a:t>
-            </a:r>
-            <a:r>
-              <a:rPr b="0" lang="de-DE" sz="1200" spc="-1" strike="noStrike">
-                <a:solidFill>
-                  <a:srgbClr val="000000"/>
-                </a:solidFill>
-                <a:latin typeface="Times New Roman"/>
-                <a:ea typeface="ＭＳ Ｐゴシック"/>
-              </a:rPr>
-              <a:t>represents monitored V.</a:t>
-            </a:r>
-            <a:endParaRPr b="0" lang="en-US" sz="1200" spc="-1" strike="noStrike">
-              <a:solidFill>
-                <a:srgbClr val="000000"/>
-              </a:solidFill>
-              <a:latin typeface="Arial"/>
-            </a:endParaRPr>
-          </a:p>
-          <a:p>
-            <a:pPr marL="216000" indent="0">
-              <a:lnSpc>
-                <a:spcPct val="100000"/>
-              </a:lnSpc>
-              <a:buNone/>
-              <a:tabLst>
-                <a:tab algn="l" pos="0"/>
-              </a:tabLst>
-            </a:pPr>
-            <a:endParaRPr b="0" lang="en-US" sz="1200" spc="-1" strike="noStrike">
-              <a:solidFill>
-                <a:srgbClr val="000000"/>
-              </a:solidFill>
-              <a:latin typeface="Arial"/>
-            </a:endParaRPr>
-          </a:p>
-          <a:p>
-            <a:pPr marL="216000" indent="0">
-              <a:lnSpc>
-                <a:spcPct val="100000"/>
-              </a:lnSpc>
-              <a:buNone/>
-              <a:tabLst>
-                <a:tab algn="l" pos="0"/>
-              </a:tabLst>
-            </a:pPr>
-            <a:r>
-              <a:rPr b="0" lang="en-US" sz="2000" spc="-1" strike="noStrike">
-                <a:solidFill>
-                  <a:srgbClr val="000000"/>
-                </a:solidFill>
-                <a:latin typeface="Times New Roman"/>
-                <a:ea typeface="ＭＳ Ｐゴシック"/>
-              </a:rPr>
-              <a:t>Eschbach, Elicitation &amp; </a:t>
-            </a:r>
-            <a:r>
-              <a:rPr b="0" lang="en-US" sz="2000" spc="-1" strike="noStrike">
-                <a:solidFill>
-                  <a:srgbClr val="000000"/>
-                </a:solidFill>
-                <a:latin typeface="Times New Roman"/>
-                <a:ea typeface="ＭＳ Ｐゴシック"/>
-              </a:rPr>
-              <a:t>Modeling: Embedded </a:t>
-            </a:r>
-            <a:r>
-              <a:rPr b="0" lang="en-US" sz="2000" spc="-1" strike="noStrike">
-                <a:solidFill>
-                  <a:srgbClr val="000000"/>
-                </a:solidFill>
-                <a:latin typeface="Times New Roman"/>
-                <a:ea typeface="ＭＳ Ｐゴシック"/>
-              </a:rPr>
-              <a:t>Systems Industrial </a:t>
-            </a:r>
-            <a:r>
-              <a:rPr b="0" lang="en-US" sz="2000" spc="-1" strike="noStrike">
-                <a:solidFill>
-                  <a:srgbClr val="000000"/>
-                </a:solidFill>
-                <a:latin typeface="Times New Roman"/>
-                <a:ea typeface="ＭＳ Ｐゴシック"/>
-              </a:rPr>
-              <a:t>Formal Techniques, </a:t>
-            </a:r>
-            <a:r>
-              <a:rPr b="0" lang="en-US" sz="2000" spc="-1" strike="noStrike">
-                <a:solidFill>
-                  <a:srgbClr val="000000"/>
-                </a:solidFill>
-                <a:latin typeface="Times New Roman"/>
-                <a:ea typeface="ＭＳ Ｐゴシック"/>
-              </a:rPr>
-              <a:t>2006</a:t>
+              <a:t>Eschbach, Elicitation &amp; Modeling: Embedded Systems Industrial Formal Techniques, 2006</a:t>
             </a:r>
             <a:endParaRPr b="0" lang="en-US" sz="2000" spc="-1" strike="noStrike">
               <a:solidFill>
@@ -8768,7 +8460,7 @@
       </p:grpSpPr>
       <p:sp>
         <p:nvSpPr>
-          <p:cNvPr id="560" name="PlaceHolder 1"/>
+          <p:cNvPr id="554" name="PlaceHolder 1"/>
           <p:cNvSpPr>
             <a:spLocks noGrp="1"/>
           </p:cNvSpPr>
@@ -8779,7 +8471,7 @@
         <p:spPr>
           <a:xfrm>
             <a:off x="4403880" y="9556200"/>
-            <a:ext cx="3364200" cy="498600"/>
+            <a:ext cx="3363840" cy="498240"/>
           </a:xfrm>
           <a:prstGeom prst="rect">
             <a:avLst/>
@@ -8821,7 +8513,7 @@
                 <a:tab algn="l" pos="0"/>
               </a:tabLst>
             </a:pPr>
-            <a:fld id="{7363C6E6-2B36-43B0-B2A4-C5B7E1DB73E4}" type="slidenum">
+            <a:fld id="{754DEBE3-7175-4068-912B-C9D70144EBBE}" type="slidenum">
               <a:rPr b="0" lang="de-DE" sz="1400" spc="-1" strike="noStrike">
                 <a:solidFill>
                   <a:srgbClr val="000000"/>
@@ -8829,7 +8521,7 @@
                 <a:latin typeface="Times New Roman"/>
                 <a:ea typeface="ＭＳ Ｐゴシック"/>
               </a:rPr>
-              <a:t>56</a:t>
+              <a:t>&lt;number&gt;</a:t>
             </a:fld>
             <a:endParaRPr b="0" lang="en-US" sz="1400" spc="-1" strike="noStrike">
               <a:solidFill>
@@ -8842,7 +8534,7 @@
       </p:sp>
       <p:sp>
         <p:nvSpPr>
-          <p:cNvPr id="561" name="PlaceHolder 2"/>
+          <p:cNvPr id="555" name="PlaceHolder 2"/>
           <p:cNvSpPr>
             <a:spLocks noGrp="1"/>
           </p:cNvSpPr>
@@ -8853,7 +8545,7 @@
         <p:spPr>
           <a:xfrm>
             <a:off x="533520" y="755640"/>
-            <a:ext cx="6702120" cy="3768480"/>
+            <a:ext cx="6701760" cy="3768120"/>
           </a:xfrm>
           <a:prstGeom prst="rect">
             <a:avLst/>
@@ -8865,7 +8557,7 @@
       </p:sp>
       <p:sp>
         <p:nvSpPr>
-          <p:cNvPr id="562" name="PlaceHolder 3"/>
+          <p:cNvPr id="556" name="PlaceHolder 3"/>
           <p:cNvSpPr>
             <a:spLocks noGrp="1"/>
           </p:cNvSpPr>
@@ -8876,7 +8568,7 @@
         <p:spPr>
           <a:xfrm>
             <a:off x="1035720" y="4777200"/>
-            <a:ext cx="5696640" cy="4522320"/>
+            <a:ext cx="5696280" cy="4521960"/>
           </a:xfrm>
           <a:prstGeom prst="rect">
             <a:avLst/>
@@ -8907,16 +8599,7 @@
                 </a:solidFill>
                 <a:latin typeface="Times New Roman"/>
               </a:rPr>
-              <a:t>Vier Variablen Modell in einem Satz: Grundlagen sind Variablen (Grundlegendes Modell), </a:t>
-            </a:r>
-            <a:r>
-              <a:rPr b="0" lang="en-US" sz="2000" spc="-1" strike="noStrike">
-                <a:solidFill>
-                  <a:srgbClr val="000000"/>
-                </a:solidFill>
-                <a:latin typeface="Times New Roman"/>
-              </a:rPr>
-              <a:t>Erweiterung über Realtionen -&gt; Grundlage für Dokumente: Wie dokumentiere ich sowas</a:t>
+              <a:t>Vier Variablen Modell in einem Satz: Grundlagen sind Variablen (Grundlegendes Modell), Erweiterung über Realtionen -&gt; Grundlage für Dokumente: Wie dokumentiere ich sowas</a:t>
             </a:r>
             <a:endParaRPr b="0" lang="en-US" sz="2000" spc="-1" strike="noStrike">
               <a:solidFill>
@@ -9130,7 +8813,7 @@
       </p:grpSpPr>
       <p:sp>
         <p:nvSpPr>
-          <p:cNvPr id="563" name="PlaceHolder 1"/>
+          <p:cNvPr id="557" name="PlaceHolder 1"/>
           <p:cNvSpPr>
             <a:spLocks noGrp="1"/>
           </p:cNvSpPr>
@@ -9141,7 +8824,7 @@
         <p:spPr>
           <a:xfrm>
             <a:off x="4403880" y="9556200"/>
-            <a:ext cx="3364200" cy="498600"/>
+            <a:ext cx="3363840" cy="498240"/>
           </a:xfrm>
           <a:prstGeom prst="rect">
             <a:avLst/>
@@ -9183,7 +8866,7 @@
                 <a:tab algn="l" pos="0"/>
               </a:tabLst>
             </a:pPr>
-            <a:fld id="{554365ED-80CD-4D17-9265-8941C1200BEB}" type="slidenum">
+            <a:fld id="{473A3BDC-CC5C-474A-A31C-866188160EEC}" type="slidenum">
               <a:rPr b="0" lang="de-DE" sz="1400" spc="-1" strike="noStrike">
                 <a:solidFill>
                   <a:srgbClr val="000000"/>
@@ -9191,7 +8874,7 @@
                 <a:latin typeface="Times New Roman"/>
                 <a:ea typeface="ＭＳ Ｐゴシック"/>
               </a:rPr>
-              <a:t>56</a:t>
+              <a:t>&lt;number&gt;</a:t>
             </a:fld>
             <a:endParaRPr b="0" lang="en-US" sz="1400" spc="-1" strike="noStrike">
               <a:solidFill>
@@ -9204,7 +8887,7 @@
       </p:sp>
       <p:sp>
         <p:nvSpPr>
-          <p:cNvPr id="564" name="PlaceHolder 2"/>
+          <p:cNvPr id="558" name="PlaceHolder 2"/>
           <p:cNvSpPr>
             <a:spLocks noGrp="1"/>
           </p:cNvSpPr>
@@ -9215,7 +8898,7 @@
         <p:spPr>
           <a:xfrm>
             <a:off x="533520" y="755640"/>
-            <a:ext cx="6702120" cy="3768480"/>
+            <a:ext cx="6701760" cy="3768120"/>
           </a:xfrm>
           <a:prstGeom prst="rect">
             <a:avLst/>
@@ -9227,7 +8910,7 @@
       </p:sp>
       <p:sp>
         <p:nvSpPr>
-          <p:cNvPr id="565" name="PlaceHolder 3"/>
+          <p:cNvPr id="559" name="PlaceHolder 3"/>
           <p:cNvSpPr>
             <a:spLocks noGrp="1"/>
           </p:cNvSpPr>
@@ -9238,7 +8921,7 @@
         <p:spPr>
           <a:xfrm>
             <a:off x="1035720" y="4777200"/>
-            <a:ext cx="5696640" cy="4522320"/>
+            <a:ext cx="5696280" cy="4521960"/>
           </a:xfrm>
           <a:prstGeom prst="rect">
             <a:avLst/>
@@ -9483,7 +9166,7 @@
       </p:grpSpPr>
       <p:sp>
         <p:nvSpPr>
-          <p:cNvPr id="566" name="PlaceHolder 1"/>
+          <p:cNvPr id="560" name="PlaceHolder 1"/>
           <p:cNvSpPr>
             <a:spLocks noGrp="1"/>
           </p:cNvSpPr>
@@ -9494,7 +9177,7 @@
         <p:spPr>
           <a:xfrm>
             <a:off x="4403880" y="9556200"/>
-            <a:ext cx="3364200" cy="498600"/>
+            <a:ext cx="3363840" cy="498240"/>
           </a:xfrm>
           <a:prstGeom prst="rect">
             <a:avLst/>
@@ -9536,7 +9219,7 @@
                 <a:tab algn="l" pos="0"/>
               </a:tabLst>
             </a:pPr>
-            <a:fld id="{2B36290B-B6F3-4903-B07D-E7659C274384}" type="slidenum">
+            <a:fld id="{2003217A-A3FF-44DC-8E12-66BD8139E4A0}" type="slidenum">
               <a:rPr b="0" lang="de-DE" sz="1400" spc="-1" strike="noStrike">
                 <a:solidFill>
                   <a:srgbClr val="000000"/>
@@ -9544,7 +9227,7 @@
                 <a:latin typeface="Times New Roman"/>
                 <a:ea typeface="ＭＳ Ｐゴシック"/>
               </a:rPr>
-              <a:t>56</a:t>
+              <a:t>&lt;number&gt;</a:t>
             </a:fld>
             <a:endParaRPr b="0" lang="en-US" sz="1400" spc="-1" strike="noStrike">
               <a:solidFill>
@@ -9557,7 +9240,7 @@
       </p:sp>
       <p:sp>
         <p:nvSpPr>
-          <p:cNvPr id="567" name="PlaceHolder 2"/>
+          <p:cNvPr id="561" name="PlaceHolder 2"/>
           <p:cNvSpPr>
             <a:spLocks noGrp="1"/>
           </p:cNvSpPr>
@@ -9568,7 +9251,7 @@
         <p:spPr>
           <a:xfrm>
             <a:off x="533520" y="755640"/>
-            <a:ext cx="6702120" cy="3768480"/>
+            <a:ext cx="6701760" cy="3768120"/>
           </a:xfrm>
           <a:prstGeom prst="rect">
             <a:avLst/>
@@ -9580,7 +9263,7 @@
       </p:sp>
       <p:sp>
         <p:nvSpPr>
-          <p:cNvPr id="568" name="PlaceHolder 3"/>
+          <p:cNvPr id="562" name="PlaceHolder 3"/>
           <p:cNvSpPr>
             <a:spLocks noGrp="1"/>
           </p:cNvSpPr>
@@ -9591,7 +9274,7 @@
         <p:spPr>
           <a:xfrm>
             <a:off x="1035720" y="4777200"/>
-            <a:ext cx="5696640" cy="4522320"/>
+            <a:ext cx="5696280" cy="4521960"/>
           </a:xfrm>
           <a:prstGeom prst="rect">
             <a:avLst/>
@@ -9836,7 +9519,7 @@
       </p:grpSpPr>
       <p:sp>
         <p:nvSpPr>
-          <p:cNvPr id="569" name="PlaceHolder 1"/>
+          <p:cNvPr id="563" name="PlaceHolder 1"/>
           <p:cNvSpPr>
             <a:spLocks noGrp="1"/>
           </p:cNvSpPr>
@@ -9847,7 +9530,7 @@
         <p:spPr>
           <a:xfrm>
             <a:off x="4403880" y="9556200"/>
-            <a:ext cx="3364200" cy="498600"/>
+            <a:ext cx="3363840" cy="498240"/>
           </a:xfrm>
           <a:prstGeom prst="rect">
             <a:avLst/>
@@ -9889,7 +9572,7 @@
                 <a:tab algn="l" pos="0"/>
               </a:tabLst>
             </a:pPr>
-            <a:fld id="{E3EFED8B-50BD-49BF-BA7C-7FE10CEA5D26}" type="slidenum">
+            <a:fld id="{5E50699B-1A5A-4EC5-8368-A90933ABF86C}" type="slidenum">
               <a:rPr b="0" lang="de-DE" sz="1400" spc="-1" strike="noStrike">
                 <a:solidFill>
                   <a:srgbClr val="000000"/>
@@ -9910,7 +9593,7 @@
       </p:sp>
       <p:sp>
         <p:nvSpPr>
-          <p:cNvPr id="570" name="PlaceHolder 2"/>
+          <p:cNvPr id="564" name="PlaceHolder 2"/>
           <p:cNvSpPr>
             <a:spLocks noGrp="1"/>
           </p:cNvSpPr>
@@ -9921,7 +9604,7 @@
         <p:spPr>
           <a:xfrm>
             <a:off x="533520" y="755640"/>
-            <a:ext cx="6702120" cy="3768480"/>
+            <a:ext cx="6701760" cy="3768120"/>
           </a:xfrm>
           <a:prstGeom prst="rect">
             <a:avLst/>
@@ -9933,7 +9616,7 @@
       </p:sp>
       <p:sp>
         <p:nvSpPr>
-          <p:cNvPr id="571" name="PlaceHolder 3"/>
+          <p:cNvPr id="565" name="PlaceHolder 3"/>
           <p:cNvSpPr>
             <a:spLocks noGrp="1"/>
           </p:cNvSpPr>
@@ -9944,7 +9627,7 @@
         <p:spPr>
           <a:xfrm>
             <a:off x="1035720" y="4777200"/>
-            <a:ext cx="5696640" cy="4522320"/>
+            <a:ext cx="5696280" cy="4521960"/>
           </a:xfrm>
           <a:prstGeom prst="rect">
             <a:avLst/>
@@ -10189,7 +9872,7 @@
       </p:grpSpPr>
       <p:sp>
         <p:nvSpPr>
-          <p:cNvPr id="572" name="PlaceHolder 1"/>
+          <p:cNvPr id="566" name="PlaceHolder 1"/>
           <p:cNvSpPr>
             <a:spLocks noGrp="1"/>
           </p:cNvSpPr>
@@ -10200,7 +9883,7 @@
         <p:spPr>
           <a:xfrm>
             <a:off x="4403880" y="9556200"/>
-            <a:ext cx="3364200" cy="498600"/>
+            <a:ext cx="3363840" cy="498240"/>
           </a:xfrm>
           <a:prstGeom prst="rect">
             <a:avLst/>
@@ -10242,7 +9925,7 @@
                 <a:tab algn="l" pos="0"/>
               </a:tabLst>
             </a:pPr>
-            <a:fld id="{17FE25A0-52FA-4D3F-88D8-8C3958CA2EA7}" type="slidenum">
+            <a:fld id="{7B554C2F-1B02-446E-95D3-87ECC9E563ED}" type="slidenum">
               <a:rPr b="0" lang="de-DE" sz="1400" spc="-1" strike="noStrike">
                 <a:solidFill>
                   <a:srgbClr val="000000"/>
@@ -10263,7 +9946,7 @@
       </p:sp>
       <p:sp>
         <p:nvSpPr>
-          <p:cNvPr id="573" name="PlaceHolder 2"/>
+          <p:cNvPr id="567" name="PlaceHolder 2"/>
           <p:cNvSpPr>
             <a:spLocks noGrp="1"/>
           </p:cNvSpPr>
@@ -10274,7 +9957,7 @@
         <p:spPr>
           <a:xfrm>
             <a:off x="533520" y="755640"/>
-            <a:ext cx="6702120" cy="3768480"/>
+            <a:ext cx="6701760" cy="3768120"/>
           </a:xfrm>
           <a:prstGeom prst="rect">
             <a:avLst/>
@@ -10286,7 +9969,7 @@
       </p:sp>
       <p:sp>
         <p:nvSpPr>
-          <p:cNvPr id="574" name="PlaceHolder 3"/>
+          <p:cNvPr id="568" name="PlaceHolder 3"/>
           <p:cNvSpPr>
             <a:spLocks noGrp="1"/>
           </p:cNvSpPr>
@@ -10297,7 +9980,7 @@
         <p:spPr>
           <a:xfrm>
             <a:off x="1035720" y="4777200"/>
-            <a:ext cx="5696640" cy="4522320"/>
+            <a:ext cx="5696280" cy="4521960"/>
           </a:xfrm>
           <a:prstGeom prst="rect">
             <a:avLst/>
@@ -10542,7 +10225,7 @@
       </p:grpSpPr>
       <p:sp>
         <p:nvSpPr>
-          <p:cNvPr id="575" name="PlaceHolder 1"/>
+          <p:cNvPr id="569" name="PlaceHolder 1"/>
           <p:cNvSpPr>
             <a:spLocks noGrp="1"/>
           </p:cNvSpPr>
@@ -10553,7 +10236,7 @@
         <p:spPr>
           <a:xfrm>
             <a:off x="4403880" y="9556200"/>
-            <a:ext cx="3364200" cy="498600"/>
+            <a:ext cx="3363840" cy="498240"/>
           </a:xfrm>
           <a:prstGeom prst="rect">
             <a:avLst/>
@@ -10595,7 +10278,7 @@
                 <a:tab algn="l" pos="0"/>
               </a:tabLst>
             </a:pPr>
-            <a:fld id="{420FF599-827D-4022-B0EC-96998B8A330E}" type="slidenum">
+            <a:fld id="{F7A5C557-DD50-44DB-A880-6683DC0D8BC0}" type="slidenum">
               <a:rPr b="0" lang="de-DE" sz="1400" spc="-1" strike="noStrike">
                 <a:solidFill>
                   <a:srgbClr val="000000"/>
@@ -10616,7 +10299,7 @@
       </p:sp>
       <p:sp>
         <p:nvSpPr>
-          <p:cNvPr id="576" name="PlaceHolder 2"/>
+          <p:cNvPr id="570" name="PlaceHolder 2"/>
           <p:cNvSpPr>
             <a:spLocks noGrp="1"/>
           </p:cNvSpPr>
@@ -10627,7 +10310,7 @@
         <p:spPr>
           <a:xfrm>
             <a:off x="533520" y="755640"/>
-            <a:ext cx="6702120" cy="3768480"/>
+            <a:ext cx="6701760" cy="3768120"/>
           </a:xfrm>
           <a:prstGeom prst="rect">
             <a:avLst/>
@@ -10639,7 +10322,7 @@
       </p:sp>
       <p:sp>
         <p:nvSpPr>
-          <p:cNvPr id="577" name="PlaceHolder 3"/>
+          <p:cNvPr id="571" name="PlaceHolder 3"/>
           <p:cNvSpPr>
             <a:spLocks noGrp="1"/>
           </p:cNvSpPr>
@@ -10650,7 +10333,7 @@
         <p:spPr>
           <a:xfrm>
             <a:off x="1035720" y="4777200"/>
-            <a:ext cx="5696640" cy="4522320"/>
+            <a:ext cx="5696280" cy="4521960"/>
           </a:xfrm>
           <a:prstGeom prst="rect">
             <a:avLst/>
@@ -10895,7 +10578,7 @@
       </p:grpSpPr>
       <p:sp>
         <p:nvSpPr>
-          <p:cNvPr id="485" name="PlaceHolder 1"/>
+          <p:cNvPr id="479" name="PlaceHolder 1"/>
           <p:cNvSpPr>
             <a:spLocks noGrp="1"/>
           </p:cNvSpPr>
@@ -10906,7 +10589,7 @@
         <p:spPr>
           <a:xfrm>
             <a:off x="4403880" y="9556200"/>
-            <a:ext cx="3364200" cy="498600"/>
+            <a:ext cx="3363840" cy="498240"/>
           </a:xfrm>
           <a:prstGeom prst="rect">
             <a:avLst/>
@@ -10948,7 +10631,7 @@
                 <a:tab algn="l" pos="0"/>
               </a:tabLst>
             </a:pPr>
-            <a:fld id="{47F91294-1482-43CD-AE8A-B5947D52B563}" type="slidenum">
+            <a:fld id="{25A8ECA0-A18C-4122-99B2-B7A69F2E8CEF}" type="slidenum">
               <a:rPr b="0" lang="de-DE" sz="1400" spc="-1" strike="noStrike">
                 <a:solidFill>
                   <a:srgbClr val="000000"/>
@@ -10956,7 +10639,7 @@
                 <a:latin typeface="Times New Roman"/>
                 <a:ea typeface="ＭＳ Ｐゴシック"/>
               </a:rPr>
-              <a:t>56</a:t>
+              <a:t>54</a:t>
             </a:fld>
             <a:endParaRPr b="0" lang="en-US" sz="1400" spc="-1" strike="noStrike">
               <a:solidFill>
@@ -10969,7 +10652,7 @@
       </p:sp>
       <p:sp>
         <p:nvSpPr>
-          <p:cNvPr id="486" name="PlaceHolder 2"/>
+          <p:cNvPr id="480" name="PlaceHolder 2"/>
           <p:cNvSpPr>
             <a:spLocks noGrp="1"/>
           </p:cNvSpPr>
@@ -10980,7 +10663,7 @@
         <p:spPr>
           <a:xfrm>
             <a:off x="533520" y="755640"/>
-            <a:ext cx="6702120" cy="3768480"/>
+            <a:ext cx="6701760" cy="3768120"/>
           </a:xfrm>
           <a:prstGeom prst="rect">
             <a:avLst/>
@@ -10992,7 +10675,7 @@
       </p:sp>
       <p:sp>
         <p:nvSpPr>
-          <p:cNvPr id="487" name="PlaceHolder 3"/>
+          <p:cNvPr id="481" name="PlaceHolder 3"/>
           <p:cNvSpPr>
             <a:spLocks noGrp="1"/>
           </p:cNvSpPr>
@@ -11003,7 +10686,7 @@
         <p:spPr>
           <a:xfrm>
             <a:off x="1035720" y="4777200"/>
-            <a:ext cx="5696640" cy="4522320"/>
+            <a:ext cx="5696280" cy="4521960"/>
           </a:xfrm>
           <a:prstGeom prst="rect">
             <a:avLst/>
@@ -11248,7 +10931,7 @@
       </p:grpSpPr>
       <p:sp>
         <p:nvSpPr>
-          <p:cNvPr id="488" name="PlaceHolder 1"/>
+          <p:cNvPr id="482" name="PlaceHolder 1"/>
           <p:cNvSpPr>
             <a:spLocks noGrp="1"/>
           </p:cNvSpPr>
@@ -11259,7 +10942,7 @@
         <p:spPr>
           <a:xfrm>
             <a:off x="4403880" y="9556200"/>
-            <a:ext cx="3364200" cy="498600"/>
+            <a:ext cx="3363840" cy="498240"/>
           </a:xfrm>
           <a:prstGeom prst="rect">
             <a:avLst/>
@@ -11301,7 +10984,7 @@
                 <a:tab algn="l" pos="0"/>
               </a:tabLst>
             </a:pPr>
-            <a:fld id="{C36C4162-DC5A-4B42-BC26-6CB97672C608}" type="slidenum">
+            <a:fld id="{8762BA56-4F4F-4FD9-9F22-B17479C8F46D}" type="slidenum">
               <a:rPr b="0" lang="de-DE" sz="1400" spc="-1" strike="noStrike">
                 <a:solidFill>
                   <a:srgbClr val="000000"/>
@@ -11309,7 +10992,7 @@
                 <a:latin typeface="Times New Roman"/>
                 <a:ea typeface="ＭＳ Ｐゴシック"/>
               </a:rPr>
-              <a:t>56</a:t>
+              <a:t>54</a:t>
             </a:fld>
             <a:endParaRPr b="0" lang="en-US" sz="1400" spc="-1" strike="noStrike">
               <a:solidFill>
@@ -11322,7 +11005,7 @@
       </p:sp>
       <p:sp>
         <p:nvSpPr>
-          <p:cNvPr id="489" name="PlaceHolder 2"/>
+          <p:cNvPr id="483" name="PlaceHolder 2"/>
           <p:cNvSpPr>
             <a:spLocks noGrp="1"/>
           </p:cNvSpPr>
@@ -11333,7 +11016,7 @@
         <p:spPr>
           <a:xfrm>
             <a:off x="533520" y="755640"/>
-            <a:ext cx="6702120" cy="3768480"/>
+            <a:ext cx="6701760" cy="3768120"/>
           </a:xfrm>
           <a:prstGeom prst="rect">
             <a:avLst/>
@@ -11345,7 +11028,7 @@
       </p:sp>
       <p:sp>
         <p:nvSpPr>
-          <p:cNvPr id="490" name="PlaceHolder 3"/>
+          <p:cNvPr id="484" name="PlaceHolder 3"/>
           <p:cNvSpPr>
             <a:spLocks noGrp="1"/>
           </p:cNvSpPr>
@@ -11356,7 +11039,7 @@
         <p:spPr>
           <a:xfrm>
             <a:off x="1035720" y="4777200"/>
-            <a:ext cx="5696640" cy="4522320"/>
+            <a:ext cx="5696280" cy="4521960"/>
           </a:xfrm>
           <a:prstGeom prst="rect">
             <a:avLst/>
@@ -11601,7 +11284,7 @@
       </p:grpSpPr>
       <p:sp>
         <p:nvSpPr>
-          <p:cNvPr id="491" name="PlaceHolder 1"/>
+          <p:cNvPr id="485" name="PlaceHolder 1"/>
           <p:cNvSpPr>
             <a:spLocks noGrp="1"/>
           </p:cNvSpPr>
@@ -11612,7 +11295,7 @@
         <p:spPr>
           <a:xfrm>
             <a:off x="4403880" y="9556200"/>
-            <a:ext cx="3364200" cy="498600"/>
+            <a:ext cx="3363840" cy="498240"/>
           </a:xfrm>
           <a:prstGeom prst="rect">
             <a:avLst/>
@@ -11654,7 +11337,7 @@
                 <a:tab algn="l" pos="0"/>
               </a:tabLst>
             </a:pPr>
-            <a:fld id="{65F01AA4-AEA2-40E7-A8AD-D0F4F939AD69}" type="slidenum">
+            <a:fld id="{89B08966-45CD-45B5-AAE6-C6594EEE8909}" type="slidenum">
               <a:rPr b="0" lang="de-DE" sz="1400" spc="-1" strike="noStrike">
                 <a:solidFill>
                   <a:srgbClr val="000000"/>
@@ -11662,7 +11345,7 @@
                 <a:latin typeface="Times New Roman"/>
                 <a:ea typeface="ＭＳ Ｐゴシック"/>
               </a:rPr>
-              <a:t>56</a:t>
+              <a:t>54</a:t>
             </a:fld>
             <a:endParaRPr b="0" lang="en-US" sz="1400" spc="-1" strike="noStrike">
               <a:solidFill>
@@ -11675,7 +11358,7 @@
       </p:sp>
       <p:sp>
         <p:nvSpPr>
-          <p:cNvPr id="492" name="PlaceHolder 2"/>
+          <p:cNvPr id="486" name="PlaceHolder 2"/>
           <p:cNvSpPr>
             <a:spLocks noGrp="1"/>
           </p:cNvSpPr>
@@ -11686,7 +11369,7 @@
         <p:spPr>
           <a:xfrm>
             <a:off x="533520" y="755640"/>
-            <a:ext cx="6702120" cy="3768480"/>
+            <a:ext cx="6701760" cy="3768120"/>
           </a:xfrm>
           <a:prstGeom prst="rect">
             <a:avLst/>
@@ -11698,7 +11381,7 @@
       </p:sp>
       <p:sp>
         <p:nvSpPr>
-          <p:cNvPr id="493" name="PlaceHolder 3"/>
+          <p:cNvPr id="487" name="PlaceHolder 3"/>
           <p:cNvSpPr>
             <a:spLocks noGrp="1"/>
           </p:cNvSpPr>
@@ -11709,7 +11392,7 @@
         <p:spPr>
           <a:xfrm>
             <a:off x="1035720" y="4777200"/>
-            <a:ext cx="5696640" cy="4522320"/>
+            <a:ext cx="5696280" cy="4521960"/>
           </a:xfrm>
           <a:prstGeom prst="rect">
             <a:avLst/>
@@ -11740,16 +11423,7 @@
                 </a:solidFill>
                 <a:latin typeface="Times New Roman"/>
               </a:rPr>
-              <a:t>Vier Variablen Modell in einem Satz: Grundlagen sind Variablen (Grundlegendes Modell), </a:t>
-            </a:r>
-            <a:r>
-              <a:rPr b="0" lang="en-US" sz="2000" spc="-1" strike="noStrike">
-                <a:solidFill>
-                  <a:srgbClr val="000000"/>
-                </a:solidFill>
-                <a:latin typeface="Times New Roman"/>
-              </a:rPr>
-              <a:t>Erweiterung über Realtionen -&gt; Grundlage für Dokumente: Wie dokumentiere ich sowas</a:t>
+              <a:t>Vier Variablen Modell in einem Satz: Grundlagen sind Variablen (Grundlegendes Modell), Erweiterung über Realtionen -&gt; Grundlage für Dokumente: Wie dokumentiere ich sowas</a:t>
             </a:r>
             <a:endParaRPr b="0" lang="en-US" sz="2000" spc="-1" strike="noStrike">
               <a:solidFill>
@@ -22621,7 +22295,7 @@
         <p:spPr>
           <a:xfrm>
             <a:off x="11444760" y="0"/>
-            <a:ext cx="742680" cy="6851520"/>
+            <a:ext cx="742320" cy="6851160"/>
           </a:xfrm>
           <a:prstGeom prst="rect">
             <a:avLst/>
@@ -22670,7 +22344,7 @@
         <p:spPr>
           <a:xfrm>
             <a:off x="11438640" y="6453360"/>
-            <a:ext cx="759600" cy="363960"/>
+            <a:ext cx="759240" cy="363960"/>
           </a:xfrm>
           <a:prstGeom prst="rect">
             <a:avLst/>
@@ -22696,7 +22370,7 @@
                 <a:spcPct val="100000"/>
               </a:lnSpc>
             </a:pPr>
-            <a:fld id="{F827FF50-2138-4EFB-BC68-1A244000D98A}" type="slidenum">
+            <a:fld id="{ABD09FAE-7E3A-4286-BACB-0D37781277F5}" type="slidenum">
               <a:rPr b="0" lang="en-US" sz="1800" spc="-1" strike="noStrike">
                 <a:solidFill>
                   <a:srgbClr val="808080"/>
@@ -22704,7 +22378,7 @@
                 <a:latin typeface="Arial"/>
                 <a:ea typeface="DejaVu Sans"/>
               </a:rPr>
-              <a:t>30</a:t>
+              <a:t>&lt;number&gt;</a:t>
             </a:fld>
             <a:endParaRPr b="0" lang="en-US" sz="1800" spc="-1" strike="noStrike">
               <a:solidFill>
@@ -22724,7 +22398,7 @@
         <p:spPr>
           <a:xfrm>
             <a:off x="912240" y="1268280"/>
-            <a:ext cx="9209520" cy="362880"/>
+            <a:ext cx="9209160" cy="362520"/>
           </a:xfrm>
           <a:prstGeom prst="rect">
             <a:avLst/>
@@ -22773,7 +22447,7 @@
         <p:spPr>
           <a:xfrm>
             <a:off x="0" y="0"/>
-            <a:ext cx="3053520" cy="563400"/>
+            <a:ext cx="3053160" cy="563040"/>
           </a:xfrm>
           <a:prstGeom prst="rect">
             <a:avLst/>
@@ -22796,7 +22470,7 @@
         <p:spPr>
           <a:xfrm>
             <a:off x="7430400" y="134640"/>
-            <a:ext cx="3699360" cy="515520"/>
+            <a:ext cx="3699000" cy="515160"/>
           </a:xfrm>
           <a:prstGeom prst="rect">
             <a:avLst/>
@@ -22815,7 +22489,7 @@
         <p:spPr>
           <a:xfrm>
             <a:off x="912240" y="1268280"/>
-            <a:ext cx="9209520" cy="362880"/>
+            <a:ext cx="9209160" cy="362520"/>
           </a:xfrm>
           <a:prstGeom prst="rect">
             <a:avLst/>
@@ -22860,7 +22534,7 @@
         <p:spPr>
           <a:xfrm>
             <a:off x="11444760" y="0"/>
-            <a:ext cx="742680" cy="6851520"/>
+            <a:ext cx="742320" cy="6851160"/>
           </a:xfrm>
           <a:prstGeom prst="rect">
             <a:avLst/>
@@ -22909,7 +22583,7 @@
         <p:spPr>
           <a:xfrm>
             <a:off x="0" y="6642720"/>
-            <a:ext cx="12185640" cy="211320"/>
+            <a:ext cx="12185280" cy="211320"/>
           </a:xfrm>
           <a:prstGeom prst="rect">
             <a:avLst/>
@@ -23281,7 +22955,7 @@
         <p:spPr>
           <a:xfrm>
             <a:off x="11444760" y="0"/>
-            <a:ext cx="739800" cy="6848640"/>
+            <a:ext cx="739440" cy="6848280"/>
           </a:xfrm>
           <a:prstGeom prst="rect">
             <a:avLst/>
@@ -23330,7 +23004,7 @@
         <p:spPr>
           <a:xfrm>
             <a:off x="11438640" y="6453360"/>
-            <a:ext cx="756720" cy="363960"/>
+            <a:ext cx="756360" cy="363960"/>
           </a:xfrm>
           <a:prstGeom prst="rect">
             <a:avLst/>
@@ -23356,7 +23030,7 @@
                 <a:spcPct val="100000"/>
               </a:lnSpc>
             </a:pPr>
-            <a:fld id="{7A1F42EB-01AD-441E-AFF3-254E85C78952}" type="slidenum">
+            <a:fld id="{9FA73B45-9405-4322-8177-A084FFC151B9}" type="slidenum">
               <a:rPr b="0" lang="en-US" sz="1800" spc="-1" strike="noStrike">
                 <a:solidFill>
                   <a:srgbClr val="808080"/>
@@ -23384,7 +23058,7 @@
         <p:spPr>
           <a:xfrm>
             <a:off x="912240" y="1268280"/>
-            <a:ext cx="9206640" cy="360000"/>
+            <a:ext cx="9206280" cy="359640"/>
           </a:xfrm>
           <a:prstGeom prst="rect">
             <a:avLst/>
@@ -23433,7 +23107,7 @@
         <p:spPr>
           <a:xfrm>
             <a:off x="0" y="0"/>
-            <a:ext cx="3050640" cy="560520"/>
+            <a:ext cx="3050280" cy="560160"/>
           </a:xfrm>
           <a:prstGeom prst="rect">
             <a:avLst/>
@@ -23456,7 +23130,7 @@
         <p:spPr>
           <a:xfrm>
             <a:off x="7430400" y="134640"/>
-            <a:ext cx="3696480" cy="512640"/>
+            <a:ext cx="3696120" cy="512280"/>
           </a:xfrm>
           <a:prstGeom prst="rect">
             <a:avLst/>
@@ -23475,7 +23149,7 @@
         <p:spPr>
           <a:xfrm>
             <a:off x="912240" y="1268280"/>
-            <a:ext cx="9206640" cy="360000"/>
+            <a:ext cx="9206280" cy="359640"/>
           </a:xfrm>
           <a:prstGeom prst="rect">
             <a:avLst/>
@@ -23520,7 +23194,7 @@
         <p:spPr>
           <a:xfrm>
             <a:off x="11444760" y="0"/>
-            <a:ext cx="739800" cy="6848640"/>
+            <a:ext cx="739440" cy="6848280"/>
           </a:xfrm>
           <a:prstGeom prst="rect">
             <a:avLst/>
@@ -23569,7 +23243,7 @@
         <p:spPr>
           <a:xfrm>
             <a:off x="0" y="6646680"/>
-            <a:ext cx="12184200" cy="211320"/>
+            <a:ext cx="12183840" cy="211320"/>
           </a:xfrm>
           <a:prstGeom prst="rect">
             <a:avLst/>
@@ -23941,7 +23615,7 @@
         <p:spPr>
           <a:xfrm>
             <a:off x="11444760" y="0"/>
-            <a:ext cx="742680" cy="6851520"/>
+            <a:ext cx="742320" cy="6851160"/>
           </a:xfrm>
           <a:prstGeom prst="rect">
             <a:avLst/>
@@ -23990,7 +23664,7 @@
         <p:spPr>
           <a:xfrm>
             <a:off x="11438640" y="6453360"/>
-            <a:ext cx="759600" cy="363960"/>
+            <a:ext cx="759240" cy="363960"/>
           </a:xfrm>
           <a:prstGeom prst="rect">
             <a:avLst/>
@@ -24016,7 +23690,7 @@
                 <a:spcPct val="100000"/>
               </a:lnSpc>
             </a:pPr>
-            <a:fld id="{F373AB98-82D8-4774-AD5A-2976A210A736}" type="slidenum">
+            <a:fld id="{2CED9D18-881E-4670-AF10-16484C261CC4}" type="slidenum">
               <a:rPr b="0" lang="en-US" sz="1800" spc="-1" strike="noStrike">
                 <a:solidFill>
                   <a:srgbClr val="808080"/>
@@ -24044,7 +23718,7 @@
         <p:spPr>
           <a:xfrm>
             <a:off x="912240" y="1268280"/>
-            <a:ext cx="9209520" cy="362880"/>
+            <a:ext cx="9209160" cy="362520"/>
           </a:xfrm>
           <a:prstGeom prst="rect">
             <a:avLst/>
@@ -24093,7 +23767,7 @@
         <p:spPr>
           <a:xfrm>
             <a:off x="0" y="0"/>
-            <a:ext cx="3053520" cy="563400"/>
+            <a:ext cx="3053160" cy="563040"/>
           </a:xfrm>
           <a:prstGeom prst="rect">
             <a:avLst/>
@@ -24116,7 +23790,7 @@
         <p:spPr>
           <a:xfrm>
             <a:off x="7430400" y="134640"/>
-            <a:ext cx="3699360" cy="515520"/>
+            <a:ext cx="3699000" cy="515160"/>
           </a:xfrm>
           <a:prstGeom prst="rect">
             <a:avLst/>
@@ -24135,7 +23809,7 @@
         <p:spPr>
           <a:xfrm>
             <a:off x="912240" y="1268280"/>
-            <a:ext cx="9209520" cy="362880"/>
+            <a:ext cx="9209160" cy="362520"/>
           </a:xfrm>
           <a:prstGeom prst="rect">
             <a:avLst/>
@@ -24180,7 +23854,7 @@
         <p:spPr>
           <a:xfrm>
             <a:off x="11444760" y="0"/>
-            <a:ext cx="742680" cy="6851520"/>
+            <a:ext cx="742320" cy="6851160"/>
           </a:xfrm>
           <a:prstGeom prst="rect">
             <a:avLst/>
@@ -24229,7 +23903,7 @@
         <p:spPr>
           <a:xfrm>
             <a:off x="0" y="6642720"/>
-            <a:ext cx="12185640" cy="211320"/>
+            <a:ext cx="12185280" cy="211320"/>
           </a:xfrm>
           <a:prstGeom prst="rect">
             <a:avLst/>
@@ -24601,7 +24275,7 @@
         <p:spPr>
           <a:xfrm>
             <a:off x="11444760" y="0"/>
-            <a:ext cx="742680" cy="6851520"/>
+            <a:ext cx="742320" cy="6851160"/>
           </a:xfrm>
           <a:prstGeom prst="rect">
             <a:avLst/>
@@ -24650,7 +24324,7 @@
         <p:spPr>
           <a:xfrm>
             <a:off x="11438640" y="6453360"/>
-            <a:ext cx="759600" cy="363960"/>
+            <a:ext cx="759240" cy="363960"/>
           </a:xfrm>
           <a:prstGeom prst="rect">
             <a:avLst/>
@@ -24676,7 +24350,7 @@
                 <a:spcPct val="100000"/>
               </a:lnSpc>
             </a:pPr>
-            <a:fld id="{A4579FAF-03CD-4026-84C4-D925D41DEB89}" type="slidenum">
+            <a:fld id="{B5AFCE94-4563-4BEC-9B39-67EDE996B8AD}" type="slidenum">
               <a:rPr b="0" lang="en-US" sz="1800" spc="-1" strike="noStrike">
                 <a:solidFill>
                   <a:srgbClr val="808080"/>
@@ -24704,7 +24378,7 @@
         <p:spPr>
           <a:xfrm>
             <a:off x="912240" y="1268280"/>
-            <a:ext cx="9209520" cy="362880"/>
+            <a:ext cx="9209160" cy="362520"/>
           </a:xfrm>
           <a:prstGeom prst="rect">
             <a:avLst/>
@@ -24753,7 +24427,7 @@
         <p:spPr>
           <a:xfrm>
             <a:off x="0" y="0"/>
-            <a:ext cx="3053520" cy="563400"/>
+            <a:ext cx="3053160" cy="563040"/>
           </a:xfrm>
           <a:prstGeom prst="rect">
             <a:avLst/>
@@ -24776,7 +24450,7 @@
         <p:spPr>
           <a:xfrm>
             <a:off x="7430400" y="134640"/>
-            <a:ext cx="3699360" cy="515520"/>
+            <a:ext cx="3699000" cy="515160"/>
           </a:xfrm>
           <a:prstGeom prst="rect">
             <a:avLst/>
@@ -24794,17 +24468,13 @@
         </p:nvSpPr>
         <p:spPr>
           <a:xfrm>
-            <a:off x="11444760" y="1440"/>
-            <a:ext cx="742680" cy="6851520"/>
-          </a:xfrm>
-          <a:prstGeom prst="rect">
-            <a:avLst/>
-          </a:prstGeom>
-          <a:solidFill>
-            <a:srgbClr val="000000">
-              <a:alpha val="10000"/>
-            </a:srgbClr>
-          </a:solidFill>
+            <a:off x="912240" y="1268280"/>
+            <a:ext cx="9209160" cy="362520"/>
+          </a:xfrm>
+          <a:prstGeom prst="rect">
+            <a:avLst/>
+          </a:prstGeom>
+          <a:noFill/>
           <a:ln w="0">
             <a:noFill/>
           </a:ln>
@@ -24827,7 +24497,7 @@
             </a:pPr>
             <a:endParaRPr b="0" lang="en-US" sz="1800" spc="-1" strike="noStrike">
               <a:solidFill>
-                <a:srgbClr val="ffffff"/>
+                <a:srgbClr val="000000"/>
               </a:solidFill>
               <a:latin typeface="Arial"/>
               <a:ea typeface="DejaVu Sans"/>
@@ -24843,13 +24513,17 @@
         </p:nvSpPr>
         <p:spPr>
           <a:xfrm>
-            <a:off x="11427480" y="6453360"/>
-            <a:ext cx="759600" cy="363960"/>
-          </a:xfrm>
-          <a:prstGeom prst="rect">
-            <a:avLst/>
-          </a:prstGeom>
-          <a:noFill/>
+            <a:off x="11444760" y="0"/>
+            <a:ext cx="742320" cy="6851160"/>
+          </a:xfrm>
+          <a:prstGeom prst="rect">
+            <a:avLst/>
+          </a:prstGeom>
+          <a:solidFill>
+            <a:srgbClr val="000000">
+              <a:alpha val="10000"/>
+            </a:srgbClr>
+          </a:solidFill>
           <a:ln w="0">
             <a:noFill/>
           </a:ln>
@@ -24862,29 +24536,20 @@
         </p:style>
         <p:txBody>
           <a:bodyPr lIns="90000" rIns="90000" tIns="45000" bIns="45000" anchor="t">
-            <a:spAutoFit/>
+            <a:noAutofit/>
           </a:bodyPr>
           <a:p>
-            <a:pPr algn="ctr">
-              <a:lnSpc>
-                <a:spcPct val="100000"/>
-              </a:lnSpc>
-            </a:pPr>
-            <a:fld id="{7F7530E3-46A7-423B-AD88-6311EDEF3054}" type="slidenum">
-              <a:rPr b="0" lang="en-US" sz="1800" spc="-1" strike="noStrike">
-                <a:solidFill>
-                  <a:srgbClr val="808080"/>
-                </a:solidFill>
-                <a:latin typeface="Arial"/>
-                <a:ea typeface="DejaVu Sans"/>
-              </a:rPr>
-              <a:t>&lt;number&gt;</a:t>
-            </a:fld>
+            <a:pPr>
+              <a:lnSpc>
+                <a:spcPct val="100000"/>
+              </a:lnSpc>
+            </a:pPr>
             <a:endParaRPr b="0" lang="en-US" sz="1800" spc="-1" strike="noStrike">
               <a:solidFill>
-                <a:srgbClr val="000000"/>
-              </a:solidFill>
-              <a:latin typeface="Arial"/>
+                <a:srgbClr val="ffffff"/>
+              </a:solidFill>
+              <a:latin typeface="Arial"/>
+              <a:ea typeface="DejaVu Sans"/>
             </a:endParaRPr>
           </a:p>
         </p:txBody>
@@ -24898,7 +24563,7 @@
         <p:spPr>
           <a:xfrm>
             <a:off x="0" y="6642720"/>
-            <a:ext cx="12185640" cy="211320"/>
+            <a:ext cx="12185280" cy="211320"/>
           </a:xfrm>
           <a:prstGeom prst="rect">
             <a:avLst/>
@@ -25270,7 +24935,7 @@
         <p:spPr>
           <a:xfrm>
             <a:off x="11444760" y="0"/>
-            <a:ext cx="742680" cy="6851520"/>
+            <a:ext cx="742320" cy="6851160"/>
           </a:xfrm>
           <a:prstGeom prst="rect">
             <a:avLst/>
@@ -25319,7 +24984,7 @@
         <p:spPr>
           <a:xfrm>
             <a:off x="11438640" y="6453360"/>
-            <a:ext cx="759600" cy="363960"/>
+            <a:ext cx="759240" cy="363960"/>
           </a:xfrm>
           <a:prstGeom prst="rect">
             <a:avLst/>
@@ -25345,7 +25010,7 @@
                 <a:spcPct val="100000"/>
               </a:lnSpc>
             </a:pPr>
-            <a:fld id="{5F884D7A-ECA9-4B50-982C-C0784AF02F93}" type="slidenum">
+            <a:fld id="{C4F2B5DD-71B1-4DDD-8DA2-517B708B2C12}" type="slidenum">
               <a:rPr b="0" lang="en-US" sz="1800" spc="-1" strike="noStrike">
                 <a:solidFill>
                   <a:srgbClr val="808080"/>
@@ -25373,7 +25038,7 @@
         <p:spPr>
           <a:xfrm>
             <a:off x="912240" y="1268280"/>
-            <a:ext cx="9209520" cy="362880"/>
+            <a:ext cx="9209160" cy="362520"/>
           </a:xfrm>
           <a:prstGeom prst="rect">
             <a:avLst/>
@@ -25422,7 +25087,7 @@
         <p:spPr>
           <a:xfrm>
             <a:off x="0" y="0"/>
-            <a:ext cx="3053520" cy="563400"/>
+            <a:ext cx="3053160" cy="563040"/>
           </a:xfrm>
           <a:prstGeom prst="rect">
             <a:avLst/>
@@ -25445,7 +25110,7 @@
         <p:spPr>
           <a:xfrm>
             <a:off x="7430400" y="134640"/>
-            <a:ext cx="3699360" cy="515520"/>
+            <a:ext cx="3699000" cy="515160"/>
           </a:xfrm>
           <a:prstGeom prst="rect">
             <a:avLst/>
@@ -25464,7 +25129,7 @@
         <p:spPr>
           <a:xfrm>
             <a:off x="11444760" y="1440"/>
-            <a:ext cx="742680" cy="6851520"/>
+            <a:ext cx="742320" cy="6851160"/>
           </a:xfrm>
           <a:prstGeom prst="rect">
             <a:avLst/>
@@ -25513,7 +25178,7 @@
         <p:spPr>
           <a:xfrm>
             <a:off x="11427480" y="6453360"/>
-            <a:ext cx="759600" cy="363960"/>
+            <a:ext cx="759240" cy="363960"/>
           </a:xfrm>
           <a:prstGeom prst="rect">
             <a:avLst/>
@@ -25539,7 +25204,7 @@
                 <a:spcPct val="100000"/>
               </a:lnSpc>
             </a:pPr>
-            <a:fld id="{7A95593C-837D-481E-BF67-DEFFADA7F2A0}" type="slidenum">
+            <a:fld id="{865C5AD6-4E16-4305-A07C-60BEAF44DC10}" type="slidenum">
               <a:rPr b="0" lang="en-US" sz="1800" spc="-1" strike="noStrike">
                 <a:solidFill>
                   <a:srgbClr val="808080"/>
@@ -25567,7 +25232,7 @@
         <p:spPr>
           <a:xfrm>
             <a:off x="0" y="6642720"/>
-            <a:ext cx="12185640" cy="211320"/>
+            <a:ext cx="12185280" cy="211320"/>
           </a:xfrm>
           <a:prstGeom prst="rect">
             <a:avLst/>
@@ -25939,7 +25604,7 @@
         <p:spPr>
           <a:xfrm>
             <a:off x="11444760" y="0"/>
-            <a:ext cx="742680" cy="6851520"/>
+            <a:ext cx="742320" cy="6851160"/>
           </a:xfrm>
           <a:prstGeom prst="rect">
             <a:avLst/>
@@ -25964,6 +25629,11 @@
             <a:noAutofit/>
           </a:bodyPr>
           <a:p>
+            <a:pPr>
+              <a:lnSpc>
+                <a:spcPct val="100000"/>
+              </a:lnSpc>
+            </a:pPr>
             <a:endParaRPr b="0" lang="en-US" sz="1800" spc="-1" strike="noStrike">
               <a:solidFill>
                 <a:srgbClr val="ffffff"/>
@@ -25983,7 +25653,7 @@
         <p:spPr>
           <a:xfrm>
             <a:off x="11438640" y="6453360"/>
-            <a:ext cx="759600" cy="363960"/>
+            <a:ext cx="759240" cy="363960"/>
           </a:xfrm>
           <a:prstGeom prst="rect">
             <a:avLst/>
@@ -26009,7 +25679,7 @@
                 <a:spcPct val="100000"/>
               </a:lnSpc>
             </a:pPr>
-            <a:fld id="{2FEBB19C-CDBF-464B-AAF3-395F17EC5D5D}" type="slidenum">
+            <a:fld id="{ADB6E52B-753E-4B9E-A97F-E196D97BACBC}" type="slidenum">
               <a:rPr b="0" lang="en-US" sz="1800" spc="-1" strike="noStrike">
                 <a:solidFill>
                   <a:srgbClr val="808080"/>
@@ -26037,7 +25707,7 @@
         <p:spPr>
           <a:xfrm>
             <a:off x="912240" y="1268280"/>
-            <a:ext cx="9209520" cy="362880"/>
+            <a:ext cx="9209160" cy="362520"/>
           </a:xfrm>
           <a:prstGeom prst="rect">
             <a:avLst/>
@@ -26058,6 +25728,11 @@
             <a:noAutofit/>
           </a:bodyPr>
           <a:p>
+            <a:pPr>
+              <a:lnSpc>
+                <a:spcPct val="100000"/>
+              </a:lnSpc>
+            </a:pPr>
             <a:endParaRPr b="0" lang="en-US" sz="1800" spc="-1" strike="noStrike">
               <a:solidFill>
                 <a:srgbClr val="000000"/>
@@ -26081,7 +25756,7 @@
         <p:spPr>
           <a:xfrm>
             <a:off x="0" y="0"/>
-            <a:ext cx="3053520" cy="563400"/>
+            <a:ext cx="3053160" cy="563040"/>
           </a:xfrm>
           <a:prstGeom prst="rect">
             <a:avLst/>
@@ -26104,7 +25779,7 @@
         <p:spPr>
           <a:xfrm>
             <a:off x="7430400" y="134640"/>
-            <a:ext cx="3699360" cy="515520"/>
+            <a:ext cx="3699000" cy="515160"/>
           </a:xfrm>
           <a:prstGeom prst="rect">
             <a:avLst/>
@@ -26122,13 +25797,17 @@
         </p:nvSpPr>
         <p:spPr>
           <a:xfrm>
-            <a:off x="912240" y="1268280"/>
-            <a:ext cx="9209520" cy="362880"/>
-          </a:xfrm>
-          <a:prstGeom prst="rect">
-            <a:avLst/>
-          </a:prstGeom>
-          <a:noFill/>
+            <a:off x="11444760" y="1440"/>
+            <a:ext cx="742320" cy="6851160"/>
+          </a:xfrm>
+          <a:prstGeom prst="rect">
+            <a:avLst/>
+          </a:prstGeom>
+          <a:solidFill>
+            <a:srgbClr val="000000">
+              <a:alpha val="10000"/>
+            </a:srgbClr>
+          </a:solidFill>
           <a:ln w="0">
             <a:noFill/>
           </a:ln>
@@ -26144,9 +25823,14 @@
             <a:noAutofit/>
           </a:bodyPr>
           <a:p>
+            <a:pPr>
+              <a:lnSpc>
+                <a:spcPct val="100000"/>
+              </a:lnSpc>
+            </a:pPr>
             <a:endParaRPr b="0" lang="en-US" sz="1800" spc="-1" strike="noStrike">
               <a:solidFill>
-                <a:srgbClr val="000000"/>
+                <a:srgbClr val="ffffff"/>
               </a:solidFill>
               <a:latin typeface="Arial"/>
               <a:ea typeface="DejaVu Sans"/>
@@ -26162,17 +25846,13 @@
         </p:nvSpPr>
         <p:spPr>
           <a:xfrm>
-            <a:off x="11444760" y="0"/>
-            <a:ext cx="742680" cy="6851520"/>
-          </a:xfrm>
-          <a:prstGeom prst="rect">
-            <a:avLst/>
-          </a:prstGeom>
-          <a:solidFill>
-            <a:srgbClr val="000000">
-              <a:alpha val="10000"/>
-            </a:srgbClr>
-          </a:solidFill>
+            <a:off x="11427480" y="6453360"/>
+            <a:ext cx="759240" cy="363960"/>
+          </a:xfrm>
+          <a:prstGeom prst="rect">
+            <a:avLst/>
+          </a:prstGeom>
+          <a:noFill/>
           <a:ln w="0">
             <a:noFill/>
           </a:ln>
@@ -26185,15 +25865,29 @@
         </p:style>
         <p:txBody>
           <a:bodyPr lIns="90000" rIns="90000" tIns="45000" bIns="45000" anchor="t">
-            <a:noAutofit/>
+            <a:spAutoFit/>
           </a:bodyPr>
           <a:p>
+            <a:pPr algn="ctr">
+              <a:lnSpc>
+                <a:spcPct val="100000"/>
+              </a:lnSpc>
+            </a:pPr>
+            <a:fld id="{D7C59067-9B49-473E-9637-916574A204D2}" type="slidenum">
+              <a:rPr b="0" lang="en-US" sz="1800" spc="-1" strike="noStrike">
+                <a:solidFill>
+                  <a:srgbClr val="808080"/>
+                </a:solidFill>
+                <a:latin typeface="Arial"/>
+                <a:ea typeface="DejaVu Sans"/>
+              </a:rPr>
+              <a:t>&lt;number&gt;</a:t>
+            </a:fld>
             <a:endParaRPr b="0" lang="en-US" sz="1800" spc="-1" strike="noStrike">
               <a:solidFill>
-                <a:srgbClr val="ffffff"/>
-              </a:solidFill>
-              <a:latin typeface="Arial"/>
-              <a:ea typeface="DejaVu Sans"/>
+                <a:srgbClr val="000000"/>
+              </a:solidFill>
+              <a:latin typeface="Arial"/>
             </a:endParaRPr>
           </a:p>
         </p:txBody>
@@ -26207,7 +25901,7 @@
         <p:spPr>
           <a:xfrm>
             <a:off x="0" y="6642720"/>
-            <a:ext cx="12185640" cy="211320"/>
+            <a:ext cx="12185280" cy="211320"/>
           </a:xfrm>
           <a:prstGeom prst="rect">
             <a:avLst/>
@@ -26572,7 +26266,7 @@
         <p:spPr>
           <a:xfrm>
             <a:off x="527400" y="1412640"/>
-            <a:ext cx="10362600" cy="1149120"/>
+            <a:ext cx="10362240" cy="1148760"/>
           </a:xfrm>
           <a:prstGeom prst="rect">
             <a:avLst/>
@@ -26626,7 +26320,7 @@
         <p:spPr>
           <a:xfrm>
             <a:off x="527400" y="2852640"/>
-            <a:ext cx="10362600" cy="2369880"/>
+            <a:ext cx="10362240" cy="2369520"/>
           </a:xfrm>
           <a:prstGeom prst="rect">
             <a:avLst/>
@@ -26845,7 +26539,7 @@
         <p:spPr>
           <a:xfrm>
             <a:off x="465840" y="1339200"/>
-            <a:ext cx="11521440" cy="4859640"/>
+            <a:ext cx="11521080" cy="4859280"/>
           </a:xfrm>
           <a:prstGeom prst="rect">
             <a:avLst/>
@@ -27255,7 +26949,7 @@
         <p:spPr>
           <a:xfrm>
             <a:off x="542880" y="722160"/>
-            <a:ext cx="10358280" cy="498960"/>
+            <a:ext cx="10357920" cy="498600"/>
           </a:xfrm>
           <a:prstGeom prst="rect">
             <a:avLst/>
@@ -27309,7 +27003,7 @@
         <p:spPr>
           <a:xfrm>
             <a:off x="542880" y="1267560"/>
-            <a:ext cx="10358280" cy="498960"/>
+            <a:ext cx="10357920" cy="498600"/>
           </a:xfrm>
           <a:prstGeom prst="rect">
             <a:avLst/>
@@ -27397,7 +27091,7 @@
         <p:spPr>
           <a:xfrm>
             <a:off x="539640" y="1339200"/>
-            <a:ext cx="11521440" cy="4859640"/>
+            <a:ext cx="11521080" cy="4859280"/>
           </a:xfrm>
           <a:prstGeom prst="rect">
             <a:avLst/>
@@ -27879,7 +27573,7 @@
         <p:spPr>
           <a:xfrm>
             <a:off x="542880" y="722160"/>
-            <a:ext cx="10358280" cy="498960"/>
+            <a:ext cx="10357920" cy="498600"/>
           </a:xfrm>
           <a:prstGeom prst="rect">
             <a:avLst/>
@@ -27933,7 +27627,7 @@
         <p:spPr>
           <a:xfrm>
             <a:off x="542880" y="1267560"/>
-            <a:ext cx="10358280" cy="498960"/>
+            <a:ext cx="10357920" cy="498600"/>
           </a:xfrm>
           <a:prstGeom prst="rect">
             <a:avLst/>
@@ -28021,7 +27715,7 @@
         <p:spPr>
           <a:xfrm>
             <a:off x="539640" y="1339200"/>
-            <a:ext cx="10658520" cy="4859640"/>
+            <a:ext cx="10658160" cy="4859280"/>
           </a:xfrm>
           <a:prstGeom prst="rect">
             <a:avLst/>
@@ -28386,7 +28080,7 @@
         <p:spPr>
           <a:xfrm>
             <a:off x="542880" y="722160"/>
-            <a:ext cx="10358280" cy="498960"/>
+            <a:ext cx="10357920" cy="498600"/>
           </a:xfrm>
           <a:prstGeom prst="rect">
             <a:avLst/>
@@ -28440,7 +28134,7 @@
         <p:spPr>
           <a:xfrm>
             <a:off x="542880" y="1267560"/>
-            <a:ext cx="10358280" cy="498960"/>
+            <a:ext cx="10357920" cy="498600"/>
           </a:xfrm>
           <a:prstGeom prst="rect">
             <a:avLst/>
@@ -28528,7 +28222,7 @@
         <p:spPr>
           <a:xfrm>
             <a:off x="465840" y="1339200"/>
-            <a:ext cx="11521440" cy="4859640"/>
+            <a:ext cx="11521080" cy="4859280"/>
           </a:xfrm>
           <a:prstGeom prst="rect">
             <a:avLst/>
@@ -28973,7 +28667,7 @@
         <p:spPr>
           <a:xfrm>
             <a:off x="542880" y="722160"/>
-            <a:ext cx="10358280" cy="498960"/>
+            <a:ext cx="10357920" cy="498600"/>
           </a:xfrm>
           <a:prstGeom prst="rect">
             <a:avLst/>
@@ -29027,7 +28721,7 @@
         <p:spPr>
           <a:xfrm>
             <a:off x="542880" y="1267560"/>
-            <a:ext cx="10358280" cy="498960"/>
+            <a:ext cx="10357920" cy="498600"/>
           </a:xfrm>
           <a:prstGeom prst="rect">
             <a:avLst/>
@@ -29115,7 +28809,7 @@
         <p:spPr>
           <a:xfrm>
             <a:off x="465840" y="1600200"/>
-            <a:ext cx="10503720" cy="4797360"/>
+            <a:ext cx="10503360" cy="4797000"/>
           </a:xfrm>
           <a:prstGeom prst="rect">
             <a:avLst/>
@@ -29580,7 +29274,7 @@
         <p:spPr>
           <a:xfrm>
             <a:off x="542880" y="722160"/>
-            <a:ext cx="10358280" cy="498960"/>
+            <a:ext cx="10357920" cy="498600"/>
           </a:xfrm>
           <a:prstGeom prst="rect">
             <a:avLst/>
@@ -29634,7 +29328,7 @@
         <p:spPr>
           <a:xfrm>
             <a:off x="542880" y="1267560"/>
-            <a:ext cx="10358280" cy="498960"/>
+            <a:ext cx="10357920" cy="498600"/>
           </a:xfrm>
           <a:prstGeom prst="rect">
             <a:avLst/>
@@ -29722,7 +29416,7 @@
         <p:spPr>
           <a:xfrm>
             <a:off x="465840" y="1339200"/>
-            <a:ext cx="10732320" cy="4859640"/>
+            <a:ext cx="10731960" cy="4859280"/>
           </a:xfrm>
           <a:prstGeom prst="rect">
             <a:avLst/>
@@ -29962,7 +29656,7 @@
         <p:spPr>
           <a:xfrm>
             <a:off x="542880" y="722160"/>
-            <a:ext cx="10358280" cy="498960"/>
+            <a:ext cx="10357920" cy="498600"/>
           </a:xfrm>
           <a:prstGeom prst="rect">
             <a:avLst/>
@@ -30016,7 +29710,7 @@
         <p:spPr>
           <a:xfrm>
             <a:off x="542880" y="1267560"/>
-            <a:ext cx="10358280" cy="498960"/>
+            <a:ext cx="10357920" cy="498600"/>
           </a:xfrm>
           <a:prstGeom prst="rect">
             <a:avLst/>
@@ -30100,7 +29794,7 @@
         <p:spPr>
           <a:xfrm>
             <a:off x="542880" y="721800"/>
-            <a:ext cx="10358280" cy="498960"/>
+            <a:ext cx="10357920" cy="498600"/>
           </a:xfrm>
           <a:prstGeom prst="rect">
             <a:avLst/>
@@ -30154,7 +29848,7 @@
         <p:spPr>
           <a:xfrm>
             <a:off x="542880" y="1267200"/>
-            <a:ext cx="10358280" cy="498960"/>
+            <a:ext cx="10357920" cy="498600"/>
           </a:xfrm>
           <a:prstGeom prst="rect">
             <a:avLst/>
@@ -30208,7 +29902,7 @@
         <p:spPr>
           <a:xfrm>
             <a:off x="539640" y="1709280"/>
-            <a:ext cx="8225640" cy="4353840"/>
+            <a:ext cx="8225280" cy="4353480"/>
           </a:xfrm>
           <a:prstGeom prst="rect">
             <a:avLst/>
@@ -30487,7 +30181,7 @@
         <p:spPr>
           <a:xfrm>
             <a:off x="465840" y="1339200"/>
-            <a:ext cx="11521440" cy="4859640"/>
+            <a:ext cx="11521080" cy="4859280"/>
           </a:xfrm>
           <a:prstGeom prst="rect">
             <a:avLst/>
@@ -30672,7 +30366,7 @@
         <p:spPr>
           <a:xfrm>
             <a:off x="542880" y="722160"/>
-            <a:ext cx="10358280" cy="498960"/>
+            <a:ext cx="10357920" cy="498600"/>
           </a:xfrm>
           <a:prstGeom prst="rect">
             <a:avLst/>
@@ -30726,7 +30420,7 @@
         <p:spPr>
           <a:xfrm>
             <a:off x="542880" y="1267560"/>
-            <a:ext cx="10358280" cy="498960"/>
+            <a:ext cx="10357920" cy="498600"/>
           </a:xfrm>
           <a:prstGeom prst="rect">
             <a:avLst/>
@@ -30810,7 +30504,7 @@
         <p:spPr>
           <a:xfrm>
             <a:off x="542880" y="722160"/>
-            <a:ext cx="10358280" cy="498960"/>
+            <a:ext cx="10357920" cy="498600"/>
           </a:xfrm>
           <a:prstGeom prst="rect">
             <a:avLst/>
@@ -30864,7 +30558,7 @@
         <p:spPr>
           <a:xfrm>
             <a:off x="542880" y="1267560"/>
-            <a:ext cx="10358280" cy="498960"/>
+            <a:ext cx="10357920" cy="498600"/>
           </a:xfrm>
           <a:prstGeom prst="rect">
             <a:avLst/>
@@ -30922,7 +30616,7 @@
         <p:spPr>
           <a:xfrm>
             <a:off x="393840" y="2492280"/>
-            <a:ext cx="10641960" cy="3301200"/>
+            <a:ext cx="10641600" cy="3300840"/>
           </a:xfrm>
           <a:prstGeom prst="rect">
             <a:avLst/>
@@ -30971,7 +30665,7 @@
         <p:spPr>
           <a:xfrm>
             <a:off x="542880" y="721800"/>
-            <a:ext cx="10358280" cy="498960"/>
+            <a:ext cx="10357920" cy="498600"/>
           </a:xfrm>
           <a:prstGeom prst="rect">
             <a:avLst/>
@@ -31025,7 +30719,7 @@
         <p:spPr>
           <a:xfrm>
             <a:off x="542880" y="1267200"/>
-            <a:ext cx="10358280" cy="498960"/>
+            <a:ext cx="10357920" cy="498600"/>
           </a:xfrm>
           <a:prstGeom prst="rect">
             <a:avLst/>
@@ -31079,7 +30773,7 @@
         <p:spPr>
           <a:xfrm>
             <a:off x="539640" y="1709280"/>
-            <a:ext cx="8225640" cy="4353840"/>
+            <a:ext cx="8225280" cy="4353480"/>
           </a:xfrm>
           <a:prstGeom prst="rect">
             <a:avLst/>
@@ -31354,7 +31048,7 @@
         <p:spPr>
           <a:xfrm>
             <a:off x="542880" y="721800"/>
-            <a:ext cx="10354320" cy="495000"/>
+            <a:ext cx="10353960" cy="494640"/>
           </a:xfrm>
           <a:prstGeom prst="rect">
             <a:avLst/>
@@ -31408,7 +31102,7 @@
         <p:spPr>
           <a:xfrm>
             <a:off x="542880" y="1267200"/>
-            <a:ext cx="10354320" cy="495000"/>
+            <a:ext cx="10353960" cy="494640"/>
           </a:xfrm>
           <a:prstGeom prst="rect">
             <a:avLst/>
@@ -31462,7 +31156,7 @@
         <p:spPr>
           <a:xfrm>
             <a:off x="609840" y="2266920"/>
-            <a:ext cx="10584720" cy="3195720"/>
+            <a:ext cx="10584360" cy="3195360"/>
           </a:xfrm>
           <a:prstGeom prst="rect">
             <a:avLst/>
@@ -31632,7 +31326,7 @@
         <p:spPr>
           <a:xfrm>
             <a:off x="539640" y="1339200"/>
-            <a:ext cx="10658520" cy="4859640"/>
+            <a:ext cx="10658160" cy="4859280"/>
           </a:xfrm>
           <a:prstGeom prst="rect">
             <a:avLst/>
@@ -31977,7 +31671,7 @@
         <p:spPr>
           <a:xfrm>
             <a:off x="542880" y="722160"/>
-            <a:ext cx="10358280" cy="498960"/>
+            <a:ext cx="10357920" cy="498600"/>
           </a:xfrm>
           <a:prstGeom prst="rect">
             <a:avLst/>
@@ -32031,7 +31725,7 @@
         <p:spPr>
           <a:xfrm>
             <a:off x="542880" y="1267560"/>
-            <a:ext cx="10358280" cy="498960"/>
+            <a:ext cx="10357920" cy="498600"/>
           </a:xfrm>
           <a:prstGeom prst="rect">
             <a:avLst/>
@@ -32119,7 +31813,7 @@
         <p:spPr>
           <a:xfrm>
             <a:off x="539640" y="1339200"/>
-            <a:ext cx="10658520" cy="4859640"/>
+            <a:ext cx="10658160" cy="4859280"/>
           </a:xfrm>
           <a:prstGeom prst="rect">
             <a:avLst/>
@@ -32374,7 +32068,7 @@
         <p:spPr>
           <a:xfrm>
             <a:off x="542880" y="722160"/>
-            <a:ext cx="10358280" cy="498960"/>
+            <a:ext cx="10357920" cy="498600"/>
           </a:xfrm>
           <a:prstGeom prst="rect">
             <a:avLst/>
@@ -32428,7 +32122,7 @@
         <p:spPr>
           <a:xfrm>
             <a:off x="542880" y="1267560"/>
-            <a:ext cx="10358280" cy="498960"/>
+            <a:ext cx="10357920" cy="498600"/>
           </a:xfrm>
           <a:prstGeom prst="rect">
             <a:avLst/>
@@ -32512,7 +32206,7 @@
         <p:spPr>
           <a:xfrm>
             <a:off x="542880" y="722160"/>
-            <a:ext cx="10358280" cy="498960"/>
+            <a:ext cx="10357920" cy="498600"/>
           </a:xfrm>
           <a:prstGeom prst="rect">
             <a:avLst/>
@@ -32566,7 +32260,7 @@
         <p:spPr>
           <a:xfrm>
             <a:off x="542880" y="1267560"/>
-            <a:ext cx="10358280" cy="498960"/>
+            <a:ext cx="10357920" cy="498600"/>
           </a:xfrm>
           <a:prstGeom prst="rect">
             <a:avLst/>
@@ -32620,7 +32314,7 @@
         <p:spPr>
           <a:xfrm>
             <a:off x="263520" y="6411600"/>
-            <a:ext cx="10919160" cy="226800"/>
+            <a:ext cx="10918800" cy="226800"/>
           </a:xfrm>
           <a:prstGeom prst="rect">
             <a:avLst/>
@@ -32688,7 +32382,7 @@
         <p:spPr>
           <a:xfrm>
             <a:off x="1028520" y="2062440"/>
-            <a:ext cx="8911800" cy="4327560"/>
+            <a:ext cx="8911440" cy="4327200"/>
           </a:xfrm>
           <a:prstGeom prst="rect">
             <a:avLst/>
@@ -32741,7 +32435,7 @@
         <p:spPr>
           <a:xfrm>
             <a:off x="539640" y="1339200"/>
-            <a:ext cx="10732320" cy="4859640"/>
+            <a:ext cx="10731960" cy="4859280"/>
           </a:xfrm>
           <a:prstGeom prst="rect">
             <a:avLst/>
@@ -33059,7 +32753,7 @@
         <p:spPr>
           <a:xfrm>
             <a:off x="542880" y="722160"/>
-            <a:ext cx="10358280" cy="498960"/>
+            <a:ext cx="10357920" cy="498600"/>
           </a:xfrm>
           <a:prstGeom prst="rect">
             <a:avLst/>
@@ -33113,7 +32807,7 @@
         <p:spPr>
           <a:xfrm>
             <a:off x="542880" y="1267560"/>
-            <a:ext cx="10358280" cy="498960"/>
+            <a:ext cx="10357920" cy="498600"/>
           </a:xfrm>
           <a:prstGeom prst="rect">
             <a:avLst/>
@@ -33201,7 +32895,7 @@
         <p:spPr>
           <a:xfrm>
             <a:off x="465840" y="1339200"/>
-            <a:ext cx="10732320" cy="4859640"/>
+            <a:ext cx="10731960" cy="4859280"/>
           </a:xfrm>
           <a:prstGeom prst="rect">
             <a:avLst/>
@@ -33406,17 +33100,7 @@
                 <a:latin typeface="DejaVu Sans"/>
                 <a:ea typeface="DejaVu Sans"/>
               </a:rPr>
-              <a:t>The template defines the concrete information contained in the use case </a:t>
-            </a:r>
-            <a:r>
-              <a:rPr b="0" lang="en-US" sz="2000" spc="-1" strike="noStrike">
-                <a:solidFill>
-                  <a:srgbClr val="000000"/>
-                </a:solidFill>
-                <a:latin typeface="DejaVu Sans"/>
-                <a:ea typeface="DejaVu Sans"/>
-              </a:rPr>
-              <a:t>specification</a:t>
+              <a:t>The template defines the concrete information contained in the use case specification</a:t>
             </a:r>
             <a:endParaRPr b="0" lang="en-US" sz="2000" spc="-1" strike="noStrike">
               <a:solidFill>
@@ -33436,7 +33120,7 @@
         <p:spPr>
           <a:xfrm>
             <a:off x="542880" y="722160"/>
-            <a:ext cx="10358280" cy="498960"/>
+            <a:ext cx="10357920" cy="498600"/>
           </a:xfrm>
           <a:prstGeom prst="rect">
             <a:avLst/>
@@ -33490,7 +33174,7 @@
         <p:spPr>
           <a:xfrm>
             <a:off x="542880" y="1267560"/>
-            <a:ext cx="10358280" cy="498960"/>
+            <a:ext cx="10357920" cy="498600"/>
           </a:xfrm>
           <a:prstGeom prst="rect">
             <a:avLst/>
@@ -33578,7 +33262,7 @@
         <p:spPr>
           <a:xfrm>
             <a:off x="539640" y="1339200"/>
-            <a:ext cx="10732320" cy="5286960"/>
+            <a:ext cx="10731960" cy="5286600"/>
           </a:xfrm>
           <a:prstGeom prst="rect">
             <a:avLst/>
@@ -34058,7 +33742,7 @@
         <p:spPr>
           <a:xfrm>
             <a:off x="542880" y="722160"/>
-            <a:ext cx="10358280" cy="498960"/>
+            <a:ext cx="10357920" cy="498600"/>
           </a:xfrm>
           <a:prstGeom prst="rect">
             <a:avLst/>
@@ -34112,7 +33796,7 @@
         <p:spPr>
           <a:xfrm>
             <a:off x="542880" y="1267560"/>
-            <a:ext cx="10358280" cy="498960"/>
+            <a:ext cx="10357920" cy="498600"/>
           </a:xfrm>
           <a:prstGeom prst="rect">
             <a:avLst/>
@@ -34196,7 +33880,7 @@
         <p:spPr>
           <a:xfrm>
             <a:off x="542880" y="722160"/>
-            <a:ext cx="10358280" cy="498960"/>
+            <a:ext cx="10357920" cy="498600"/>
           </a:xfrm>
           <a:prstGeom prst="rect">
             <a:avLst/>
@@ -34250,7 +33934,7 @@
         <p:spPr>
           <a:xfrm>
             <a:off x="542880" y="1267560"/>
-            <a:ext cx="10358280" cy="498960"/>
+            <a:ext cx="10357920" cy="498600"/>
           </a:xfrm>
           <a:prstGeom prst="rect">
             <a:avLst/>
@@ -34304,7 +33988,7 @@
         <p:spPr>
           <a:xfrm>
             <a:off x="263520" y="6411600"/>
-            <a:ext cx="10919160" cy="226800"/>
+            <a:ext cx="10918800" cy="226800"/>
           </a:xfrm>
           <a:prstGeom prst="rect">
             <a:avLst/>
@@ -34403,7 +34087,7 @@
                         <a:solidFill>
                           <a:srgbClr val="000000"/>
                         </a:solidFill>
-                        <a:latin typeface="Times New Roman"/>
+                        <a:latin typeface="Arial"/>
                       </a:endParaRPr>
                     </a:p>
                   </a:txBody>
@@ -34458,7 +34142,7 @@
                         <a:solidFill>
                           <a:srgbClr val="000000"/>
                         </a:solidFill>
-                        <a:latin typeface="Times New Roman"/>
+                        <a:latin typeface="Arial"/>
                       </a:endParaRPr>
                     </a:p>
                   </a:txBody>
@@ -34515,7 +34199,7 @@
                         <a:solidFill>
                           <a:srgbClr val="000000"/>
                         </a:solidFill>
-                        <a:latin typeface="Times New Roman"/>
+                        <a:latin typeface="Arial"/>
                       </a:endParaRPr>
                     </a:p>
                   </a:txBody>
@@ -34570,7 +34254,7 @@
                         <a:solidFill>
                           <a:srgbClr val="000000"/>
                         </a:solidFill>
-                        <a:latin typeface="Times New Roman"/>
+                        <a:latin typeface="Arial"/>
                       </a:endParaRPr>
                     </a:p>
                   </a:txBody>
@@ -34627,7 +34311,7 @@
                         <a:solidFill>
                           <a:srgbClr val="000000"/>
                         </a:solidFill>
-                        <a:latin typeface="Times New Roman"/>
+                        <a:latin typeface="Arial"/>
                       </a:endParaRPr>
                     </a:p>
                   </a:txBody>
@@ -34682,7 +34366,7 @@
                         <a:solidFill>
                           <a:srgbClr val="000000"/>
                         </a:solidFill>
-                        <a:latin typeface="Times New Roman"/>
+                        <a:latin typeface="Arial"/>
                       </a:endParaRPr>
                     </a:p>
                   </a:txBody>
@@ -34739,7 +34423,7 @@
                         <a:solidFill>
                           <a:srgbClr val="000000"/>
                         </a:solidFill>
-                        <a:latin typeface="Times New Roman"/>
+                        <a:latin typeface="Arial"/>
                       </a:endParaRPr>
                     </a:p>
                   </a:txBody>
@@ -34794,7 +34478,7 @@
                         <a:solidFill>
                           <a:srgbClr val="000000"/>
                         </a:solidFill>
-                        <a:latin typeface="Times New Roman"/>
+                        <a:latin typeface="Arial"/>
                       </a:endParaRPr>
                     </a:p>
                   </a:txBody>
@@ -34851,7 +34535,7 @@
                         <a:solidFill>
                           <a:srgbClr val="000000"/>
                         </a:solidFill>
-                        <a:latin typeface="Times New Roman"/>
+                        <a:latin typeface="Arial"/>
                       </a:endParaRPr>
                     </a:p>
                   </a:txBody>
@@ -34906,7 +34590,7 @@
                         <a:solidFill>
                           <a:srgbClr val="000000"/>
                         </a:solidFill>
-                        <a:latin typeface="Times New Roman"/>
+                        <a:latin typeface="Arial"/>
                       </a:endParaRPr>
                     </a:p>
                   </a:txBody>
@@ -34963,7 +34647,7 @@
                         <a:solidFill>
                           <a:srgbClr val="000000"/>
                         </a:solidFill>
-                        <a:latin typeface="Times New Roman"/>
+                        <a:latin typeface="Arial"/>
                       </a:endParaRPr>
                     </a:p>
                   </a:txBody>
@@ -35018,7 +34702,7 @@
                         <a:solidFill>
                           <a:srgbClr val="000000"/>
                         </a:solidFill>
-                        <a:latin typeface="Times New Roman"/>
+                        <a:latin typeface="Arial"/>
                       </a:endParaRPr>
                     </a:p>
                   </a:txBody>
@@ -35075,7 +34759,7 @@
                         <a:solidFill>
                           <a:srgbClr val="000000"/>
                         </a:solidFill>
-                        <a:latin typeface="Times New Roman"/>
+                        <a:latin typeface="Arial"/>
                       </a:endParaRPr>
                     </a:p>
                   </a:txBody>
@@ -35130,7 +34814,7 @@
                         <a:solidFill>
                           <a:srgbClr val="000000"/>
                         </a:solidFill>
-                        <a:latin typeface="Times New Roman"/>
+                        <a:latin typeface="Arial"/>
                       </a:endParaRPr>
                     </a:p>
                   </a:txBody>
@@ -35187,7 +34871,7 @@
                         <a:solidFill>
                           <a:srgbClr val="000000"/>
                         </a:solidFill>
-                        <a:latin typeface="Times New Roman"/>
+                        <a:latin typeface="Arial"/>
                       </a:endParaRPr>
                     </a:p>
                   </a:txBody>
@@ -35242,7 +34926,7 @@
                         <a:solidFill>
                           <a:srgbClr val="000000"/>
                         </a:solidFill>
-                        <a:latin typeface="Times New Roman"/>
+                        <a:latin typeface="Arial"/>
                       </a:endParaRPr>
                     </a:p>
                   </a:txBody>
@@ -35299,7 +34983,7 @@
                         <a:solidFill>
                           <a:srgbClr val="000000"/>
                         </a:solidFill>
-                        <a:latin typeface="Times New Roman"/>
+                        <a:latin typeface="Arial"/>
                       </a:endParaRPr>
                     </a:p>
                   </a:txBody>
@@ -35354,7 +35038,7 @@
                         <a:solidFill>
                           <a:srgbClr val="000000"/>
                         </a:solidFill>
-                        <a:latin typeface="Times New Roman"/>
+                        <a:latin typeface="Arial"/>
                       </a:endParaRPr>
                     </a:p>
                   </a:txBody>
@@ -35411,7 +35095,7 @@
                         <a:solidFill>
                           <a:srgbClr val="000000"/>
                         </a:solidFill>
-                        <a:latin typeface="Times New Roman"/>
+                        <a:latin typeface="Arial"/>
                       </a:endParaRPr>
                     </a:p>
                   </a:txBody>
@@ -35466,7 +35150,7 @@
                         <a:solidFill>
                           <a:srgbClr val="000000"/>
                         </a:solidFill>
-                        <a:latin typeface="Times New Roman"/>
+                        <a:latin typeface="Arial"/>
                       </a:endParaRPr>
                     </a:p>
                   </a:txBody>
@@ -35523,7 +35207,7 @@
                         <a:solidFill>
                           <a:srgbClr val="000000"/>
                         </a:solidFill>
-                        <a:latin typeface="Times New Roman"/>
+                        <a:latin typeface="Arial"/>
                       </a:endParaRPr>
                     </a:p>
                   </a:txBody>
@@ -35578,7 +35262,7 @@
                         <a:solidFill>
                           <a:srgbClr val="000000"/>
                         </a:solidFill>
-                        <a:latin typeface="Times New Roman"/>
+                        <a:latin typeface="Arial"/>
                       </a:endParaRPr>
                     </a:p>
                   </a:txBody>
@@ -35622,7 +35306,7 @@
         <p:spPr>
           <a:xfrm>
             <a:off x="9950040" y="915480"/>
-            <a:ext cx="518040" cy="497880"/>
+            <a:ext cx="517680" cy="497520"/>
           </a:xfrm>
           <a:prstGeom prst="star5">
             <a:avLst>
@@ -35659,6 +35343,11 @@
             <a:noAutofit/>
           </a:bodyPr>
           <a:p>
+            <a:pPr>
+              <a:lnSpc>
+                <a:spcPct val="100000"/>
+              </a:lnSpc>
+            </a:pPr>
             <a:endParaRPr b="0" lang="en-US" sz="1800" spc="-1" strike="noStrike">
               <a:solidFill>
                 <a:srgbClr val="000000"/>
@@ -35708,7 +35397,7 @@
         <p:spPr>
           <a:xfrm>
             <a:off x="542880" y="722160"/>
-            <a:ext cx="10358280" cy="498960"/>
+            <a:ext cx="10357920" cy="498600"/>
           </a:xfrm>
           <a:prstGeom prst="rect">
             <a:avLst/>
@@ -35762,7 +35451,7 @@
         <p:spPr>
           <a:xfrm>
             <a:off x="542880" y="1267560"/>
-            <a:ext cx="10358280" cy="498960"/>
+            <a:ext cx="10357920" cy="498600"/>
           </a:xfrm>
           <a:prstGeom prst="rect">
             <a:avLst/>
@@ -35816,7 +35505,7 @@
         <p:spPr>
           <a:xfrm>
             <a:off x="263520" y="6411600"/>
-            <a:ext cx="10919160" cy="226800"/>
+            <a:ext cx="10918800" cy="226800"/>
           </a:xfrm>
           <a:prstGeom prst="rect">
             <a:avLst/>
@@ -35915,7 +35604,7 @@
                         <a:solidFill>
                           <a:srgbClr val="000000"/>
                         </a:solidFill>
-                        <a:latin typeface="Times New Roman"/>
+                        <a:latin typeface="Arial"/>
                       </a:endParaRPr>
                     </a:p>
                   </a:txBody>
@@ -35970,7 +35659,7 @@
                         <a:solidFill>
                           <a:srgbClr val="000000"/>
                         </a:solidFill>
-                        <a:latin typeface="Times New Roman"/>
+                        <a:latin typeface="Arial"/>
                       </a:endParaRPr>
                     </a:p>
                   </a:txBody>
@@ -36027,7 +35716,7 @@
                         <a:solidFill>
                           <a:srgbClr val="000000"/>
                         </a:solidFill>
-                        <a:latin typeface="Times New Roman"/>
+                        <a:latin typeface="Arial"/>
                       </a:endParaRPr>
                     </a:p>
                   </a:txBody>
@@ -36082,7 +35771,7 @@
                         <a:solidFill>
                           <a:srgbClr val="000000"/>
                         </a:solidFill>
-                        <a:latin typeface="Times New Roman"/>
+                        <a:latin typeface="Arial"/>
                       </a:endParaRPr>
                     </a:p>
                   </a:txBody>
@@ -36139,7 +35828,7 @@
                         <a:solidFill>
                           <a:srgbClr val="000000"/>
                         </a:solidFill>
-                        <a:latin typeface="Times New Roman"/>
+                        <a:latin typeface="Arial"/>
                       </a:endParaRPr>
                     </a:p>
                   </a:txBody>
@@ -36194,7 +35883,7 @@
                         <a:solidFill>
                           <a:srgbClr val="000000"/>
                         </a:solidFill>
-                        <a:latin typeface="Times New Roman"/>
+                        <a:latin typeface="Arial"/>
                       </a:endParaRPr>
                     </a:p>
                   </a:txBody>
@@ -36251,7 +35940,7 @@
                         <a:solidFill>
                           <a:srgbClr val="000000"/>
                         </a:solidFill>
-                        <a:latin typeface="Times New Roman"/>
+                        <a:latin typeface="Arial"/>
                       </a:endParaRPr>
                     </a:p>
                   </a:txBody>
@@ -36306,7 +35995,7 @@
                         <a:solidFill>
                           <a:srgbClr val="000000"/>
                         </a:solidFill>
-                        <a:latin typeface="Times New Roman"/>
+                        <a:latin typeface="Arial"/>
                       </a:endParaRPr>
                     </a:p>
                   </a:txBody>
@@ -36363,7 +36052,7 @@
                         <a:solidFill>
                           <a:srgbClr val="000000"/>
                         </a:solidFill>
-                        <a:latin typeface="Times New Roman"/>
+                        <a:latin typeface="Arial"/>
                       </a:endParaRPr>
                     </a:p>
                   </a:txBody>
@@ -36418,7 +36107,7 @@
                         <a:solidFill>
                           <a:srgbClr val="000000"/>
                         </a:solidFill>
-                        <a:latin typeface="Times New Roman"/>
+                        <a:latin typeface="Arial"/>
                       </a:endParaRPr>
                     </a:p>
                     <a:p>
@@ -36441,7 +36130,7 @@
                         <a:solidFill>
                           <a:srgbClr val="000000"/>
                         </a:solidFill>
-                        <a:latin typeface="Times New Roman"/>
+                        <a:latin typeface="Arial"/>
                       </a:endParaRPr>
                     </a:p>
                     <a:p>
@@ -36464,7 +36153,7 @@
                         <a:solidFill>
                           <a:srgbClr val="000000"/>
                         </a:solidFill>
-                        <a:latin typeface="Times New Roman"/>
+                        <a:latin typeface="Arial"/>
                       </a:endParaRPr>
                     </a:p>
                     <a:p>
@@ -36487,7 +36176,7 @@
                         <a:solidFill>
                           <a:srgbClr val="000000"/>
                         </a:solidFill>
-                        <a:latin typeface="Times New Roman"/>
+                        <a:latin typeface="Arial"/>
                       </a:endParaRPr>
                     </a:p>
                     <a:p>
@@ -36510,7 +36199,7 @@
                         <a:solidFill>
                           <a:srgbClr val="000000"/>
                         </a:solidFill>
-                        <a:latin typeface="Times New Roman"/>
+                        <a:latin typeface="Arial"/>
                       </a:endParaRPr>
                     </a:p>
                     <a:p>
@@ -36533,7 +36222,7 @@
                         <a:solidFill>
                           <a:srgbClr val="000000"/>
                         </a:solidFill>
-                        <a:latin typeface="Times New Roman"/>
+                        <a:latin typeface="Arial"/>
                       </a:endParaRPr>
                     </a:p>
                     <a:p>
@@ -36556,7 +36245,7 @@
                         <a:solidFill>
                           <a:srgbClr val="000000"/>
                         </a:solidFill>
-                        <a:latin typeface="Times New Roman"/>
+                        <a:latin typeface="Arial"/>
                       </a:endParaRPr>
                     </a:p>
                   </a:txBody>
@@ -36600,7 +36289,7 @@
         <p:spPr>
           <a:xfrm>
             <a:off x="9950040" y="915480"/>
-            <a:ext cx="518040" cy="497880"/>
+            <a:ext cx="517680" cy="497520"/>
           </a:xfrm>
           <a:prstGeom prst="star5">
             <a:avLst>
@@ -36637,6 +36326,11 @@
             <a:noAutofit/>
           </a:bodyPr>
           <a:p>
+            <a:pPr>
+              <a:lnSpc>
+                <a:spcPct val="100000"/>
+              </a:lnSpc>
+            </a:pPr>
             <a:endParaRPr b="0" lang="en-US" sz="1800" spc="-1" strike="noStrike">
               <a:solidFill>
                 <a:srgbClr val="000000"/>
@@ -36686,7 +36380,7 @@
         <p:spPr>
           <a:xfrm>
             <a:off x="542880" y="722160"/>
-            <a:ext cx="10358280" cy="498960"/>
+            <a:ext cx="10357920" cy="498600"/>
           </a:xfrm>
           <a:prstGeom prst="rect">
             <a:avLst/>
@@ -36740,7 +36434,7 @@
         <p:spPr>
           <a:xfrm>
             <a:off x="542880" y="1267560"/>
-            <a:ext cx="10358280" cy="498960"/>
+            <a:ext cx="10357920" cy="498600"/>
           </a:xfrm>
           <a:prstGeom prst="rect">
             <a:avLst/>
@@ -36794,7 +36488,7 @@
         <p:spPr>
           <a:xfrm>
             <a:off x="263520" y="6411600"/>
-            <a:ext cx="10919160" cy="226800"/>
+            <a:ext cx="10918800" cy="226800"/>
           </a:xfrm>
           <a:prstGeom prst="rect">
             <a:avLst/>
@@ -36893,7 +36587,7 @@
                         <a:solidFill>
                           <a:srgbClr val="000000"/>
                         </a:solidFill>
-                        <a:latin typeface="Times New Roman"/>
+                        <a:latin typeface="Arial"/>
                       </a:endParaRPr>
                     </a:p>
                   </a:txBody>
@@ -36948,7 +36642,7 @@
                         <a:solidFill>
                           <a:srgbClr val="000000"/>
                         </a:solidFill>
-                        <a:latin typeface="Times New Roman"/>
+                        <a:latin typeface="Arial"/>
                       </a:endParaRPr>
                     </a:p>
                   </a:txBody>
@@ -37005,7 +36699,7 @@
                         <a:solidFill>
                           <a:srgbClr val="000000"/>
                         </a:solidFill>
-                        <a:latin typeface="Times New Roman"/>
+                        <a:latin typeface="Arial"/>
                       </a:endParaRPr>
                     </a:p>
                   </a:txBody>
@@ -37060,7 +36754,7 @@
                         <a:solidFill>
                           <a:srgbClr val="000000"/>
                         </a:solidFill>
-                        <a:latin typeface="Times New Roman"/>
+                        <a:latin typeface="Arial"/>
                       </a:endParaRPr>
                     </a:p>
                     <a:p>
@@ -37083,7 +36777,7 @@
                         <a:solidFill>
                           <a:srgbClr val="000000"/>
                         </a:solidFill>
-                        <a:latin typeface="Times New Roman"/>
+                        <a:latin typeface="Arial"/>
                       </a:endParaRPr>
                     </a:p>
                     <a:p>
@@ -37106,7 +36800,7 @@
                         <a:solidFill>
                           <a:srgbClr val="000000"/>
                         </a:solidFill>
-                        <a:latin typeface="Times New Roman"/>
+                        <a:latin typeface="Arial"/>
                       </a:endParaRPr>
                     </a:p>
                   </a:txBody>
@@ -37163,7 +36857,7 @@
                         <a:solidFill>
                           <a:srgbClr val="000000"/>
                         </a:solidFill>
-                        <a:latin typeface="Times New Roman"/>
+                        <a:latin typeface="Arial"/>
                       </a:endParaRPr>
                     </a:p>
                   </a:txBody>
@@ -37218,7 +36912,7 @@
                         <a:solidFill>
                           <a:srgbClr val="000000"/>
                         </a:solidFill>
-                        <a:latin typeface="Times New Roman"/>
+                        <a:latin typeface="Arial"/>
                       </a:endParaRPr>
                     </a:p>
                   </a:txBody>
@@ -37275,7 +36969,7 @@
                         <a:solidFill>
                           <a:srgbClr val="000000"/>
                         </a:solidFill>
-                        <a:latin typeface="Times New Roman"/>
+                        <a:latin typeface="Arial"/>
                       </a:endParaRPr>
                     </a:p>
                   </a:txBody>
@@ -37340,7 +37034,7 @@
                         <a:solidFill>
                           <a:srgbClr val="000000"/>
                         </a:solidFill>
-                        <a:latin typeface="Times New Roman"/>
+                        <a:latin typeface="Arial"/>
                       </a:endParaRPr>
                     </a:p>
                     <a:p>
@@ -37373,7 +37067,7 @@
                         <a:solidFill>
                           <a:srgbClr val="000000"/>
                         </a:solidFill>
-                        <a:latin typeface="Times New Roman"/>
+                        <a:latin typeface="Arial"/>
                       </a:endParaRPr>
                     </a:p>
                   </a:txBody>
@@ -37417,7 +37111,7 @@
         <p:spPr>
           <a:xfrm>
             <a:off x="9950040" y="915480"/>
-            <a:ext cx="518040" cy="497880"/>
+            <a:ext cx="517680" cy="497520"/>
           </a:xfrm>
           <a:prstGeom prst="star5">
             <a:avLst>
@@ -37454,6 +37148,11 @@
             <a:noAutofit/>
           </a:bodyPr>
           <a:p>
+            <a:pPr>
+              <a:lnSpc>
+                <a:spcPct val="100000"/>
+              </a:lnSpc>
+            </a:pPr>
             <a:endParaRPr b="0" lang="en-US" sz="1800" spc="-1" strike="noStrike">
               <a:solidFill>
                 <a:srgbClr val="000000"/>
@@ -37503,7 +37202,7 @@
         <p:spPr>
           <a:xfrm>
             <a:off x="542880" y="721800"/>
-            <a:ext cx="10358280" cy="498960"/>
+            <a:ext cx="10357920" cy="498600"/>
           </a:xfrm>
           <a:prstGeom prst="rect">
             <a:avLst/>
@@ -37537,27 +37236,7 @@
                 <a:latin typeface="DejaVu Sans"/>
                 <a:ea typeface="DejaVu Sans"/>
               </a:rPr>
-              <a:t>Lecture 8: </a:t>
-            </a:r>
-            <a:r>
-              <a:rPr b="1" lang="en-GB" sz="2200" spc="-1" strike="noStrike">
-                <a:solidFill>
-                  <a:srgbClr val="000000"/>
-                </a:solidFill>
-                <a:latin typeface="DejaVu Sans"/>
-                <a:ea typeface="DejaVu Sans"/>
-              </a:rPr>
-              <a:t>Requirements </a:t>
-            </a:r>
-            <a:r>
-              <a:rPr b="1" lang="en-GB" sz="2200" spc="-1" strike="noStrike">
-                <a:solidFill>
-                  <a:srgbClr val="000000"/>
-                </a:solidFill>
-                <a:latin typeface="DejaVu Sans"/>
-                <a:ea typeface="DejaVu Sans"/>
-              </a:rPr>
-              <a:t>Documentation</a:t>
+              <a:t>Lecture 8: Requirements Documentation</a:t>
             </a:r>
             <a:endParaRPr b="0" lang="en-US" sz="2200" spc="-1" strike="noStrike">
               <a:solidFill>
@@ -37577,7 +37256,7 @@
         <p:spPr>
           <a:xfrm>
             <a:off x="542880" y="1267200"/>
-            <a:ext cx="10358280" cy="498960"/>
+            <a:ext cx="10357920" cy="498600"/>
           </a:xfrm>
           <a:prstGeom prst="rect">
             <a:avLst/>
@@ -37631,7 +37310,7 @@
         <p:spPr>
           <a:xfrm>
             <a:off x="539640" y="1709280"/>
-            <a:ext cx="8225640" cy="4353840"/>
+            <a:ext cx="8225280" cy="4353480"/>
           </a:xfrm>
           <a:prstGeom prst="rect">
             <a:avLst/>
@@ -37906,7 +37585,7 @@
         <p:spPr>
           <a:xfrm>
             <a:off x="542880" y="721800"/>
-            <a:ext cx="10357200" cy="497880"/>
+            <a:ext cx="10356840" cy="497520"/>
           </a:xfrm>
           <a:prstGeom prst="rect">
             <a:avLst/>
@@ -37960,7 +37639,7 @@
         <p:spPr>
           <a:xfrm>
             <a:off x="542880" y="1267200"/>
-            <a:ext cx="10357200" cy="497880"/>
+            <a:ext cx="10356840" cy="497520"/>
           </a:xfrm>
           <a:prstGeom prst="rect">
             <a:avLst/>
@@ -38018,7 +37697,7 @@
         <p:spPr>
           <a:xfrm>
             <a:off x="542880" y="2387520"/>
-            <a:ext cx="10102320" cy="2079720"/>
+            <a:ext cx="10101960" cy="2079360"/>
           </a:xfrm>
           <a:prstGeom prst="rect">
             <a:avLst/>
@@ -38037,7 +37716,7 @@
         <p:spPr>
           <a:xfrm>
             <a:off x="3846240" y="2297880"/>
-            <a:ext cx="1818360" cy="2258640"/>
+            <a:ext cx="1818000" cy="2258280"/>
           </a:xfrm>
           <a:prstGeom prst="frame">
             <a:avLst>
@@ -38131,7 +37810,7 @@
         <p:spPr>
           <a:xfrm>
             <a:off x="465840" y="1339200"/>
-            <a:ext cx="10732320" cy="5058360"/>
+            <a:ext cx="10731960" cy="5058000"/>
           </a:xfrm>
           <a:prstGeom prst="rect">
             <a:avLst/>
@@ -38546,7 +38225,7 @@
         <p:spPr>
           <a:xfrm>
             <a:off x="542880" y="722160"/>
-            <a:ext cx="10358280" cy="498960"/>
+            <a:ext cx="10357920" cy="498600"/>
           </a:xfrm>
           <a:prstGeom prst="rect">
             <a:avLst/>
@@ -38600,7 +38279,7 @@
         <p:spPr>
           <a:xfrm>
             <a:off x="542880" y="1267560"/>
-            <a:ext cx="10358280" cy="498960"/>
+            <a:ext cx="10357920" cy="498600"/>
           </a:xfrm>
           <a:prstGeom prst="rect">
             <a:avLst/>
@@ -38688,7 +38367,7 @@
         <p:spPr>
           <a:xfrm>
             <a:off x="539640" y="1339200"/>
-            <a:ext cx="10732320" cy="5058360"/>
+            <a:ext cx="10731960" cy="5058000"/>
           </a:xfrm>
           <a:prstGeom prst="rect">
             <a:avLst/>
@@ -38998,7 +38677,7 @@
         <p:spPr>
           <a:xfrm>
             <a:off x="542880" y="722160"/>
-            <a:ext cx="10358280" cy="498960"/>
+            <a:ext cx="10357920" cy="498600"/>
           </a:xfrm>
           <a:prstGeom prst="rect">
             <a:avLst/>
@@ -39052,7 +38731,7 @@
         <p:spPr>
           <a:xfrm>
             <a:off x="542880" y="1267560"/>
-            <a:ext cx="10358280" cy="498960"/>
+            <a:ext cx="10357920" cy="498600"/>
           </a:xfrm>
           <a:prstGeom prst="rect">
             <a:avLst/>
@@ -39136,7 +38815,7 @@
         <p:spPr>
           <a:xfrm>
             <a:off x="542880" y="722160"/>
-            <a:ext cx="10358280" cy="498960"/>
+            <a:ext cx="10357920" cy="498600"/>
           </a:xfrm>
           <a:prstGeom prst="rect">
             <a:avLst/>
@@ -39190,7 +38869,7 @@
         <p:spPr>
           <a:xfrm>
             <a:off x="542880" y="1267560"/>
-            <a:ext cx="10358280" cy="498960"/>
+            <a:ext cx="10357920" cy="498600"/>
           </a:xfrm>
           <a:prstGeom prst="rect">
             <a:avLst/>
@@ -39244,7 +38923,7 @@
         <p:spPr>
           <a:xfrm>
             <a:off x="263520" y="6411600"/>
-            <a:ext cx="10919160" cy="226800"/>
+            <a:ext cx="10918800" cy="226800"/>
           </a:xfrm>
           <a:prstGeom prst="rect">
             <a:avLst/>
@@ -39312,7 +38991,7 @@
         <p:spPr>
           <a:xfrm>
             <a:off x="3404520" y="1936080"/>
-            <a:ext cx="5379120" cy="4305600"/>
+            <a:ext cx="5378760" cy="4305240"/>
           </a:xfrm>
           <a:prstGeom prst="rect">
             <a:avLst/>
@@ -39365,7 +39044,7 @@
         <p:spPr>
           <a:xfrm>
             <a:off x="542880" y="1339200"/>
-            <a:ext cx="10658520" cy="4859640"/>
+            <a:ext cx="10658160" cy="4859280"/>
           </a:xfrm>
           <a:prstGeom prst="rect">
             <a:avLst/>
@@ -39605,7 +39284,7 @@
         <p:spPr>
           <a:xfrm>
             <a:off x="542880" y="722160"/>
-            <a:ext cx="10358280" cy="498960"/>
+            <a:ext cx="10357920" cy="498600"/>
           </a:xfrm>
           <a:prstGeom prst="rect">
             <a:avLst/>
@@ -39659,7 +39338,7 @@
         <p:spPr>
           <a:xfrm>
             <a:off x="542880" y="1267560"/>
-            <a:ext cx="10358280" cy="498960"/>
+            <a:ext cx="10357920" cy="498600"/>
           </a:xfrm>
           <a:prstGeom prst="rect">
             <a:avLst/>
@@ -39743,7 +39422,7 @@
         <p:spPr>
           <a:xfrm>
             <a:off x="542880" y="722160"/>
-            <a:ext cx="10358280" cy="498960"/>
+            <a:ext cx="10357920" cy="498600"/>
           </a:xfrm>
           <a:prstGeom prst="rect">
             <a:avLst/>
@@ -39797,7 +39476,7 @@
         <p:spPr>
           <a:xfrm>
             <a:off x="542880" y="1267560"/>
-            <a:ext cx="10358280" cy="498960"/>
+            <a:ext cx="10357920" cy="498600"/>
           </a:xfrm>
           <a:prstGeom prst="rect">
             <a:avLst/>
@@ -39851,7 +39530,7 @@
         <p:spPr>
           <a:xfrm>
             <a:off x="263520" y="6411600"/>
-            <a:ext cx="10919160" cy="226800"/>
+            <a:ext cx="10918800" cy="226800"/>
           </a:xfrm>
           <a:prstGeom prst="rect">
             <a:avLst/>
@@ -39919,7 +39598,7 @@
         <p:spPr>
           <a:xfrm>
             <a:off x="2171520" y="1954080"/>
-            <a:ext cx="7845120" cy="4319280"/>
+            <a:ext cx="7844760" cy="4318920"/>
           </a:xfrm>
           <a:prstGeom prst="rect">
             <a:avLst/>
@@ -39972,7 +39651,7 @@
         <p:spPr>
           <a:xfrm>
             <a:off x="465840" y="1339200"/>
-            <a:ext cx="10732320" cy="4859640"/>
+            <a:ext cx="10731960" cy="4859280"/>
           </a:xfrm>
           <a:prstGeom prst="rect">
             <a:avLst/>
@@ -40192,7 +39871,7 @@
         <p:spPr>
           <a:xfrm>
             <a:off x="542880" y="722160"/>
-            <a:ext cx="10358280" cy="498960"/>
+            <a:ext cx="10357920" cy="498600"/>
           </a:xfrm>
           <a:prstGeom prst="rect">
             <a:avLst/>
@@ -40246,7 +39925,7 @@
         <p:spPr>
           <a:xfrm>
             <a:off x="542880" y="1267560"/>
-            <a:ext cx="10358280" cy="498960"/>
+            <a:ext cx="10357920" cy="498600"/>
           </a:xfrm>
           <a:prstGeom prst="rect">
             <a:avLst/>
@@ -40330,7 +40009,7 @@
         <p:spPr>
           <a:xfrm>
             <a:off x="542880" y="722160"/>
-            <a:ext cx="10358280" cy="498960"/>
+            <a:ext cx="10357920" cy="498600"/>
           </a:xfrm>
           <a:prstGeom prst="rect">
             <a:avLst/>
@@ -40384,7 +40063,7 @@
         <p:spPr>
           <a:xfrm>
             <a:off x="542880" y="1267560"/>
-            <a:ext cx="10358280" cy="498960"/>
+            <a:ext cx="10357920" cy="498600"/>
           </a:xfrm>
           <a:prstGeom prst="rect">
             <a:avLst/>
@@ -40438,7 +40117,7 @@
         <p:spPr>
           <a:xfrm>
             <a:off x="263520" y="6411600"/>
-            <a:ext cx="10919160" cy="226800"/>
+            <a:ext cx="10918800" cy="226800"/>
           </a:xfrm>
           <a:prstGeom prst="rect">
             <a:avLst/>
@@ -40506,7 +40185,7 @@
         <p:spPr>
           <a:xfrm>
             <a:off x="2437560" y="1884960"/>
-            <a:ext cx="6568920" cy="4408560"/>
+            <a:ext cx="6568560" cy="4408200"/>
           </a:xfrm>
           <a:prstGeom prst="rect">
             <a:avLst/>
@@ -40559,7 +40238,7 @@
         <p:spPr>
           <a:xfrm>
             <a:off x="539640" y="1339200"/>
-            <a:ext cx="11521440" cy="4859640"/>
+            <a:ext cx="11521080" cy="4859280"/>
           </a:xfrm>
           <a:prstGeom prst="rect">
             <a:avLst/>
@@ -40739,7 +40418,7 @@
         <p:spPr>
           <a:xfrm>
             <a:off x="542880" y="722160"/>
-            <a:ext cx="10358280" cy="498960"/>
+            <a:ext cx="10357920" cy="498600"/>
           </a:xfrm>
           <a:prstGeom prst="rect">
             <a:avLst/>
@@ -40793,7 +40472,7 @@
         <p:spPr>
           <a:xfrm>
             <a:off x="542880" y="1267560"/>
-            <a:ext cx="10358280" cy="498960"/>
+            <a:ext cx="10357920" cy="498600"/>
           </a:xfrm>
           <a:prstGeom prst="rect">
             <a:avLst/>
@@ -40877,7 +40556,7 @@
         <p:spPr>
           <a:xfrm>
             <a:off x="542880" y="722160"/>
-            <a:ext cx="10358280" cy="498960"/>
+            <a:ext cx="10357920" cy="498600"/>
           </a:xfrm>
           <a:prstGeom prst="rect">
             <a:avLst/>
@@ -40931,7 +40610,7 @@
         <p:spPr>
           <a:xfrm>
             <a:off x="542880" y="1267560"/>
-            <a:ext cx="10358280" cy="498960"/>
+            <a:ext cx="10357920" cy="498600"/>
           </a:xfrm>
           <a:prstGeom prst="rect">
             <a:avLst/>
@@ -40985,7 +40664,7 @@
         <p:spPr>
           <a:xfrm>
             <a:off x="263520" y="6411600"/>
-            <a:ext cx="10919160" cy="226800"/>
+            <a:ext cx="10918800" cy="226800"/>
           </a:xfrm>
           <a:prstGeom prst="rect">
             <a:avLst/>
@@ -41053,7 +40732,7 @@
         <p:spPr>
           <a:xfrm>
             <a:off x="4466520" y="1715040"/>
-            <a:ext cx="2511360" cy="4649760"/>
+            <a:ext cx="2511000" cy="4649400"/>
           </a:xfrm>
           <a:prstGeom prst="rect">
             <a:avLst/>
@@ -41106,7 +40785,7 @@
         <p:spPr>
           <a:xfrm>
             <a:off x="465840" y="1339200"/>
-            <a:ext cx="11521440" cy="4859640"/>
+            <a:ext cx="11521080" cy="4859280"/>
           </a:xfrm>
           <a:prstGeom prst="rect">
             <a:avLst/>
@@ -41276,7 +40955,7 @@
         <p:spPr>
           <a:xfrm>
             <a:off x="542880" y="722160"/>
-            <a:ext cx="10358280" cy="498960"/>
+            <a:ext cx="10357920" cy="498600"/>
           </a:xfrm>
           <a:prstGeom prst="rect">
             <a:avLst/>
@@ -41330,7 +41009,7 @@
         <p:spPr>
           <a:xfrm>
             <a:off x="542880" y="1267560"/>
-            <a:ext cx="10358280" cy="498960"/>
+            <a:ext cx="10357920" cy="498600"/>
           </a:xfrm>
           <a:prstGeom prst="rect">
             <a:avLst/>
@@ -41414,7 +41093,7 @@
         <p:spPr>
           <a:xfrm>
             <a:off x="542880" y="721800"/>
-            <a:ext cx="10358280" cy="498960"/>
+            <a:ext cx="10357920" cy="498600"/>
           </a:xfrm>
           <a:prstGeom prst="rect">
             <a:avLst/>
@@ -41468,7 +41147,7 @@
         <p:spPr>
           <a:xfrm>
             <a:off x="542880" y="1267200"/>
-            <a:ext cx="10358280" cy="498960"/>
+            <a:ext cx="10357920" cy="498600"/>
           </a:xfrm>
           <a:prstGeom prst="rect">
             <a:avLst/>
@@ -41522,7 +41201,7 @@
         <p:spPr>
           <a:xfrm>
             <a:off x="539640" y="1709280"/>
-            <a:ext cx="8225640" cy="4353840"/>
+            <a:ext cx="8225280" cy="4353480"/>
           </a:xfrm>
           <a:prstGeom prst="rect">
             <a:avLst/>
@@ -41627,7 +41306,7 @@
         <p:spPr>
           <a:xfrm>
             <a:off x="542880" y="722160"/>
-            <a:ext cx="10358280" cy="498960"/>
+            <a:ext cx="10357920" cy="498600"/>
           </a:xfrm>
           <a:prstGeom prst="rect">
             <a:avLst/>
@@ -41681,7 +41360,7 @@
         <p:spPr>
           <a:xfrm>
             <a:off x="542880" y="1267560"/>
-            <a:ext cx="10358280" cy="498960"/>
+            <a:ext cx="10357920" cy="498600"/>
           </a:xfrm>
           <a:prstGeom prst="rect">
             <a:avLst/>
@@ -41735,7 +41414,7 @@
         <p:spPr>
           <a:xfrm>
             <a:off x="263520" y="6411600"/>
-            <a:ext cx="10919160" cy="226800"/>
+            <a:ext cx="10918800" cy="226800"/>
           </a:xfrm>
           <a:prstGeom prst="rect">
             <a:avLst/>
@@ -41803,7 +41482,7 @@
         <p:spPr>
           <a:xfrm>
             <a:off x="1101960" y="2082960"/>
-            <a:ext cx="8826480" cy="4011840"/>
+            <a:ext cx="8826120" cy="4011480"/>
           </a:xfrm>
           <a:prstGeom prst="rect">
             <a:avLst/>
@@ -41852,7 +41531,7 @@
         <p:spPr>
           <a:xfrm>
             <a:off x="542880" y="721800"/>
-            <a:ext cx="10358280" cy="498960"/>
+            <a:ext cx="10357920" cy="498600"/>
           </a:xfrm>
           <a:prstGeom prst="rect">
             <a:avLst/>
@@ -41906,7 +41585,7 @@
         <p:spPr>
           <a:xfrm>
             <a:off x="542880" y="1267200"/>
-            <a:ext cx="10358280" cy="498960"/>
+            <a:ext cx="10357920" cy="498600"/>
           </a:xfrm>
           <a:prstGeom prst="rect">
             <a:avLst/>
@@ -41960,7 +41639,7 @@
         <p:spPr>
           <a:xfrm>
             <a:off x="539640" y="1709280"/>
-            <a:ext cx="8225640" cy="4353840"/>
+            <a:ext cx="8225280" cy="4353480"/>
           </a:xfrm>
           <a:prstGeom prst="rect">
             <a:avLst/>
@@ -42235,7 +41914,7 @@
         <p:spPr>
           <a:xfrm>
             <a:off x="542880" y="721800"/>
-            <a:ext cx="10355040" cy="495720"/>
+            <a:ext cx="10354680" cy="495360"/>
           </a:xfrm>
           <a:prstGeom prst="rect">
             <a:avLst/>
@@ -42289,7 +41968,7 @@
         <p:spPr>
           <a:xfrm>
             <a:off x="542880" y="1267200"/>
-            <a:ext cx="10355040" cy="495720"/>
+            <a:ext cx="10354680" cy="495360"/>
           </a:xfrm>
           <a:prstGeom prst="rect">
             <a:avLst/>
@@ -42343,7 +42022,7 @@
         <p:spPr>
           <a:xfrm>
             <a:off x="451800" y="1709280"/>
-            <a:ext cx="8222400" cy="4350600"/>
+            <a:ext cx="8222040" cy="4350240"/>
           </a:xfrm>
           <a:prstGeom prst="rect">
             <a:avLst/>
@@ -42364,6 +42043,11 @@
             <a:noAutofit/>
           </a:bodyPr>
           <a:p>
+            <a:pPr>
+              <a:lnSpc>
+                <a:spcPct val="100000"/>
+              </a:lnSpc>
+            </a:pPr>
             <a:endParaRPr b="0" lang="en-US" sz="1800" spc="-1" strike="noStrike">
               <a:solidFill>
                 <a:srgbClr val="000000"/>
@@ -42387,7 +42071,7 @@
         <p:spPr>
           <a:xfrm>
             <a:off x="609480" y="1769400"/>
-            <a:ext cx="10585440" cy="4853520"/>
+            <a:ext cx="10585080" cy="4853160"/>
           </a:xfrm>
           <a:prstGeom prst="rect">
             <a:avLst/>
@@ -42753,7 +42437,7 @@
         <p:spPr>
           <a:xfrm>
             <a:off x="263520" y="6411600"/>
-            <a:ext cx="10917360" cy="226800"/>
+            <a:ext cx="10917000" cy="226800"/>
           </a:xfrm>
           <a:prstGeom prst="rect">
             <a:avLst/>
@@ -42847,7 +42531,7 @@
         <p:spPr>
           <a:xfrm>
             <a:off x="542880" y="721800"/>
-            <a:ext cx="10355040" cy="495720"/>
+            <a:ext cx="10354680" cy="495360"/>
           </a:xfrm>
           <a:prstGeom prst="rect">
             <a:avLst/>
@@ -42901,7 +42585,7 @@
         <p:spPr>
           <a:xfrm>
             <a:off x="542880" y="1267200"/>
-            <a:ext cx="10355040" cy="495720"/>
+            <a:ext cx="10354680" cy="495360"/>
           </a:xfrm>
           <a:prstGeom prst="rect">
             <a:avLst/>
@@ -42955,7 +42639,7 @@
         <p:spPr>
           <a:xfrm>
             <a:off x="451800" y="1709280"/>
-            <a:ext cx="8222400" cy="4350600"/>
+            <a:ext cx="8222040" cy="4350240"/>
           </a:xfrm>
           <a:prstGeom prst="rect">
             <a:avLst/>
@@ -42976,6 +42660,11 @@
             <a:noAutofit/>
           </a:bodyPr>
           <a:p>
+            <a:pPr>
+              <a:lnSpc>
+                <a:spcPct val="100000"/>
+              </a:lnSpc>
+            </a:pPr>
             <a:endParaRPr b="0" lang="en-US" sz="1800" spc="-1" strike="noStrike">
               <a:solidFill>
                 <a:srgbClr val="000000"/>
@@ -42999,7 +42688,7 @@
         <p:spPr>
           <a:xfrm>
             <a:off x="609480" y="1769400"/>
-            <a:ext cx="10585440" cy="4853520"/>
+            <a:ext cx="10585080" cy="4853160"/>
           </a:xfrm>
           <a:prstGeom prst="rect">
             <a:avLst/>
@@ -43191,7 +42880,7 @@
         <p:spPr>
           <a:xfrm>
             <a:off x="263520" y="6411600"/>
-            <a:ext cx="10917360" cy="226800"/>
+            <a:ext cx="10917000" cy="226800"/>
           </a:xfrm>
           <a:prstGeom prst="rect">
             <a:avLst/>
@@ -43285,7 +42974,7 @@
         <p:spPr>
           <a:xfrm>
             <a:off x="542880" y="721800"/>
-            <a:ext cx="10355040" cy="495720"/>
+            <a:ext cx="10354680" cy="495360"/>
           </a:xfrm>
           <a:prstGeom prst="rect">
             <a:avLst/>
@@ -43339,7 +43028,7 @@
         <p:spPr>
           <a:xfrm>
             <a:off x="542880" y="1267200"/>
-            <a:ext cx="10355040" cy="495720"/>
+            <a:ext cx="10354680" cy="495360"/>
           </a:xfrm>
           <a:prstGeom prst="rect">
             <a:avLst/>
@@ -43393,7 +43082,7 @@
         <p:spPr>
           <a:xfrm>
             <a:off x="451800" y="1709280"/>
-            <a:ext cx="8222400" cy="4350600"/>
+            <a:ext cx="8222040" cy="4350240"/>
           </a:xfrm>
           <a:prstGeom prst="rect">
             <a:avLst/>
@@ -43414,6 +43103,11 @@
             <a:noAutofit/>
           </a:bodyPr>
           <a:p>
+            <a:pPr>
+              <a:lnSpc>
+                <a:spcPct val="100000"/>
+              </a:lnSpc>
+            </a:pPr>
             <a:endParaRPr b="0" lang="en-US" sz="1800" spc="-1" strike="noStrike">
               <a:solidFill>
                 <a:srgbClr val="000000"/>
@@ -43468,7 +43162,7 @@
                         <a:solidFill>
                           <a:srgbClr val="000000"/>
                         </a:solidFill>
-                        <a:latin typeface="Times New Roman"/>
+                        <a:latin typeface="Arial"/>
                       </a:endParaRPr>
                     </a:p>
                   </a:txBody>
@@ -43523,7 +43217,7 @@
                         <a:solidFill>
                           <a:srgbClr val="000000"/>
                         </a:solidFill>
-                        <a:latin typeface="Times New Roman"/>
+                        <a:latin typeface="Arial"/>
                       </a:endParaRPr>
                     </a:p>
                   </a:txBody>
@@ -43580,7 +43274,7 @@
                         <a:solidFill>
                           <a:srgbClr val="000000"/>
                         </a:solidFill>
-                        <a:latin typeface="Times New Roman"/>
+                        <a:latin typeface="Arial"/>
                       </a:endParaRPr>
                     </a:p>
                   </a:txBody>
@@ -43635,7 +43329,7 @@
                         <a:solidFill>
                           <a:srgbClr val="000000"/>
                         </a:solidFill>
-                        <a:latin typeface="Times New Roman"/>
+                        <a:latin typeface="Arial"/>
                       </a:endParaRPr>
                     </a:p>
                   </a:txBody>
@@ -43692,7 +43386,7 @@
                         <a:solidFill>
                           <a:srgbClr val="000000"/>
                         </a:solidFill>
-                        <a:latin typeface="Times New Roman"/>
+                        <a:latin typeface="Arial"/>
                       </a:endParaRPr>
                     </a:p>
                   </a:txBody>
@@ -43747,7 +43441,7 @@
                         <a:solidFill>
                           <a:srgbClr val="000000"/>
                         </a:solidFill>
-                        <a:latin typeface="Times New Roman"/>
+                        <a:latin typeface="Arial"/>
                       </a:endParaRPr>
                     </a:p>
                   </a:txBody>
@@ -43791,7 +43485,7 @@
         <p:spPr>
           <a:xfrm>
             <a:off x="609480" y="3886200"/>
-            <a:ext cx="10585440" cy="2052360"/>
+            <a:ext cx="10585080" cy="2052000"/>
           </a:xfrm>
           <a:prstGeom prst="rect">
             <a:avLst/>
@@ -43884,7 +43578,7 @@
         <p:spPr>
           <a:xfrm>
             <a:off x="542880" y="721800"/>
-            <a:ext cx="10355040" cy="495720"/>
+            <a:ext cx="10354680" cy="495360"/>
           </a:xfrm>
           <a:prstGeom prst="rect">
             <a:avLst/>
@@ -43938,7 +43632,7 @@
         <p:spPr>
           <a:xfrm>
             <a:off x="542880" y="1267200"/>
-            <a:ext cx="10355040" cy="495720"/>
+            <a:ext cx="10354680" cy="495360"/>
           </a:xfrm>
           <a:prstGeom prst="rect">
             <a:avLst/>
@@ -43992,7 +43686,7 @@
         <p:spPr>
           <a:xfrm>
             <a:off x="451800" y="1709280"/>
-            <a:ext cx="8222400" cy="4350600"/>
+            <a:ext cx="8222040" cy="4350240"/>
           </a:xfrm>
           <a:prstGeom prst="rect">
             <a:avLst/>
@@ -44013,6 +43707,11 @@
             <a:noAutofit/>
           </a:bodyPr>
           <a:p>
+            <a:pPr>
+              <a:lnSpc>
+                <a:spcPct val="100000"/>
+              </a:lnSpc>
+            </a:pPr>
             <a:endParaRPr b="0" lang="en-US" sz="1800" spc="-1" strike="noStrike">
               <a:solidFill>
                 <a:srgbClr val="000000"/>
@@ -44036,7 +43735,7 @@
         <p:spPr>
           <a:xfrm>
             <a:off x="609480" y="1769400"/>
-            <a:ext cx="10360080" cy="4853520"/>
+            <a:ext cx="10359720" cy="4853160"/>
           </a:xfrm>
           <a:prstGeom prst="rect">
             <a:avLst/>
@@ -44259,7 +43958,7 @@
         <p:spPr>
           <a:xfrm>
             <a:off x="263520" y="6411600"/>
-            <a:ext cx="10917360" cy="363960"/>
+            <a:ext cx="10917000" cy="363960"/>
           </a:xfrm>
           <a:prstGeom prst="rect">
             <a:avLst/>
@@ -44356,7 +44055,7 @@
         <p:spPr>
           <a:xfrm>
             <a:off x="542880" y="721800"/>
-            <a:ext cx="10355040" cy="495720"/>
+            <a:ext cx="10354680" cy="495360"/>
           </a:xfrm>
           <a:prstGeom prst="rect">
             <a:avLst/>
@@ -44410,7 +44109,7 @@
         <p:spPr>
           <a:xfrm>
             <a:off x="542880" y="1267200"/>
-            <a:ext cx="10355040" cy="495720"/>
+            <a:ext cx="10354680" cy="495360"/>
           </a:xfrm>
           <a:prstGeom prst="rect">
             <a:avLst/>
@@ -44464,7 +44163,7 @@
         <p:spPr>
           <a:xfrm>
             <a:off x="451800" y="1709280"/>
-            <a:ext cx="8222400" cy="4350600"/>
+            <a:ext cx="8222040" cy="4350240"/>
           </a:xfrm>
           <a:prstGeom prst="rect">
             <a:avLst/>
@@ -44485,6 +44184,11 @@
             <a:noAutofit/>
           </a:bodyPr>
           <a:p>
+            <a:pPr>
+              <a:lnSpc>
+                <a:spcPct val="100000"/>
+              </a:lnSpc>
+            </a:pPr>
             <a:endParaRPr b="0" lang="en-US" sz="1800" spc="-1" strike="noStrike">
               <a:solidFill>
                 <a:srgbClr val="000000"/>
@@ -44508,7 +44212,7 @@
         <p:spPr>
           <a:xfrm>
             <a:off x="609480" y="1769400"/>
-            <a:ext cx="10585440" cy="4853520"/>
+            <a:ext cx="10585080" cy="4853160"/>
           </a:xfrm>
           <a:prstGeom prst="rect">
             <a:avLst/>
@@ -44566,7 +44270,27 @@
                 <a:latin typeface="DejaVu Sans"/>
                 <a:ea typeface="DejaVu Sans"/>
               </a:rPr>
-              <a:t>Some capacity or position that fascilitates the system to achieve it’s goals. Roles express functions, expectations, and obligations of the agents enacting them.</a:t>
+              <a:t>Some capacity or position that fascilitates the system to achieve it’s </a:t>
+            </a:r>
+            <a:r>
+              <a:rPr b="0" lang="en-US" sz="2000" spc="-1" strike="noStrike">
+                <a:solidFill>
+                  <a:srgbClr val="000000"/>
+                </a:solidFill>
+                <a:latin typeface="DejaVu Sans"/>
+                <a:ea typeface="DejaVu Sans"/>
+              </a:rPr>
+              <a:t>goals. Roles express functions, expectations, and obligations of the agents </a:t>
+            </a:r>
+            <a:r>
+              <a:rPr b="0" lang="en-US" sz="2000" spc="-1" strike="noStrike">
+                <a:solidFill>
+                  <a:srgbClr val="000000"/>
+                </a:solidFill>
+                <a:latin typeface="DejaVu Sans"/>
+                <a:ea typeface="DejaVu Sans"/>
+              </a:rPr>
+              <a:t>enacting them.</a:t>
             </a:r>
             <a:endParaRPr b="0" lang="en-US" sz="2000" spc="-1" strike="noStrike">
               <a:solidFill>
@@ -44703,7 +44427,7 @@
         <p:spPr>
           <a:xfrm>
             <a:off x="263520" y="6411600"/>
-            <a:ext cx="10917360" cy="226800"/>
+            <a:ext cx="10917000" cy="226800"/>
           </a:xfrm>
           <a:prstGeom prst="rect">
             <a:avLst/>
@@ -44797,7 +44521,7 @@
         <p:spPr>
           <a:xfrm>
             <a:off x="542880" y="721800"/>
-            <a:ext cx="10355040" cy="495720"/>
+            <a:ext cx="10354680" cy="495360"/>
           </a:xfrm>
           <a:prstGeom prst="rect">
             <a:avLst/>
@@ -44851,7 +44575,7 @@
         <p:spPr>
           <a:xfrm>
             <a:off x="542880" y="1267200"/>
-            <a:ext cx="10355040" cy="495720"/>
+            <a:ext cx="10354680" cy="495360"/>
           </a:xfrm>
           <a:prstGeom prst="rect">
             <a:avLst/>
@@ -44905,7 +44629,7 @@
         <p:spPr>
           <a:xfrm>
             <a:off x="451800" y="1709280"/>
-            <a:ext cx="8222400" cy="4350600"/>
+            <a:ext cx="8222040" cy="4350240"/>
           </a:xfrm>
           <a:prstGeom prst="rect">
             <a:avLst/>
@@ -44926,6 +44650,11 @@
             <a:noAutofit/>
           </a:bodyPr>
           <a:p>
+            <a:pPr>
+              <a:lnSpc>
+                <a:spcPct val="100000"/>
+              </a:lnSpc>
+            </a:pPr>
             <a:endParaRPr b="0" lang="en-US" sz="1800" spc="-1" strike="noStrike">
               <a:solidFill>
                 <a:srgbClr val="000000"/>
@@ -44949,7 +44678,7 @@
         <p:spPr>
           <a:xfrm>
             <a:off x="609480" y="1769400"/>
-            <a:ext cx="10360080" cy="4853520"/>
+            <a:ext cx="10359720" cy="4853160"/>
           </a:xfrm>
           <a:prstGeom prst="rect">
             <a:avLst/>
@@ -45091,7 +44820,7 @@
         <p:spPr>
           <a:xfrm>
             <a:off x="263520" y="6411600"/>
-            <a:ext cx="10917360" cy="226800"/>
+            <a:ext cx="10917000" cy="226800"/>
           </a:xfrm>
           <a:prstGeom prst="rect">
             <a:avLst/>
@@ -45185,7 +44914,7 @@
         <p:spPr>
           <a:xfrm>
             <a:off x="542880" y="721800"/>
-            <a:ext cx="10355040" cy="495720"/>
+            <a:ext cx="10354680" cy="495360"/>
           </a:xfrm>
           <a:prstGeom prst="rect">
             <a:avLst/>
@@ -45239,7 +44968,7 @@
         <p:spPr>
           <a:xfrm>
             <a:off x="542880" y="1267200"/>
-            <a:ext cx="10355040" cy="495720"/>
+            <a:ext cx="10354680" cy="495360"/>
           </a:xfrm>
           <a:prstGeom prst="rect">
             <a:avLst/>
@@ -45293,7 +45022,7 @@
         <p:spPr>
           <a:xfrm>
             <a:off x="451800" y="1709280"/>
-            <a:ext cx="8222400" cy="4350600"/>
+            <a:ext cx="8222040" cy="4350240"/>
           </a:xfrm>
           <a:prstGeom prst="rect">
             <a:avLst/>
@@ -45314,6 +45043,11 @@
             <a:noAutofit/>
           </a:bodyPr>
           <a:p>
+            <a:pPr>
+              <a:lnSpc>
+                <a:spcPct val="100000"/>
+              </a:lnSpc>
+            </a:pPr>
             <a:endParaRPr b="0" lang="en-US" sz="1800" spc="-1" strike="noStrike">
               <a:solidFill>
                 <a:srgbClr val="000000"/>
@@ -45337,7 +45071,7 @@
         <p:spPr>
           <a:xfrm>
             <a:off x="609480" y="1769400"/>
-            <a:ext cx="10585440" cy="4853520"/>
+            <a:ext cx="10585080" cy="4853160"/>
           </a:xfrm>
           <a:prstGeom prst="rect">
             <a:avLst/>
@@ -45514,7 +45248,7 @@
         <p:spPr>
           <a:xfrm>
             <a:off x="542880" y="721800"/>
-            <a:ext cx="10355040" cy="495720"/>
+            <a:ext cx="10354680" cy="495360"/>
           </a:xfrm>
           <a:prstGeom prst="rect">
             <a:avLst/>
@@ -45568,7 +45302,7 @@
         <p:spPr>
           <a:xfrm>
             <a:off x="542880" y="1267200"/>
-            <a:ext cx="10355040" cy="495720"/>
+            <a:ext cx="10354680" cy="495360"/>
           </a:xfrm>
           <a:prstGeom prst="rect">
             <a:avLst/>
@@ -45622,7 +45356,7 @@
         <p:spPr>
           <a:xfrm>
             <a:off x="451800" y="1709280"/>
-            <a:ext cx="8222400" cy="4350600"/>
+            <a:ext cx="8222040" cy="4350240"/>
           </a:xfrm>
           <a:prstGeom prst="rect">
             <a:avLst/>
@@ -45643,6 +45377,11 @@
             <a:noAutofit/>
           </a:bodyPr>
           <a:p>
+            <a:pPr>
+              <a:lnSpc>
+                <a:spcPct val="100000"/>
+              </a:lnSpc>
+            </a:pPr>
             <a:endParaRPr b="0" lang="en-US" sz="1800" spc="-1" strike="noStrike">
               <a:solidFill>
                 <a:srgbClr val="000000"/>
@@ -45666,7 +45405,7 @@
         <p:spPr>
           <a:xfrm>
             <a:off x="539640" y="1769400"/>
-            <a:ext cx="4871160" cy="4853520"/>
+            <a:ext cx="4870800" cy="4853160"/>
           </a:xfrm>
           <a:prstGeom prst="rect">
             <a:avLst/>
@@ -45796,7 +45535,7 @@
                         <a:solidFill>
                           <a:srgbClr val="000000"/>
                         </a:solidFill>
-                        <a:latin typeface="Times New Roman"/>
+                        <a:latin typeface="Arial"/>
                       </a:endParaRPr>
                     </a:p>
                   </a:txBody>
@@ -45851,7 +45590,7 @@
                         <a:solidFill>
                           <a:srgbClr val="000000"/>
                         </a:solidFill>
-                        <a:latin typeface="Times New Roman"/>
+                        <a:latin typeface="Arial"/>
                       </a:endParaRPr>
                     </a:p>
                   </a:txBody>
@@ -45948,7 +45687,7 @@
                         <a:solidFill>
                           <a:srgbClr val="000000"/>
                         </a:solidFill>
-                        <a:latin typeface="Times New Roman"/>
+                        <a:latin typeface="Arial"/>
                       </a:endParaRPr>
                     </a:p>
                   </a:txBody>
@@ -46045,7 +45784,7 @@
                         <a:solidFill>
                           <a:srgbClr val="000000"/>
                         </a:solidFill>
-                        <a:latin typeface="Times New Roman"/>
+                        <a:latin typeface="Arial"/>
                       </a:endParaRPr>
                     </a:p>
                   </a:txBody>
@@ -46142,7 +45881,7 @@
                         <a:solidFill>
                           <a:srgbClr val="000000"/>
                         </a:solidFill>
-                        <a:latin typeface="Times New Roman"/>
+                        <a:latin typeface="Arial"/>
                       </a:endParaRPr>
                     </a:p>
                   </a:txBody>
@@ -46239,7 +45978,7 @@
                         <a:solidFill>
                           <a:srgbClr val="000000"/>
                         </a:solidFill>
-                        <a:latin typeface="Times New Roman"/>
+                        <a:latin typeface="Arial"/>
                       </a:endParaRPr>
                     </a:p>
                   </a:txBody>
@@ -46336,7 +46075,7 @@
                         <a:solidFill>
                           <a:srgbClr val="000000"/>
                         </a:solidFill>
-                        <a:latin typeface="Times New Roman"/>
+                        <a:latin typeface="Arial"/>
                       </a:endParaRPr>
                     </a:p>
                   </a:txBody>
@@ -46380,15 +46119,15 @@
         <p:spPr>
           <a:xfrm>
             <a:off x="6361200" y="2786400"/>
-            <a:ext cx="1365840" cy="451440"/>
+            <a:ext cx="1365480" cy="451080"/>
           </a:xfrm>
           <a:custGeom>
             <a:avLst/>
             <a:gdLst>
-              <a:gd name="textAreaLeft" fmla="*/ 0 w 1365840"/>
-              <a:gd name="textAreaRight" fmla="*/ 1367640 w 1365840"/>
-              <a:gd name="textAreaTop" fmla="*/ 0 h 451440"/>
-              <a:gd name="textAreaBottom" fmla="*/ 453240 h 451440"/>
+              <a:gd name="textAreaLeft" fmla="*/ 0 w 1365480"/>
+              <a:gd name="textAreaRight" fmla="*/ 1367640 w 1365480"/>
+              <a:gd name="textAreaTop" fmla="*/ 0 h 451080"/>
+              <a:gd name="textAreaBottom" fmla="*/ 453240 h 451080"/>
             </a:gdLst>
             <a:ahLst/>
             <a:rect l="textAreaLeft" t="textAreaTop" r="textAreaRight" b="textAreaBottom"/>
@@ -46432,6 +46171,11 @@
             <a:noAutofit/>
           </a:bodyPr>
           <a:p>
+            <a:pPr>
+              <a:lnSpc>
+                <a:spcPct val="100000"/>
+              </a:lnSpc>
+            </a:pPr>
             <a:endParaRPr b="0" lang="en-US" sz="1800" spc="-1" strike="noStrike">
               <a:solidFill>
                 <a:srgbClr val="000000"/>
@@ -46451,15 +46195,15 @@
         <p:spPr>
           <a:xfrm>
             <a:off x="6458400" y="3513600"/>
-            <a:ext cx="1151640" cy="511920"/>
+            <a:ext cx="1151280" cy="511560"/>
           </a:xfrm>
           <a:custGeom>
             <a:avLst/>
             <a:gdLst>
-              <a:gd name="textAreaLeft" fmla="*/ 0 w 1151640"/>
-              <a:gd name="textAreaRight" fmla="*/ 1153440 w 1151640"/>
-              <a:gd name="textAreaTop" fmla="*/ 0 h 511920"/>
-              <a:gd name="textAreaBottom" fmla="*/ 513720 h 511920"/>
+              <a:gd name="textAreaLeft" fmla="*/ 0 w 1151280"/>
+              <a:gd name="textAreaRight" fmla="*/ 1153440 w 1151280"/>
+              <a:gd name="textAreaTop" fmla="*/ 0 h 511560"/>
+              <a:gd name="textAreaBottom" fmla="*/ 513720 h 511560"/>
             </a:gdLst>
             <a:ahLst/>
             <a:rect l="textAreaLeft" t="textAreaTop" r="textAreaRight" b="textAreaBottom"/>
@@ -46690,6 +46434,11 @@
             <a:noAutofit/>
           </a:bodyPr>
           <a:p>
+            <a:pPr>
+              <a:lnSpc>
+                <a:spcPct val="100000"/>
+              </a:lnSpc>
+            </a:pPr>
             <a:endParaRPr b="0" lang="en-US" sz="1800" spc="-1" strike="noStrike">
               <a:solidFill>
                 <a:srgbClr val="000000"/>
@@ -46713,7 +46462,7 @@
         <p:spPr>
           <a:xfrm>
             <a:off x="6858000" y="4210560"/>
-            <a:ext cx="451440" cy="879840"/>
+            <a:ext cx="451080" cy="879480"/>
           </a:xfrm>
           <a:prstGeom prst="rect">
             <a:avLst/>
@@ -46845,7 +46594,7 @@
         <p:spPr>
           <a:xfrm>
             <a:off x="335520" y="4406760"/>
-            <a:ext cx="10748880" cy="1357920"/>
+            <a:ext cx="10748520" cy="1357560"/>
           </a:xfrm>
           <a:prstGeom prst="rect">
             <a:avLst/>
@@ -46899,7 +46648,7 @@
         <p:spPr>
           <a:xfrm>
             <a:off x="335520" y="2906640"/>
-            <a:ext cx="10748880" cy="1495800"/>
+            <a:ext cx="10748520" cy="1495440"/>
           </a:xfrm>
           <a:prstGeom prst="rect">
             <a:avLst/>
@@ -46974,7 +46723,7 @@
         <p:spPr>
           <a:xfrm>
             <a:off x="542880" y="721440"/>
-            <a:ext cx="10355040" cy="495720"/>
+            <a:ext cx="10354680" cy="495360"/>
           </a:xfrm>
           <a:prstGeom prst="rect">
             <a:avLst/>
@@ -47028,7 +46777,7 @@
         <p:spPr>
           <a:xfrm>
             <a:off x="542880" y="1266840"/>
-            <a:ext cx="10355040" cy="495720"/>
+            <a:ext cx="10354680" cy="495360"/>
           </a:xfrm>
           <a:prstGeom prst="rect">
             <a:avLst/>
@@ -47086,7 +46835,7 @@
         <p:spPr>
           <a:xfrm>
             <a:off x="457200" y="2057400"/>
-            <a:ext cx="10550880" cy="4339080"/>
+            <a:ext cx="10550520" cy="4338720"/>
           </a:xfrm>
           <a:prstGeom prst="rect">
             <a:avLst/>
@@ -47135,7 +46884,7 @@
         <p:spPr>
           <a:xfrm>
             <a:off x="542880" y="721440"/>
-            <a:ext cx="10355040" cy="495720"/>
+            <a:ext cx="10354680" cy="495360"/>
           </a:xfrm>
           <a:prstGeom prst="rect">
             <a:avLst/>
@@ -47189,7 +46938,7 @@
         <p:spPr>
           <a:xfrm>
             <a:off x="542880" y="1266840"/>
-            <a:ext cx="10355040" cy="495720"/>
+            <a:ext cx="10354680" cy="495360"/>
           </a:xfrm>
           <a:prstGeom prst="rect">
             <a:avLst/>
@@ -47247,7 +46996,7 @@
         <p:spPr>
           <a:xfrm>
             <a:off x="465480" y="1828800"/>
-            <a:ext cx="10586160" cy="2280240"/>
+            <a:ext cx="10585800" cy="2279880"/>
           </a:xfrm>
           <a:prstGeom prst="rect">
             <a:avLst/>
@@ -47415,7 +47164,7 @@
                         <a:solidFill>
                           <a:srgbClr val="000000"/>
                         </a:solidFill>
-                        <a:latin typeface="Times New Roman"/>
+                        <a:latin typeface="Arial"/>
                       </a:endParaRPr>
                     </a:p>
                   </a:txBody>
@@ -47470,7 +47219,7 @@
                         <a:solidFill>
                           <a:srgbClr val="000000"/>
                         </a:solidFill>
-                        <a:latin typeface="Times New Roman"/>
+                        <a:latin typeface="Arial"/>
                       </a:endParaRPr>
                     </a:p>
                   </a:txBody>
@@ -47525,7 +47274,7 @@
                         <a:solidFill>
                           <a:srgbClr val="000000"/>
                         </a:solidFill>
-                        <a:latin typeface="Times New Roman"/>
+                        <a:latin typeface="Arial"/>
                       </a:endParaRPr>
                     </a:p>
                   </a:txBody>
@@ -47580,7 +47329,7 @@
                         <a:solidFill>
                           <a:srgbClr val="000000"/>
                         </a:solidFill>
-                        <a:latin typeface="Times New Roman"/>
+                        <a:latin typeface="Arial"/>
                       </a:endParaRPr>
                     </a:p>
                   </a:txBody>
@@ -47637,7 +47386,7 @@
                         <a:solidFill>
                           <a:srgbClr val="000000"/>
                         </a:solidFill>
-                        <a:latin typeface="Times New Roman"/>
+                        <a:latin typeface="Arial"/>
                       </a:endParaRPr>
                     </a:p>
                   </a:txBody>
@@ -47692,7 +47441,7 @@
                         <a:solidFill>
                           <a:srgbClr val="000000"/>
                         </a:solidFill>
-                        <a:latin typeface="Times New Roman"/>
+                        <a:latin typeface="Arial"/>
                       </a:endParaRPr>
                     </a:p>
                   </a:txBody>
@@ -47747,7 +47496,7 @@
                         <a:solidFill>
                           <a:srgbClr val="000000"/>
                         </a:solidFill>
-                        <a:latin typeface="Times New Roman"/>
+                        <a:latin typeface="Arial"/>
                       </a:endParaRPr>
                     </a:p>
                   </a:txBody>
@@ -47802,7 +47551,7 @@
                         <a:solidFill>
                           <a:srgbClr val="000000"/>
                         </a:solidFill>
-                        <a:latin typeface="Times New Roman"/>
+                        <a:latin typeface="Arial"/>
                       </a:endParaRPr>
                     </a:p>
                   </a:txBody>
@@ -47859,7 +47608,7 @@
                         <a:solidFill>
                           <a:srgbClr val="000000"/>
                         </a:solidFill>
-                        <a:latin typeface="Times New Roman"/>
+                        <a:latin typeface="Arial"/>
                       </a:endParaRPr>
                     </a:p>
                   </a:txBody>
@@ -47914,7 +47663,7 @@
                         <a:solidFill>
                           <a:srgbClr val="000000"/>
                         </a:solidFill>
-                        <a:latin typeface="Times New Roman"/>
+                        <a:latin typeface="Arial"/>
                       </a:endParaRPr>
                     </a:p>
                   </a:txBody>
@@ -47969,7 +47718,7 @@
                         <a:solidFill>
                           <a:srgbClr val="000000"/>
                         </a:solidFill>
-                        <a:latin typeface="Times New Roman"/>
+                        <a:latin typeface="Arial"/>
                       </a:endParaRPr>
                     </a:p>
                   </a:txBody>
@@ -48024,7 +47773,7 @@
                         <a:solidFill>
                           <a:srgbClr val="000000"/>
                         </a:solidFill>
-                        <a:latin typeface="Times New Roman"/>
+                        <a:latin typeface="Arial"/>
                       </a:endParaRPr>
                     </a:p>
                   </a:txBody>
@@ -48098,7 +47847,7 @@
         <p:spPr>
           <a:xfrm>
             <a:off x="542880" y="721440"/>
-            <a:ext cx="10355040" cy="495720"/>
+            <a:ext cx="10354680" cy="495360"/>
           </a:xfrm>
           <a:prstGeom prst="rect">
             <a:avLst/>
@@ -48152,7 +47901,7 @@
         <p:spPr>
           <a:xfrm>
             <a:off x="542880" y="1266840"/>
-            <a:ext cx="10355040" cy="495720"/>
+            <a:ext cx="10354680" cy="495360"/>
           </a:xfrm>
           <a:prstGeom prst="rect">
             <a:avLst/>
@@ -48243,7 +47992,7 @@
                         <a:solidFill>
                           <a:srgbClr val="000000"/>
                         </a:solidFill>
-                        <a:latin typeface="Times New Roman"/>
+                        <a:latin typeface="Arial"/>
                       </a:endParaRPr>
                     </a:p>
                   </a:txBody>
@@ -48298,7 +48047,7 @@
                         <a:solidFill>
                           <a:srgbClr val="000000"/>
                         </a:solidFill>
-                        <a:latin typeface="Times New Roman"/>
+                        <a:latin typeface="Arial"/>
                       </a:endParaRPr>
                     </a:p>
                   </a:txBody>
@@ -48353,7 +48102,7 @@
                         <a:solidFill>
                           <a:srgbClr val="000000"/>
                         </a:solidFill>
-                        <a:latin typeface="Times New Roman"/>
+                        <a:latin typeface="Arial"/>
                       </a:endParaRPr>
                     </a:p>
                   </a:txBody>
@@ -48408,7 +48157,7 @@
                         <a:solidFill>
                           <a:srgbClr val="000000"/>
                         </a:solidFill>
-                        <a:latin typeface="Times New Roman"/>
+                        <a:latin typeface="Arial"/>
                       </a:endParaRPr>
                     </a:p>
                   </a:txBody>
@@ -48465,7 +48214,7 @@
                         <a:solidFill>
                           <a:srgbClr val="000000"/>
                         </a:solidFill>
-                        <a:latin typeface="Times New Roman"/>
+                        <a:latin typeface="Arial"/>
                       </a:endParaRPr>
                     </a:p>
                   </a:txBody>
@@ -48520,7 +48269,7 @@
                         <a:solidFill>
                           <a:srgbClr val="000000"/>
                         </a:solidFill>
-                        <a:latin typeface="Times New Roman"/>
+                        <a:latin typeface="Arial"/>
                       </a:endParaRPr>
                     </a:p>
                   </a:txBody>
@@ -48575,7 +48324,7 @@
                         <a:solidFill>
                           <a:srgbClr val="000000"/>
                         </a:solidFill>
-                        <a:latin typeface="Times New Roman"/>
+                        <a:latin typeface="Arial"/>
                       </a:endParaRPr>
                     </a:p>
                   </a:txBody>
@@ -48630,7 +48379,7 @@
                         <a:solidFill>
                           <a:srgbClr val="000000"/>
                         </a:solidFill>
-                        <a:latin typeface="Times New Roman"/>
+                        <a:latin typeface="Arial"/>
                       </a:endParaRPr>
                     </a:p>
                   </a:txBody>
@@ -48687,7 +48436,7 @@
                         <a:solidFill>
                           <a:srgbClr val="000000"/>
                         </a:solidFill>
-                        <a:latin typeface="Times New Roman"/>
+                        <a:latin typeface="Arial"/>
                       </a:endParaRPr>
                     </a:p>
                   </a:txBody>
@@ -48745,7 +48494,7 @@
                         <a:solidFill>
                           <a:srgbClr val="000000"/>
                         </a:solidFill>
-                        <a:latin typeface="Times New Roman"/>
+                        <a:latin typeface="Arial"/>
                       </a:endParaRPr>
                     </a:p>
                   </a:txBody>
@@ -48800,7 +48549,7 @@
                         <a:solidFill>
                           <a:srgbClr val="000000"/>
                         </a:solidFill>
-                        <a:latin typeface="Times New Roman"/>
+                        <a:latin typeface="Arial"/>
                       </a:endParaRPr>
                     </a:p>
                   </a:txBody>
@@ -48855,7 +48604,7 @@
                         <a:solidFill>
                           <a:srgbClr val="000000"/>
                         </a:solidFill>
-                        <a:latin typeface="Times New Roman"/>
+                        <a:latin typeface="Arial"/>
                       </a:endParaRPr>
                     </a:p>
                   </a:txBody>
@@ -48912,7 +48661,7 @@
                         <a:solidFill>
                           <a:srgbClr val="000000"/>
                         </a:solidFill>
-                        <a:latin typeface="Times New Roman"/>
+                        <a:latin typeface="Arial"/>
                       </a:endParaRPr>
                     </a:p>
                   </a:txBody>
@@ -48970,7 +48719,7 @@
                         <a:solidFill>
                           <a:srgbClr val="000000"/>
                         </a:solidFill>
-                        <a:latin typeface="Times New Roman"/>
+                        <a:latin typeface="Arial"/>
                       </a:endParaRPr>
                     </a:p>
                   </a:txBody>
@@ -49025,7 +48774,7 @@
                         <a:solidFill>
                           <a:srgbClr val="000000"/>
                         </a:solidFill>
-                        <a:latin typeface="Times New Roman"/>
+                        <a:latin typeface="Arial"/>
                       </a:endParaRPr>
                     </a:p>
                     <a:p>
@@ -49048,7 +48797,7 @@
                         <a:solidFill>
                           <a:srgbClr val="000000"/>
                         </a:solidFill>
-                        <a:latin typeface="Times New Roman"/>
+                        <a:latin typeface="Arial"/>
                       </a:endParaRPr>
                     </a:p>
                     <a:p>
@@ -49071,7 +48820,7 @@
                         <a:solidFill>
                           <a:srgbClr val="000000"/>
                         </a:solidFill>
-                        <a:latin typeface="Times New Roman"/>
+                        <a:latin typeface="Arial"/>
                       </a:endParaRPr>
                     </a:p>
                   </a:txBody>
@@ -49126,7 +48875,7 @@
                         <a:solidFill>
                           <a:srgbClr val="000000"/>
                         </a:solidFill>
-                        <a:latin typeface="Times New Roman"/>
+                        <a:latin typeface="Arial"/>
                       </a:endParaRPr>
                     </a:p>
                   </a:txBody>
@@ -49183,7 +48932,7 @@
                         <a:solidFill>
                           <a:srgbClr val="000000"/>
                         </a:solidFill>
-                        <a:latin typeface="Times New Roman"/>
+                        <a:latin typeface="Arial"/>
                       </a:endParaRPr>
                     </a:p>
                   </a:txBody>
@@ -49241,7 +48990,7 @@
                         <a:solidFill>
                           <a:srgbClr val="000000"/>
                         </a:solidFill>
-                        <a:latin typeface="Times New Roman"/>
+                        <a:latin typeface="Arial"/>
                       </a:endParaRPr>
                     </a:p>
                   </a:txBody>
@@ -49296,7 +49045,7 @@
                         <a:solidFill>
                           <a:srgbClr val="000000"/>
                         </a:solidFill>
-                        <a:latin typeface="Times New Roman"/>
+                        <a:latin typeface="Arial"/>
                       </a:endParaRPr>
                     </a:p>
                   </a:txBody>
@@ -49351,7 +49100,7 @@
                         <a:solidFill>
                           <a:srgbClr val="000000"/>
                         </a:solidFill>
-                        <a:latin typeface="Times New Roman"/>
+                        <a:latin typeface="Arial"/>
                       </a:endParaRPr>
                     </a:p>
                   </a:txBody>
@@ -49408,7 +49157,7 @@
                         <a:solidFill>
                           <a:srgbClr val="000000"/>
                         </a:solidFill>
-                        <a:latin typeface="Times New Roman"/>
+                        <a:latin typeface="Arial"/>
                       </a:endParaRPr>
                     </a:p>
                   </a:txBody>
@@ -49466,7 +49215,7 @@
                         <a:solidFill>
                           <a:srgbClr val="000000"/>
                         </a:solidFill>
-                        <a:latin typeface="Times New Roman"/>
+                        <a:latin typeface="Arial"/>
                       </a:endParaRPr>
                     </a:p>
                   </a:txBody>
@@ -49521,7 +49270,7 @@
                         <a:solidFill>
                           <a:srgbClr val="000000"/>
                         </a:solidFill>
-                        <a:latin typeface="Times New Roman"/>
+                        <a:latin typeface="Arial"/>
                       </a:endParaRPr>
                     </a:p>
                   </a:txBody>
@@ -49576,7 +49325,7 @@
                         <a:solidFill>
                           <a:srgbClr val="000000"/>
                         </a:solidFill>
-                        <a:latin typeface="Times New Roman"/>
+                        <a:latin typeface="Arial"/>
                       </a:endParaRPr>
                     </a:p>
                     <a:p>
@@ -49599,7 +49348,7 @@
                         <a:solidFill>
                           <a:srgbClr val="000000"/>
                         </a:solidFill>
-                        <a:latin typeface="Times New Roman"/>
+                        <a:latin typeface="Arial"/>
                       </a:endParaRPr>
                     </a:p>
                   </a:txBody>
@@ -49666,14 +49415,14 @@
       </p:grpSpPr>
       <p:sp>
         <p:nvSpPr>
-          <p:cNvPr id="471" name="PlaceHolder 29"/>
+          <p:cNvPr id="471" name="CustomShape 1"/>
           <p:cNvSpPr/>
           <p:nvPr/>
         </p:nvSpPr>
         <p:spPr>
           <a:xfrm>
-            <a:off x="542880" y="721800"/>
-            <a:ext cx="10358280" cy="498960"/>
+            <a:off x="335520" y="4406760"/>
+            <a:ext cx="10748520" cy="1357560"/>
           </a:xfrm>
           <a:prstGeom prst="rect">
             <a:avLst/>
@@ -49690,7 +49439,7 @@
           <a:fontRef idx="minor"/>
         </p:style>
         <p:txBody>
-          <a:bodyPr lIns="0" rIns="0" tIns="0" bIns="0" anchor="b">
+          <a:bodyPr lIns="90000" rIns="90000" tIns="45000" bIns="45000" anchor="t">
             <a:noAutofit/>
           </a:bodyPr>
           <a:p>
@@ -49700,16 +49449,16 @@
               </a:lnSpc>
             </a:pPr>
             <a:r>
-              <a:rPr b="1" lang="en-GB" sz="2200" spc="-1" strike="noStrike">
-                <a:solidFill>
-                  <a:srgbClr val="000000"/>
+              <a:rPr b="1" lang="en-US" sz="3000" spc="-1" strike="noStrike" cap="all">
+                <a:solidFill>
+                  <a:srgbClr val="008c4f"/>
                 </a:solidFill>
                 <a:latin typeface="DejaVu Sans"/>
                 <a:ea typeface="DejaVu Sans"/>
               </a:rPr>
-              <a:t>Lecture 4: Requirements Documentation</a:t>
-            </a:r>
-            <a:endParaRPr b="0" lang="en-US" sz="2200" spc="-1" strike="noStrike">
+              <a:t>Summary</a:t>
+            </a:r>
+            <a:endParaRPr b="0" lang="en-US" sz="3000" spc="-1" strike="noStrike">
               <a:solidFill>
                 <a:srgbClr val="000000"/>
               </a:solidFill>
@@ -49720,14 +49469,14 @@
       </p:sp>
       <p:sp>
         <p:nvSpPr>
-          <p:cNvPr id="472" name="Rechteck 5"/>
+          <p:cNvPr id="472" name="CustomShape 2"/>
           <p:cNvSpPr/>
           <p:nvPr/>
         </p:nvSpPr>
         <p:spPr>
           <a:xfrm>
-            <a:off x="542880" y="1267200"/>
-            <a:ext cx="10358280" cy="498960"/>
+            <a:off x="335520" y="2906640"/>
+            <a:ext cx="10748520" cy="1495440"/>
           </a:xfrm>
           <a:prstGeom prst="rect">
             <a:avLst/>
@@ -49744,7 +49493,7 @@
           <a:fontRef idx="minor"/>
         </p:style>
         <p:txBody>
-          <a:bodyPr lIns="0" rIns="0" tIns="0" bIns="0" anchor="ctr">
+          <a:bodyPr lIns="90000" rIns="90000" tIns="45000" bIns="45000" anchor="t">
             <a:noAutofit/>
           </a:bodyPr>
           <a:p>
@@ -49753,300 +49502,12 @@
                 <a:spcPct val="100000"/>
               </a:lnSpc>
             </a:pPr>
-            <a:r>
-              <a:rPr b="1" lang="de-DE" sz="2200" spc="-1" strike="noStrike">
-                <a:solidFill>
-                  <a:srgbClr val="666666"/>
-                </a:solidFill>
-                <a:latin typeface="DejaVu Sans"/>
-                <a:ea typeface="DejaVu Sans"/>
-              </a:rPr>
-              <a:t>Content</a:t>
-            </a:r>
-            <a:endParaRPr b="0" lang="en-US" sz="2200" spc="-1" strike="noStrike">
-              <a:solidFill>
-                <a:srgbClr val="000000"/>
-              </a:solidFill>
-              <a:latin typeface="Arial"/>
-            </a:endParaRPr>
-          </a:p>
-        </p:txBody>
-      </p:sp>
-      <p:sp>
-        <p:nvSpPr>
-          <p:cNvPr id="473" name="HSN-Hierarchy 12"/>
-          <p:cNvSpPr/>
-          <p:nvPr/>
-        </p:nvSpPr>
-        <p:spPr>
-          <a:xfrm>
-            <a:off x="539640" y="1709280"/>
-            <a:ext cx="8225640" cy="4353840"/>
-          </a:xfrm>
-          <a:prstGeom prst="rect">
-            <a:avLst/>
-          </a:prstGeom>
-          <a:noFill/>
-          <a:ln w="9525">
-            <a:noFill/>
-          </a:ln>
-        </p:spPr>
-        <p:style>
-          <a:lnRef idx="0"/>
-          <a:fillRef idx="0"/>
-          <a:effectRef idx="0"/>
-          <a:fontRef idx="minor"/>
-        </p:style>
-        <p:txBody>
-          <a:bodyPr numCol="1" spcCol="0" lIns="0" rIns="0" tIns="45000" bIns="45000" anchor="ctr">
-            <a:noAutofit/>
-          </a:bodyPr>
-          <a:p>
-            <a:pPr marL="343080" indent="-343080">
-              <a:lnSpc>
-                <a:spcPct val="100000"/>
-              </a:lnSpc>
-              <a:spcAft>
-                <a:spcPts val="601"/>
-              </a:spcAft>
-              <a:buClr>
-                <a:srgbClr val="000000"/>
-              </a:buClr>
-              <a:buFont typeface="StarSymbol"/>
-              <a:buAutoNum type="arabicPeriod"/>
-              <a:tabLst>
-                <a:tab algn="l" pos="0"/>
-              </a:tabLst>
-            </a:pPr>
-            <a:r>
-              <a:rPr b="0" lang="en-GB" sz="1800" spc="-1" strike="noStrike">
-                <a:solidFill>
-                  <a:srgbClr val="000000"/>
-                </a:solidFill>
-                <a:latin typeface="DejaVu Sans"/>
-                <a:ea typeface="Arial"/>
-              </a:rPr>
-              <a:t>Model-based Requirements Documentation</a:t>
-            </a:r>
-            <a:r>
-              <a:rPr b="0" lang="fr-FR" sz="1800" spc="-1" strike="noStrike">
-                <a:solidFill>
-                  <a:srgbClr val="000000"/>
-                </a:solidFill>
-                <a:latin typeface="DejaVu Sans"/>
-                <a:ea typeface="Arial"/>
-              </a:rPr>
-              <a:t> Techniques</a:t>
-            </a:r>
             <a:endParaRPr b="0" lang="en-US" sz="1800" spc="-1" strike="noStrike">
               <a:solidFill>
                 <a:srgbClr val="000000"/>
               </a:solidFill>
               <a:latin typeface="Arial"/>
-            </a:endParaRPr>
-          </a:p>
-          <a:p>
-            <a:pPr lvl="1" marL="800280" indent="-343080">
-              <a:lnSpc>
-                <a:spcPct val="100000"/>
-              </a:lnSpc>
-              <a:spcAft>
-                <a:spcPts val="601"/>
-              </a:spcAft>
-              <a:buClr>
-                <a:srgbClr val="000000"/>
-              </a:buClr>
-              <a:buFont typeface="StarSymbol"/>
-              <a:buAutoNum type="arabicPeriod"/>
-              <a:tabLst>
-                <a:tab algn="l" pos="0"/>
-              </a:tabLst>
-            </a:pPr>
-            <a:r>
-              <a:rPr b="0" lang="en-GB" sz="1800" spc="-1" strike="noStrike">
-                <a:solidFill>
-                  <a:srgbClr val="000000"/>
-                </a:solidFill>
-                <a:latin typeface="DejaVu Sans"/>
-                <a:ea typeface="DejaVu Sans"/>
-              </a:rPr>
-              <a:t>Models in General</a:t>
-            </a:r>
-            <a:endParaRPr b="0" lang="en-US" sz="1800" spc="-1" strike="noStrike">
-              <a:solidFill>
-                <a:srgbClr val="000000"/>
-              </a:solidFill>
-              <a:latin typeface="Arial"/>
-            </a:endParaRPr>
-          </a:p>
-          <a:p>
-            <a:pPr lvl="1" marL="800280" indent="-343080">
-              <a:lnSpc>
-                <a:spcPct val="100000"/>
-              </a:lnSpc>
-              <a:spcAft>
-                <a:spcPts val="601"/>
-              </a:spcAft>
-              <a:buClr>
-                <a:srgbClr val="000000"/>
-              </a:buClr>
-              <a:buFont typeface="StarSymbol"/>
-              <a:buAutoNum type="arabicPeriod"/>
-              <a:tabLst>
-                <a:tab algn="l" pos="0"/>
-              </a:tabLst>
-            </a:pPr>
-            <a:r>
-              <a:rPr b="0" lang="en-US" sz="1800" spc="-1" strike="noStrike">
-                <a:solidFill>
-                  <a:srgbClr val="000000"/>
-                </a:solidFill>
-                <a:latin typeface="DejaVu Sans"/>
-                <a:ea typeface="DejaVu Sans"/>
-              </a:rPr>
-              <a:t>Goal Models</a:t>
-            </a:r>
-            <a:endParaRPr b="0" lang="en-US" sz="1800" spc="-1" strike="noStrike">
-              <a:solidFill>
-                <a:srgbClr val="000000"/>
-              </a:solidFill>
-              <a:latin typeface="Arial"/>
-            </a:endParaRPr>
-          </a:p>
-          <a:p>
-            <a:pPr lvl="1" marL="800280" indent="-343080">
-              <a:lnSpc>
-                <a:spcPct val="100000"/>
-              </a:lnSpc>
-              <a:spcAft>
-                <a:spcPts val="601"/>
-              </a:spcAft>
-              <a:buClr>
-                <a:srgbClr val="000000"/>
-              </a:buClr>
-              <a:buFont typeface="StarSymbol"/>
-              <a:buAutoNum type="arabicPeriod"/>
-              <a:tabLst>
-                <a:tab algn="l" pos="0"/>
-              </a:tabLst>
-            </a:pPr>
-            <a:r>
-              <a:rPr b="0" lang="en-US" sz="1800" spc="-1" strike="noStrike">
-                <a:solidFill>
-                  <a:srgbClr val="000000"/>
-                </a:solidFill>
-                <a:latin typeface="DejaVu Sans"/>
-                <a:ea typeface="DejaVu Sans"/>
-              </a:rPr>
-              <a:t>Agent-oriented Modelling</a:t>
-            </a:r>
-            <a:endParaRPr b="0" lang="en-US" sz="1800" spc="-1" strike="noStrike">
-              <a:solidFill>
-                <a:srgbClr val="000000"/>
-              </a:solidFill>
-              <a:latin typeface="Arial"/>
-            </a:endParaRPr>
-          </a:p>
-          <a:p>
-            <a:pPr lvl="1" marL="800280" indent="-343080">
-              <a:lnSpc>
-                <a:spcPct val="100000"/>
-              </a:lnSpc>
-              <a:spcAft>
-                <a:spcPts val="601"/>
-              </a:spcAft>
-              <a:buClr>
-                <a:srgbClr val="000000"/>
-              </a:buClr>
-              <a:buFont typeface="StarSymbol"/>
-              <a:buAutoNum type="arabicPeriod"/>
-              <a:tabLst>
-                <a:tab algn="l" pos="0"/>
-              </a:tabLst>
-            </a:pPr>
-            <a:r>
-              <a:rPr b="1" lang="en-US" sz="1800" spc="-1" strike="noStrike">
-                <a:solidFill>
-                  <a:srgbClr val="000000"/>
-                </a:solidFill>
-                <a:latin typeface="DejaVu Sans"/>
-                <a:ea typeface="DejaVu Sans"/>
-              </a:rPr>
-              <a:t>Use Cases</a:t>
-            </a:r>
-            <a:endParaRPr b="0" lang="en-US" sz="1800" spc="-1" strike="noStrike">
-              <a:solidFill>
-                <a:srgbClr val="000000"/>
-              </a:solidFill>
-              <a:latin typeface="Arial"/>
-            </a:endParaRPr>
-          </a:p>
-          <a:p>
-            <a:pPr lvl="1" marL="800280" indent="-343080">
-              <a:lnSpc>
-                <a:spcPct val="100000"/>
-              </a:lnSpc>
-              <a:spcAft>
-                <a:spcPts val="601"/>
-              </a:spcAft>
-              <a:buClr>
-                <a:srgbClr val="000000"/>
-              </a:buClr>
-              <a:buFont typeface="StarSymbol"/>
-              <a:buAutoNum type="arabicPeriod"/>
-              <a:tabLst>
-                <a:tab algn="l" pos="0"/>
-              </a:tabLst>
-            </a:pPr>
-            <a:r>
-              <a:rPr b="0" lang="en-US" sz="1800" spc="-1" strike="noStrike">
-                <a:solidFill>
-                  <a:srgbClr val="000000"/>
-                </a:solidFill>
-                <a:latin typeface="DejaVu Sans"/>
-                <a:ea typeface="DejaVu Sans"/>
-              </a:rPr>
-              <a:t>Data | Functional | Behavioral Perspective</a:t>
-            </a:r>
-            <a:endParaRPr b="0" lang="en-US" sz="1800" spc="-1" strike="noStrike">
-              <a:solidFill>
-                <a:srgbClr val="000000"/>
-              </a:solidFill>
-              <a:latin typeface="Arial"/>
-            </a:endParaRPr>
-          </a:p>
-          <a:p>
-            <a:pPr marL="343080" indent="-343080">
-              <a:lnSpc>
-                <a:spcPct val="100000"/>
-              </a:lnSpc>
-              <a:spcAft>
-                <a:spcPts val="601"/>
-              </a:spcAft>
-              <a:buClr>
-                <a:srgbClr val="000000"/>
-              </a:buClr>
-              <a:buFont typeface="StarSymbol"/>
-              <a:buAutoNum type="arabicPeriod"/>
-              <a:tabLst>
-                <a:tab algn="l" pos="0"/>
-              </a:tabLst>
-            </a:pPr>
-            <a:r>
-              <a:rPr b="0" lang="en-GB" sz="1800" spc="-1" strike="noStrike">
-                <a:solidFill>
-                  <a:srgbClr val="000000"/>
-                </a:solidFill>
-                <a:latin typeface="DejaVu Sans"/>
-                <a:ea typeface="Arial"/>
-              </a:rPr>
-              <a:t>Formal Specification Techniques</a:t>
-            </a:r>
-            <a:endParaRPr b="0" lang="en-US" sz="1800" spc="-1" strike="noStrike">
-              <a:solidFill>
-                <a:srgbClr val="000000"/>
-              </a:solidFill>
-              <a:latin typeface="Arial"/>
+              <a:ea typeface="DejaVu Sans"/>
             </a:endParaRPr>
           </a:p>
         </p:txBody>
@@ -50083,14 +49544,14 @@
       </p:grpSpPr>
       <p:sp>
         <p:nvSpPr>
-          <p:cNvPr id="474" name="PlaceHolder 71"/>
+          <p:cNvPr id="473" name="PlaceHolder 7"/>
           <p:cNvSpPr/>
           <p:nvPr/>
         </p:nvSpPr>
         <p:spPr>
           <a:xfrm>
             <a:off x="542880" y="721800"/>
-            <a:ext cx="10358280" cy="498960"/>
+            <a:ext cx="10356840" cy="497520"/>
           </a:xfrm>
           <a:prstGeom prst="rect">
             <a:avLst/>
@@ -50117,14 +49578,14 @@
               </a:lnSpc>
             </a:pPr>
             <a:r>
-              <a:rPr b="1" lang="en-GB" sz="2200" spc="-1" strike="noStrike">
+              <a:rPr b="1" lang="en-US" sz="2200" spc="-1" strike="noStrike">
                 <a:solidFill>
                   <a:srgbClr val="000000"/>
                 </a:solidFill>
                 <a:latin typeface="DejaVu Sans"/>
                 <a:ea typeface="DejaVu Sans"/>
               </a:rPr>
-              <a:t>Lecture 4: Requirements Documentation</a:t>
+              <a:t>Summary</a:t>
             </a:r>
             <a:endParaRPr b="0" lang="en-US" sz="2200" spc="-1" strike="noStrike">
               <a:solidFill>
@@ -50137,20 +49598,20 @@
       </p:sp>
       <p:sp>
         <p:nvSpPr>
-          <p:cNvPr id="475" name="Rechteck 15"/>
+          <p:cNvPr id="474" name="HSN-Hierarchy 6"/>
           <p:cNvSpPr/>
           <p:nvPr/>
         </p:nvSpPr>
         <p:spPr>
           <a:xfrm>
-            <a:off x="542880" y="1267200"/>
-            <a:ext cx="10358280" cy="498960"/>
+            <a:off x="451800" y="1709280"/>
+            <a:ext cx="8224200" cy="4352400"/>
           </a:xfrm>
           <a:prstGeom prst="rect">
             <a:avLst/>
           </a:prstGeom>
           <a:noFill/>
-          <a:ln w="0">
+          <a:ln w="9525">
             <a:noFill/>
           </a:ln>
         </p:spPr>
@@ -50161,7 +49622,7 @@
           <a:fontRef idx="minor"/>
         </p:style>
         <p:txBody>
-          <a:bodyPr lIns="0" rIns="0" tIns="0" bIns="0" anchor="ctr">
+          <a:bodyPr lIns="90000" rIns="90000" tIns="45000" bIns="45000" anchor="t">
             <a:noAutofit/>
           </a:bodyPr>
           <a:p>
@@ -50170,124 +49631,99 @@
                 <a:spcPct val="100000"/>
               </a:lnSpc>
             </a:pPr>
-            <a:r>
-              <a:rPr b="1" lang="de-DE" sz="2200" spc="-1" strike="noStrike">
-                <a:solidFill>
-                  <a:srgbClr val="666666"/>
+            <a:endParaRPr b="0" lang="en-US" sz="1800" spc="-1" strike="noStrike">
+              <a:solidFill>
+                <a:srgbClr val="000000"/>
+              </a:solidFill>
+              <a:latin typeface="Arial"/>
+              <a:ea typeface="DejaVu Sans"/>
+            </a:endParaRPr>
+          </a:p>
+        </p:txBody>
+      </p:sp>
+      <p:sp>
+        <p:nvSpPr>
+          <p:cNvPr id="475" name="PlaceHolder 1"/>
+          <p:cNvSpPr>
+            <a:spLocks noGrp="1"/>
+          </p:cNvSpPr>
+          <p:nvPr>
+            <p:ph/>
+          </p:nvPr>
+        </p:nvSpPr>
+        <p:spPr>
+          <a:xfrm>
+            <a:off x="609480" y="1769400"/>
+            <a:ext cx="10587240" cy="4855320"/>
+          </a:xfrm>
+          <a:prstGeom prst="rect">
+            <a:avLst/>
+          </a:prstGeom>
+          <a:noFill/>
+          <a:ln w="0">
+            <a:noFill/>
+          </a:ln>
+        </p:spPr>
+        <p:txBody>
+          <a:bodyPr lIns="0" rIns="0" tIns="0" bIns="0" anchor="ctr">
+            <a:normAutofit/>
+          </a:bodyPr>
+          <a:p>
+            <a:pPr marL="216000" indent="-216000">
+              <a:lnSpc>
+                <a:spcPct val="100000"/>
+              </a:lnSpc>
+              <a:spcBef>
+                <a:spcPts val="1417"/>
+              </a:spcBef>
+              <a:buClr>
+                <a:srgbClr val="008c4f"/>
+              </a:buClr>
+              <a:buSzPct val="45000"/>
+              <a:buFont typeface="DejaVu Sans"/>
+              <a:buChar char="◾"/>
+            </a:pPr>
+            <a:r>
+              <a:rPr b="0" lang="en-US" sz="2000" spc="-1" strike="noStrike">
+                <a:solidFill>
+                  <a:srgbClr val="000000"/>
                 </a:solidFill>
                 <a:latin typeface="DejaVu Sans"/>
                 <a:ea typeface="DejaVu Sans"/>
               </a:rPr>
-              <a:t>Content</a:t>
-            </a:r>
-            <a:endParaRPr b="0" lang="en-US" sz="2200" spc="-1" strike="noStrike">
-              <a:solidFill>
-                <a:srgbClr val="000000"/>
-              </a:solidFill>
-              <a:latin typeface="Arial"/>
-            </a:endParaRPr>
-          </a:p>
-        </p:txBody>
-      </p:sp>
-      <p:sp>
-        <p:nvSpPr>
-          <p:cNvPr id="476" name="HSN-Hierarchy 13"/>
-          <p:cNvSpPr/>
-          <p:nvPr/>
-        </p:nvSpPr>
-        <p:spPr>
-          <a:xfrm>
-            <a:off x="539640" y="1709280"/>
-            <a:ext cx="8225640" cy="4353840"/>
-          </a:xfrm>
-          <a:prstGeom prst="rect">
-            <a:avLst/>
-          </a:prstGeom>
-          <a:noFill/>
-          <a:ln w="9525">
-            <a:noFill/>
-          </a:ln>
-        </p:spPr>
-        <p:style>
-          <a:lnRef idx="0"/>
-          <a:fillRef idx="0"/>
-          <a:effectRef idx="0"/>
-          <a:fontRef idx="minor"/>
-        </p:style>
-        <p:txBody>
-          <a:bodyPr numCol="1" spcCol="0" lIns="0" rIns="0" tIns="45000" bIns="45000" anchor="ctr">
-            <a:noAutofit/>
-          </a:bodyPr>
-          <a:p>
-            <a:pPr marL="343080" indent="-343080">
-              <a:lnSpc>
-                <a:spcPct val="100000"/>
-              </a:lnSpc>
-              <a:spcAft>
-                <a:spcPts val="601"/>
-              </a:spcAft>
+              <a:t>Conceptual models as a means for requirements documentation</a:t>
+            </a:r>
+            <a:endParaRPr b="0" lang="en-US" sz="2000" spc="-1" strike="noStrike">
+              <a:solidFill>
+                <a:srgbClr val="000000"/>
+              </a:solidFill>
+              <a:latin typeface="Arial"/>
+            </a:endParaRPr>
+          </a:p>
+          <a:p>
+            <a:pPr lvl="1" marL="432000" indent="-216000">
+              <a:lnSpc>
+                <a:spcPct val="100000"/>
+              </a:lnSpc>
+              <a:spcBef>
+                <a:spcPts val="1417"/>
+              </a:spcBef>
               <a:buClr>
-                <a:srgbClr val="000000"/>
+                <a:srgbClr val="008c4f"/>
               </a:buClr>
-              <a:buFont typeface="StarSymbol"/>
-              <a:buAutoNum type="arabicPeriod"/>
-              <a:tabLst>
-                <a:tab algn="l" pos="0"/>
-              </a:tabLst>
-            </a:pPr>
-            <a:r>
-              <a:rPr b="0" lang="en-GB" sz="1800" spc="-1" strike="noStrike">
-                <a:solidFill>
-                  <a:srgbClr val="000000"/>
-                </a:solidFill>
-                <a:latin typeface="DejaVu Sans"/>
-                <a:ea typeface="Arial"/>
-              </a:rPr>
-              <a:t>Model-based Requirements Documentation</a:t>
-            </a:r>
-            <a:r>
-              <a:rPr b="0" lang="fr-FR" sz="1800" spc="-1" strike="noStrike">
-                <a:solidFill>
-                  <a:srgbClr val="000000"/>
-                </a:solidFill>
-                <a:latin typeface="DejaVu Sans"/>
-                <a:ea typeface="Arial"/>
-              </a:rPr>
-              <a:t> Techniques</a:t>
-            </a:r>
-            <a:endParaRPr b="0" lang="en-US" sz="1800" spc="-1" strike="noStrike">
-              <a:solidFill>
-                <a:srgbClr val="000000"/>
-              </a:solidFill>
-              <a:latin typeface="Arial"/>
-            </a:endParaRPr>
-          </a:p>
-          <a:p>
-            <a:pPr lvl="1" marL="800280" indent="-343080">
-              <a:lnSpc>
-                <a:spcPct val="100000"/>
-              </a:lnSpc>
-              <a:spcAft>
-                <a:spcPts val="601"/>
-              </a:spcAft>
-              <a:buClr>
-                <a:srgbClr val="000000"/>
-              </a:buClr>
-              <a:buFont typeface="StarSymbol"/>
-              <a:buAutoNum type="arabicPeriod"/>
-              <a:tabLst>
-                <a:tab algn="l" pos="0"/>
-              </a:tabLst>
-            </a:pPr>
-            <a:r>
-              <a:rPr b="0" lang="en-GB" sz="1800" spc="-1" strike="noStrike">
+              <a:buSzPct val="60000"/>
+              <a:buFont typeface="DejaVu Sans"/>
+              <a:buChar char="—"/>
+            </a:pPr>
+            <a:r>
+              <a:rPr b="0" lang="en-US" sz="1800" spc="-1" strike="noStrike">
                 <a:solidFill>
                   <a:srgbClr val="000000"/>
                 </a:solidFill>
                 <a:latin typeface="DejaVu Sans"/>
                 <a:ea typeface="DejaVu Sans"/>
               </a:rPr>
-              <a:t>Models in General</a:t>
+              <a:t>Abstraction and good overview vs. learning a modeling language</a:t>
             </a:r>
             <a:endParaRPr b="0" lang="en-US" sz="1800" spc="-1" strike="noStrike">
               <a:solidFill>
@@ -50297,21 +49733,19 @@
             </a:endParaRPr>
           </a:p>
           <a:p>
-            <a:pPr lvl="1" marL="800280" indent="-343080">
-              <a:lnSpc>
-                <a:spcPct val="100000"/>
-              </a:lnSpc>
-              <a:spcAft>
-                <a:spcPts val="601"/>
-              </a:spcAft>
+            <a:pPr lvl="1" marL="432000" indent="-216000">
+              <a:lnSpc>
+                <a:spcPct val="100000"/>
+              </a:lnSpc>
+              <a:spcBef>
+                <a:spcPts val="1417"/>
+              </a:spcBef>
               <a:buClr>
-                <a:srgbClr val="000000"/>
+                <a:srgbClr val="008c4f"/>
               </a:buClr>
-              <a:buFont typeface="StarSymbol"/>
-              <a:buAutoNum type="arabicPeriod"/>
-              <a:tabLst>
-                <a:tab algn="l" pos="0"/>
-              </a:tabLst>
+              <a:buSzPct val="60000"/>
+              <a:buFont typeface="DejaVu Sans"/>
+              <a:buChar char="—"/>
             </a:pPr>
             <a:r>
               <a:rPr b="0" lang="en-US" sz="1800" spc="-1" strike="noStrike">
@@ -50321,7 +49755,7 @@
                 <a:latin typeface="DejaVu Sans"/>
                 <a:ea typeface="DejaVu Sans"/>
               </a:rPr>
-              <a:t>Goal Models</a:t>
+              <a:t>Different models for different purposes → Model needs to fit the purpose</a:t>
             </a:r>
             <a:endParaRPr b="0" lang="en-US" sz="1800" spc="-1" strike="noStrike">
               <a:solidFill>
@@ -50331,55 +49765,51 @@
             </a:endParaRPr>
           </a:p>
           <a:p>
-            <a:pPr lvl="1" marL="800280" indent="-343080">
-              <a:lnSpc>
-                <a:spcPct val="100000"/>
-              </a:lnSpc>
-              <a:spcAft>
-                <a:spcPts val="601"/>
-              </a:spcAft>
+            <a:pPr marL="216000" indent="-216000">
+              <a:lnSpc>
+                <a:spcPct val="100000"/>
+              </a:lnSpc>
+              <a:spcBef>
+                <a:spcPts val="1417"/>
+              </a:spcBef>
               <a:buClr>
-                <a:srgbClr val="000000"/>
+                <a:srgbClr val="008c4f"/>
               </a:buClr>
-              <a:buFont typeface="StarSymbol"/>
-              <a:buAutoNum type="arabicPeriod"/>
-              <a:tabLst>
-                <a:tab algn="l" pos="0"/>
-              </a:tabLst>
-            </a:pPr>
-            <a:r>
-              <a:rPr b="0" lang="en-US" sz="1800" spc="-1" strike="noStrike">
+              <a:buSzPct val="45000"/>
+              <a:buFont typeface="DejaVu Sans"/>
+              <a:buChar char="◾"/>
+            </a:pPr>
+            <a:r>
+              <a:rPr b="0" lang="en-US" sz="2000" spc="-1" strike="noStrike">
                 <a:solidFill>
                   <a:srgbClr val="000000"/>
                 </a:solidFill>
                 <a:latin typeface="DejaVu Sans"/>
                 <a:ea typeface="DejaVu Sans"/>
               </a:rPr>
-              <a:t>Agent-oriented Modelling</a:t>
-            </a:r>
-            <a:endParaRPr b="0" lang="en-US" sz="1800" spc="-1" strike="noStrike">
-              <a:solidFill>
-                <a:srgbClr val="000000"/>
-              </a:solidFill>
-              <a:latin typeface="Arial"/>
-            </a:endParaRPr>
-          </a:p>
-          <a:p>
-            <a:pPr lvl="1" marL="800280" indent="-343080">
-              <a:lnSpc>
-                <a:spcPct val="100000"/>
-              </a:lnSpc>
-              <a:spcAft>
-                <a:spcPts val="601"/>
-              </a:spcAft>
+              <a:t>UML provides models for almost anything</a:t>
+            </a:r>
+            <a:endParaRPr b="0" lang="en-US" sz="2000" spc="-1" strike="noStrike">
+              <a:solidFill>
+                <a:srgbClr val="000000"/>
+              </a:solidFill>
+              <a:latin typeface="Arial"/>
+            </a:endParaRPr>
+          </a:p>
+          <a:p>
+            <a:pPr lvl="1" marL="432000" indent="-216000">
+              <a:lnSpc>
+                <a:spcPct val="100000"/>
+              </a:lnSpc>
+              <a:spcBef>
+                <a:spcPts val="1417"/>
+              </a:spcBef>
               <a:buClr>
-                <a:srgbClr val="000000"/>
+                <a:srgbClr val="008c4f"/>
               </a:buClr>
-              <a:buFont typeface="StarSymbol"/>
-              <a:buAutoNum type="arabicPeriod"/>
-              <a:tabLst>
-                <a:tab algn="l" pos="0"/>
-              </a:tabLst>
+              <a:buSzPct val="60000"/>
+              <a:buFont typeface="DejaVu Sans"/>
+              <a:buChar char="—"/>
             </a:pPr>
             <a:r>
               <a:rPr b="0" lang="en-US" sz="1800" spc="-1" strike="noStrike">
@@ -50389,7 +49819,7 @@
                 <a:latin typeface="DejaVu Sans"/>
                 <a:ea typeface="DejaVu Sans"/>
               </a:rPr>
-              <a:t>Use Cases</a:t>
+              <a:t>We only covered a small part → Other UML models can also be useful for requirements documentation</a:t>
             </a:r>
             <a:endParaRPr b="0" lang="en-US" sz="1800" spc="-1" strike="noStrike">
               <a:solidFill>
@@ -50399,65 +49829,29 @@
             </a:endParaRPr>
           </a:p>
           <a:p>
-            <a:pPr lvl="1" marL="800280" indent="-343080">
-              <a:lnSpc>
-                <a:spcPct val="100000"/>
-              </a:lnSpc>
-              <a:spcAft>
-                <a:spcPts val="601"/>
-              </a:spcAft>
+            <a:pPr lvl="1" marL="432000" indent="-216000">
+              <a:lnSpc>
+                <a:spcPct val="100000"/>
+              </a:lnSpc>
+              <a:spcBef>
+                <a:spcPts val="1417"/>
+              </a:spcBef>
               <a:buClr>
-                <a:srgbClr val="000000"/>
+                <a:srgbClr val="008c4f"/>
               </a:buClr>
-              <a:buFont typeface="StarSymbol"/>
-              <a:buAutoNum type="arabicPeriod"/>
-              <a:tabLst>
-                <a:tab algn="l" pos="0"/>
-              </a:tabLst>
-            </a:pPr>
-            <a:r>
-              <a:rPr b="1" lang="en-US" sz="1800" spc="-1" strike="noStrike">
+              <a:buSzPct val="60000"/>
+              <a:buFont typeface="DejaVu Sans"/>
+              <a:buChar char="—"/>
+            </a:pPr>
+            <a:r>
+              <a:rPr b="0" lang="en-US" sz="1800" spc="-1" strike="noStrike">
                 <a:solidFill>
                   <a:srgbClr val="000000"/>
                 </a:solidFill>
                 <a:latin typeface="DejaVu Sans"/>
                 <a:ea typeface="DejaVu Sans"/>
               </a:rPr>
-              <a:t>Data | Functional | Behavioral Perspective</a:t>
-            </a:r>
-            <a:endParaRPr b="0" lang="en-US" sz="1800" spc="-1" strike="noStrike">
-              <a:solidFill>
-                <a:srgbClr val="000000"/>
-              </a:solidFill>
-              <a:latin typeface="Arial"/>
-            </a:endParaRPr>
-          </a:p>
-          <a:p>
-            <a:pPr marL="343080" indent="-343080">
-              <a:lnSpc>
-                <a:spcPct val="100000"/>
-              </a:lnSpc>
-              <a:spcAft>
-                <a:spcPts val="601"/>
-              </a:spcAft>
-              <a:buClr>
-                <a:srgbClr val="000000"/>
-              </a:buClr>
-              <a:buFont typeface="StarSymbol"/>
-              <a:buAutoNum type="arabicPeriod"/>
-              <a:tabLst>
-                <a:tab algn="l" pos="0"/>
-              </a:tabLst>
-            </a:pPr>
-            <a:r>
-              <a:rPr b="0" lang="en-GB" sz="1800" spc="-1" strike="noStrike">
-                <a:solidFill>
-                  <a:srgbClr val="000000"/>
-                </a:solidFill>
-                <a:latin typeface="DejaVu Sans"/>
-                <a:ea typeface="Arial"/>
-              </a:rPr>
-              <a:t>Formal Specification Techniques</a:t>
+              <a:t>UML is not the only answer → Other models work fine, too.</a:t>
             </a:r>
             <a:endParaRPr b="0" lang="en-US" sz="1800" spc="-1" strike="noStrike">
               <a:solidFill>
@@ -50500,14 +49894,14 @@
       </p:grpSpPr>
       <p:sp>
         <p:nvSpPr>
-          <p:cNvPr id="477" name="CustomShape 1"/>
+          <p:cNvPr id="476" name="CustomShape 1"/>
           <p:cNvSpPr/>
           <p:nvPr/>
         </p:nvSpPr>
         <p:spPr>
           <a:xfrm>
-            <a:off x="335520" y="4406760"/>
-            <a:ext cx="10748880" cy="1357920"/>
+            <a:off x="335520" y="1268640"/>
+            <a:ext cx="10746360" cy="5033880"/>
           </a:xfrm>
           <a:prstGeom prst="rect">
             <a:avLst/>
@@ -50524,26 +49918,32 @@
           <a:fontRef idx="minor"/>
         </p:style>
         <p:txBody>
-          <a:bodyPr lIns="90000" rIns="90000" tIns="45000" bIns="45000" anchor="t">
+          <a:bodyPr lIns="90000" rIns="90000" tIns="45000" bIns="45000" anchor="ctr">
             <a:noAutofit/>
           </a:bodyPr>
           <a:p>
-            <a:pPr>
-              <a:lnSpc>
-                <a:spcPct val="100000"/>
-              </a:lnSpc>
-            </a:pPr>
-            <a:r>
-              <a:rPr b="1" lang="en-US" sz="3000" spc="-1" strike="noStrike" cap="all">
-                <a:solidFill>
-                  <a:srgbClr val="008c4f"/>
+            <a:pPr algn="ctr">
+              <a:lnSpc>
+                <a:spcPct val="100000"/>
+              </a:lnSpc>
+              <a:spcBef>
+                <a:spcPts val="799"/>
+              </a:spcBef>
+              <a:tabLst>
+                <a:tab algn="l" pos="0"/>
+              </a:tabLst>
+            </a:pPr>
+            <a:r>
+              <a:rPr b="1" lang="en-US" sz="4000" spc="-1" strike="noStrike">
+                <a:solidFill>
+                  <a:srgbClr val="000000"/>
                 </a:solidFill>
                 <a:latin typeface="DejaVu Sans"/>
                 <a:ea typeface="DejaVu Sans"/>
               </a:rPr>
-              <a:t>Summary</a:t>
-            </a:r>
-            <a:endParaRPr b="0" lang="en-US" sz="3000" spc="-1" strike="noStrike">
+              <a:t>Questions?</a:t>
+            </a:r>
+            <a:endParaRPr b="0" lang="en-US" sz="4000" spc="-1" strike="noStrike">
               <a:solidFill>
                 <a:srgbClr val="000000"/>
               </a:solidFill>
@@ -50554,14 +49954,14 @@
       </p:sp>
       <p:sp>
         <p:nvSpPr>
-          <p:cNvPr id="478" name="CustomShape 2"/>
+          <p:cNvPr id="477" name="CustomShape 3"/>
           <p:cNvSpPr/>
           <p:nvPr/>
         </p:nvSpPr>
         <p:spPr>
           <a:xfrm>
-            <a:off x="335520" y="2906640"/>
-            <a:ext cx="10748880" cy="1495800"/>
+            <a:off x="335520" y="764640"/>
+            <a:ext cx="10746360" cy="497160"/>
           </a:xfrm>
           <a:prstGeom prst="rect">
             <a:avLst/>
@@ -50611,491 +50011,6 @@
 </file>
 
 <file path=ppt/slides/slide56.xml><?xml version="1.0" encoding="utf-8"?>
-<p:sld xmlns:a="http://schemas.openxmlformats.org/drawingml/2006/main" xmlns:p="http://schemas.openxmlformats.org/presentationml/2006/main" xmlns:r="http://schemas.openxmlformats.org/officeDocument/2006/relationships" xmlns:p14="http://schemas.microsoft.com/office/powerpoint/2010/main" xmlns:p15="http://schemas.microsoft.com/office/powerpoint/2012/main" xmlns:mc="http://schemas.openxmlformats.org/markup-compatibility/2006">
-  <p:cSld>
-    <p:spTree>
-      <p:nvGrpSpPr>
-        <p:cNvPr id="1" name=""/>
-        <p:cNvGrpSpPr/>
-        <p:nvPr/>
-      </p:nvGrpSpPr>
-      <p:grpSpPr>
-        <a:xfrm>
-          <a:off x="0" y="0"/>
-          <a:ext cx="0" cy="0"/>
-          <a:chOff x="0" y="0"/>
-          <a:chExt cx="0" cy="0"/>
-        </a:xfrm>
-      </p:grpSpPr>
-      <p:sp>
-        <p:nvSpPr>
-          <p:cNvPr id="479" name="PlaceHolder 7"/>
-          <p:cNvSpPr/>
-          <p:nvPr/>
-        </p:nvSpPr>
-        <p:spPr>
-          <a:xfrm>
-            <a:off x="542880" y="721800"/>
-            <a:ext cx="10357200" cy="497880"/>
-          </a:xfrm>
-          <a:prstGeom prst="rect">
-            <a:avLst/>
-          </a:prstGeom>
-          <a:noFill/>
-          <a:ln w="0">
-            <a:noFill/>
-          </a:ln>
-        </p:spPr>
-        <p:style>
-          <a:lnRef idx="0"/>
-          <a:fillRef idx="0"/>
-          <a:effectRef idx="0"/>
-          <a:fontRef idx="minor"/>
-        </p:style>
-        <p:txBody>
-          <a:bodyPr lIns="0" rIns="0" tIns="0" bIns="0" anchor="b">
-            <a:noAutofit/>
-          </a:bodyPr>
-          <a:p>
-            <a:pPr>
-              <a:lnSpc>
-                <a:spcPct val="100000"/>
-              </a:lnSpc>
-            </a:pPr>
-            <a:r>
-              <a:rPr b="1" lang="en-US" sz="2200" spc="-1" strike="noStrike">
-                <a:solidFill>
-                  <a:srgbClr val="000000"/>
-                </a:solidFill>
-                <a:latin typeface="DejaVu Sans"/>
-                <a:ea typeface="DejaVu Sans"/>
-              </a:rPr>
-              <a:t>Summary</a:t>
-            </a:r>
-            <a:endParaRPr b="0" lang="en-US" sz="2200" spc="-1" strike="noStrike">
-              <a:solidFill>
-                <a:srgbClr val="000000"/>
-              </a:solidFill>
-              <a:latin typeface="Arial"/>
-            </a:endParaRPr>
-          </a:p>
-        </p:txBody>
-      </p:sp>
-      <p:sp>
-        <p:nvSpPr>
-          <p:cNvPr id="480" name="HSN-Hierarchy 6"/>
-          <p:cNvSpPr/>
-          <p:nvPr/>
-        </p:nvSpPr>
-        <p:spPr>
-          <a:xfrm>
-            <a:off x="451800" y="1709280"/>
-            <a:ext cx="8224560" cy="4352760"/>
-          </a:xfrm>
-          <a:prstGeom prst="rect">
-            <a:avLst/>
-          </a:prstGeom>
-          <a:noFill/>
-          <a:ln w="9525">
-            <a:noFill/>
-          </a:ln>
-        </p:spPr>
-        <p:style>
-          <a:lnRef idx="0"/>
-          <a:fillRef idx="0"/>
-          <a:effectRef idx="0"/>
-          <a:fontRef idx="minor"/>
-        </p:style>
-        <p:txBody>
-          <a:bodyPr lIns="90000" rIns="90000" tIns="45000" bIns="45000" anchor="t">
-            <a:noAutofit/>
-          </a:bodyPr>
-          <a:p>
-            <a:pPr>
-              <a:lnSpc>
-                <a:spcPct val="100000"/>
-              </a:lnSpc>
-            </a:pPr>
-            <a:endParaRPr b="0" lang="en-US" sz="1800" spc="-1" strike="noStrike">
-              <a:solidFill>
-                <a:srgbClr val="000000"/>
-              </a:solidFill>
-              <a:latin typeface="Arial"/>
-              <a:ea typeface="DejaVu Sans"/>
-            </a:endParaRPr>
-          </a:p>
-        </p:txBody>
-      </p:sp>
-      <p:sp>
-        <p:nvSpPr>
-          <p:cNvPr id="481" name="PlaceHolder 1"/>
-          <p:cNvSpPr>
-            <a:spLocks noGrp="1"/>
-          </p:cNvSpPr>
-          <p:nvPr>
-            <p:ph/>
-          </p:nvPr>
-        </p:nvSpPr>
-        <p:spPr>
-          <a:xfrm>
-            <a:off x="609480" y="1769400"/>
-            <a:ext cx="10587600" cy="4855680"/>
-          </a:xfrm>
-          <a:prstGeom prst="rect">
-            <a:avLst/>
-          </a:prstGeom>
-          <a:noFill/>
-          <a:ln w="0">
-            <a:noFill/>
-          </a:ln>
-        </p:spPr>
-        <p:txBody>
-          <a:bodyPr lIns="0" rIns="0" tIns="0" bIns="0" anchor="ctr">
-            <a:normAutofit/>
-          </a:bodyPr>
-          <a:p>
-            <a:pPr marL="216000" indent="-216000">
-              <a:lnSpc>
-                <a:spcPct val="100000"/>
-              </a:lnSpc>
-              <a:spcBef>
-                <a:spcPts val="1417"/>
-              </a:spcBef>
-              <a:buClr>
-                <a:srgbClr val="008c4f"/>
-              </a:buClr>
-              <a:buSzPct val="45000"/>
-              <a:buFont typeface="DejaVu Sans"/>
-              <a:buChar char="◾"/>
-            </a:pPr>
-            <a:r>
-              <a:rPr b="0" lang="en-US" sz="2000" spc="-1" strike="noStrike">
-                <a:solidFill>
-                  <a:srgbClr val="000000"/>
-                </a:solidFill>
-                <a:latin typeface="DejaVu Sans"/>
-                <a:ea typeface="DejaVu Sans"/>
-              </a:rPr>
-              <a:t>Conceptual models as a means for requirements documentation</a:t>
-            </a:r>
-            <a:endParaRPr b="0" lang="en-US" sz="2000" spc="-1" strike="noStrike">
-              <a:solidFill>
-                <a:srgbClr val="000000"/>
-              </a:solidFill>
-              <a:latin typeface="Arial"/>
-            </a:endParaRPr>
-          </a:p>
-          <a:p>
-            <a:pPr lvl="1" marL="432000" indent="-216000">
-              <a:lnSpc>
-                <a:spcPct val="100000"/>
-              </a:lnSpc>
-              <a:spcBef>
-                <a:spcPts val="1417"/>
-              </a:spcBef>
-              <a:buClr>
-                <a:srgbClr val="008c4f"/>
-              </a:buClr>
-              <a:buSzPct val="60000"/>
-              <a:buFont typeface="DejaVu Sans"/>
-              <a:buChar char="—"/>
-            </a:pPr>
-            <a:r>
-              <a:rPr b="0" lang="en-US" sz="1800" spc="-1" strike="noStrike">
-                <a:solidFill>
-                  <a:srgbClr val="000000"/>
-                </a:solidFill>
-                <a:latin typeface="DejaVu Sans"/>
-                <a:ea typeface="DejaVu Sans"/>
-              </a:rPr>
-              <a:t>Abstraction and good overview vs. learning a modeling language</a:t>
-            </a:r>
-            <a:endParaRPr b="0" lang="en-US" sz="1800" spc="-1" strike="noStrike">
-              <a:solidFill>
-                <a:srgbClr val="000000"/>
-              </a:solidFill>
-              <a:latin typeface="Arial"/>
-            </a:endParaRPr>
-          </a:p>
-          <a:p>
-            <a:pPr lvl="1" marL="432000" indent="-216000">
-              <a:lnSpc>
-                <a:spcPct val="100000"/>
-              </a:lnSpc>
-              <a:spcBef>
-                <a:spcPts val="1417"/>
-              </a:spcBef>
-              <a:buClr>
-                <a:srgbClr val="008c4f"/>
-              </a:buClr>
-              <a:buSzPct val="60000"/>
-              <a:buFont typeface="DejaVu Sans"/>
-              <a:buChar char="—"/>
-            </a:pPr>
-            <a:r>
-              <a:rPr b="0" lang="en-US" sz="1800" spc="-1" strike="noStrike">
-                <a:solidFill>
-                  <a:srgbClr val="000000"/>
-                </a:solidFill>
-                <a:latin typeface="DejaVu Sans"/>
-                <a:ea typeface="DejaVu Sans"/>
-              </a:rPr>
-              <a:t>Different models for different purposes → Model needs to fit the purpose</a:t>
-            </a:r>
-            <a:endParaRPr b="0" lang="en-US" sz="1800" spc="-1" strike="noStrike">
-              <a:solidFill>
-                <a:srgbClr val="000000"/>
-              </a:solidFill>
-              <a:latin typeface="Arial"/>
-            </a:endParaRPr>
-          </a:p>
-          <a:p>
-            <a:pPr marL="216000" indent="-216000">
-              <a:lnSpc>
-                <a:spcPct val="100000"/>
-              </a:lnSpc>
-              <a:spcBef>
-                <a:spcPts val="1417"/>
-              </a:spcBef>
-              <a:buClr>
-                <a:srgbClr val="008c4f"/>
-              </a:buClr>
-              <a:buSzPct val="45000"/>
-              <a:buFont typeface="DejaVu Sans"/>
-              <a:buChar char="◾"/>
-            </a:pPr>
-            <a:r>
-              <a:rPr b="0" lang="en-US" sz="2000" spc="-1" strike="noStrike">
-                <a:solidFill>
-                  <a:srgbClr val="000000"/>
-                </a:solidFill>
-                <a:latin typeface="DejaVu Sans"/>
-                <a:ea typeface="DejaVu Sans"/>
-              </a:rPr>
-              <a:t>UML provides models for almost anything</a:t>
-            </a:r>
-            <a:endParaRPr b="0" lang="en-US" sz="2000" spc="-1" strike="noStrike">
-              <a:solidFill>
-                <a:srgbClr val="000000"/>
-              </a:solidFill>
-              <a:latin typeface="Arial"/>
-            </a:endParaRPr>
-          </a:p>
-          <a:p>
-            <a:pPr lvl="1" marL="432000" indent="-216000">
-              <a:lnSpc>
-                <a:spcPct val="100000"/>
-              </a:lnSpc>
-              <a:spcBef>
-                <a:spcPts val="1417"/>
-              </a:spcBef>
-              <a:buClr>
-                <a:srgbClr val="008c4f"/>
-              </a:buClr>
-              <a:buSzPct val="60000"/>
-              <a:buFont typeface="DejaVu Sans"/>
-              <a:buChar char="—"/>
-            </a:pPr>
-            <a:r>
-              <a:rPr b="0" lang="en-US" sz="1800" spc="-1" strike="noStrike">
-                <a:solidFill>
-                  <a:srgbClr val="000000"/>
-                </a:solidFill>
-                <a:latin typeface="DejaVu Sans"/>
-                <a:ea typeface="DejaVu Sans"/>
-              </a:rPr>
-              <a:t>We only covered a small part → Other UML models can also be useful for requirements documentation</a:t>
-            </a:r>
-            <a:endParaRPr b="0" lang="en-US" sz="1800" spc="-1" strike="noStrike">
-              <a:solidFill>
-                <a:srgbClr val="000000"/>
-              </a:solidFill>
-              <a:latin typeface="Arial"/>
-            </a:endParaRPr>
-          </a:p>
-          <a:p>
-            <a:pPr lvl="1" marL="432000" indent="-216000">
-              <a:lnSpc>
-                <a:spcPct val="100000"/>
-              </a:lnSpc>
-              <a:spcBef>
-                <a:spcPts val="1417"/>
-              </a:spcBef>
-              <a:buClr>
-                <a:srgbClr val="008c4f"/>
-              </a:buClr>
-              <a:buSzPct val="60000"/>
-              <a:buFont typeface="DejaVu Sans"/>
-              <a:buChar char="—"/>
-            </a:pPr>
-            <a:r>
-              <a:rPr b="0" lang="en-US" sz="1800" spc="-1" strike="noStrike">
-                <a:solidFill>
-                  <a:srgbClr val="000000"/>
-                </a:solidFill>
-                <a:latin typeface="DejaVu Sans"/>
-                <a:ea typeface="DejaVu Sans"/>
-              </a:rPr>
-              <a:t>UML is not the only answer → Other models work fine, too.</a:t>
-            </a:r>
-            <a:endParaRPr b="0" lang="en-US" sz="1800" spc="-1" strike="noStrike">
-              <a:solidFill>
-                <a:srgbClr val="000000"/>
-              </a:solidFill>
-              <a:latin typeface="Arial"/>
-            </a:endParaRPr>
-          </a:p>
-        </p:txBody>
-      </p:sp>
-    </p:spTree>
-  </p:cSld>
-  <mc:AlternateContent>
-    <mc:Choice Requires="p14">
-      <p:transition spd="slow" p14:dur="2000"/>
-    </mc:Choice>
-    <mc:Fallback>
-      <p:transition spd="slow"/>
-    </mc:Fallback>
-  </mc:AlternateContent>
-</p:sld>
-</file>
-
-<file path=ppt/slides/slide57.xml><?xml version="1.0" encoding="utf-8"?>
-<p:sld xmlns:a="http://schemas.openxmlformats.org/drawingml/2006/main" xmlns:p="http://schemas.openxmlformats.org/presentationml/2006/main" xmlns:r="http://schemas.openxmlformats.org/officeDocument/2006/relationships" xmlns:p14="http://schemas.microsoft.com/office/powerpoint/2010/main" xmlns:p15="http://schemas.microsoft.com/office/powerpoint/2012/main" xmlns:mc="http://schemas.openxmlformats.org/markup-compatibility/2006">
-  <p:cSld>
-    <p:spTree>
-      <p:nvGrpSpPr>
-        <p:cNvPr id="1" name=""/>
-        <p:cNvGrpSpPr/>
-        <p:nvPr/>
-      </p:nvGrpSpPr>
-      <p:grpSpPr>
-        <a:xfrm>
-          <a:off x="0" y="0"/>
-          <a:ext cx="0" cy="0"/>
-          <a:chOff x="0" y="0"/>
-          <a:chExt cx="0" cy="0"/>
-        </a:xfrm>
-      </p:grpSpPr>
-      <p:sp>
-        <p:nvSpPr>
-          <p:cNvPr id="482" name="CustomShape 1"/>
-          <p:cNvSpPr/>
-          <p:nvPr/>
-        </p:nvSpPr>
-        <p:spPr>
-          <a:xfrm>
-            <a:off x="335520" y="1268640"/>
-            <a:ext cx="10746720" cy="5034240"/>
-          </a:xfrm>
-          <a:prstGeom prst="rect">
-            <a:avLst/>
-          </a:prstGeom>
-          <a:noFill/>
-          <a:ln w="0">
-            <a:noFill/>
-          </a:ln>
-        </p:spPr>
-        <p:style>
-          <a:lnRef idx="0"/>
-          <a:fillRef idx="0"/>
-          <a:effectRef idx="0"/>
-          <a:fontRef idx="minor"/>
-        </p:style>
-        <p:txBody>
-          <a:bodyPr lIns="90000" rIns="90000" tIns="45000" bIns="45000" anchor="ctr">
-            <a:noAutofit/>
-          </a:bodyPr>
-          <a:p>
-            <a:pPr algn="ctr">
-              <a:lnSpc>
-                <a:spcPct val="100000"/>
-              </a:lnSpc>
-              <a:spcBef>
-                <a:spcPts val="799"/>
-              </a:spcBef>
-              <a:tabLst>
-                <a:tab algn="l" pos="0"/>
-              </a:tabLst>
-            </a:pPr>
-            <a:r>
-              <a:rPr b="1" lang="en-US" sz="4000" spc="-1" strike="noStrike">
-                <a:solidFill>
-                  <a:srgbClr val="000000"/>
-                </a:solidFill>
-                <a:latin typeface="DejaVu Sans"/>
-                <a:ea typeface="DejaVu Sans"/>
-              </a:rPr>
-              <a:t>Questions?</a:t>
-            </a:r>
-            <a:endParaRPr b="0" lang="en-US" sz="4000" spc="-1" strike="noStrike">
-              <a:solidFill>
-                <a:srgbClr val="000000"/>
-              </a:solidFill>
-              <a:latin typeface="Arial"/>
-            </a:endParaRPr>
-          </a:p>
-        </p:txBody>
-      </p:sp>
-      <p:sp>
-        <p:nvSpPr>
-          <p:cNvPr id="483" name="CustomShape 3"/>
-          <p:cNvSpPr/>
-          <p:nvPr/>
-        </p:nvSpPr>
-        <p:spPr>
-          <a:xfrm>
-            <a:off x="335520" y="764640"/>
-            <a:ext cx="10746720" cy="497520"/>
-          </a:xfrm>
-          <a:prstGeom prst="rect">
-            <a:avLst/>
-          </a:prstGeom>
-          <a:noFill/>
-          <a:ln w="0">
-            <a:noFill/>
-          </a:ln>
-        </p:spPr>
-        <p:style>
-          <a:lnRef idx="0"/>
-          <a:fillRef idx="0"/>
-          <a:effectRef idx="0"/>
-          <a:fontRef idx="minor"/>
-        </p:style>
-        <p:txBody>
-          <a:bodyPr lIns="90000" rIns="90000" tIns="45000" bIns="45000" anchor="t">
-            <a:noAutofit/>
-          </a:bodyPr>
-          <a:p>
-            <a:pPr>
-              <a:lnSpc>
-                <a:spcPct val="100000"/>
-              </a:lnSpc>
-            </a:pPr>
-            <a:endParaRPr b="0" lang="en-US" sz="1800" spc="-1" strike="noStrike">
-              <a:solidFill>
-                <a:srgbClr val="000000"/>
-              </a:solidFill>
-              <a:latin typeface="Arial"/>
-              <a:ea typeface="DejaVu Sans"/>
-            </a:endParaRPr>
-          </a:p>
-        </p:txBody>
-      </p:sp>
-    </p:spTree>
-  </p:cSld>
-  <mc:AlternateContent>
-    <mc:Choice Requires="p14">
-      <p:transition spd="slow" p14:dur="2000"/>
-    </mc:Choice>
-    <mc:Fallback>
-      <p:transition spd="slow"/>
-    </mc:Fallback>
-  </mc:AlternateContent>
-</p:sld>
-</file>
-
-<file path=ppt/slides/slide58.xml><?xml version="1.0" encoding="utf-8"?>
 <p:sld xmlns:a="http://schemas.openxmlformats.org/drawingml/2006/main" xmlns:p="http://schemas.openxmlformats.org/presentationml/2006/main" xmlns:r="http://schemas.openxmlformats.org/officeDocument/2006/relationships" xmlns:p14="http://schemas.microsoft.com/office/powerpoint/2010/main" xmlns:p15="http://schemas.microsoft.com/office/powerpoint/2012/main" xmlns:mc="http://schemas.openxmlformats.org/markup-compatibility/2006" show="0">
   <p:cSld>
     <p:spTree>
@@ -51114,7 +50029,7 @@
       </p:grpSpPr>
       <p:sp>
         <p:nvSpPr>
-          <p:cNvPr id="484" name="PlaceHolder 1"/>
+          <p:cNvPr id="478" name="PlaceHolder 1"/>
           <p:cNvSpPr>
             <a:spLocks noGrp="1"/>
           </p:cNvSpPr>
@@ -51125,7 +50040,7 @@
         <p:spPr>
           <a:xfrm>
             <a:off x="542880" y="685800"/>
-            <a:ext cx="10358280" cy="498960"/>
+            <a:ext cx="10357920" cy="498600"/>
           </a:xfrm>
           <a:prstGeom prst="rect">
             <a:avLst/>
@@ -51212,7 +50127,7 @@
         <p:spPr>
           <a:xfrm>
             <a:off x="542880" y="721800"/>
-            <a:ext cx="10358280" cy="498960"/>
+            <a:ext cx="10357920" cy="498600"/>
           </a:xfrm>
           <a:prstGeom prst="rect">
             <a:avLst/>
@@ -51266,7 +50181,7 @@
         <p:spPr>
           <a:xfrm>
             <a:off x="542880" y="1267200"/>
-            <a:ext cx="10358280" cy="498960"/>
+            <a:ext cx="10357920" cy="498600"/>
           </a:xfrm>
           <a:prstGeom prst="rect">
             <a:avLst/>
@@ -51320,7 +50235,7 @@
         <p:spPr>
           <a:xfrm>
             <a:off x="539640" y="1709280"/>
-            <a:ext cx="8225640" cy="4353840"/>
+            <a:ext cx="8225280" cy="4353480"/>
           </a:xfrm>
           <a:prstGeom prst="rect">
             <a:avLst/>
@@ -51599,7 +50514,7 @@
         <p:spPr>
           <a:xfrm>
             <a:off x="539640" y="1339200"/>
-            <a:ext cx="10658520" cy="4859640"/>
+            <a:ext cx="10658160" cy="4859280"/>
           </a:xfrm>
           <a:prstGeom prst="rect">
             <a:avLst/>
@@ -51864,7 +50779,7 @@
         <p:spPr>
           <a:xfrm>
             <a:off x="542880" y="722160"/>
-            <a:ext cx="10358280" cy="498960"/>
+            <a:ext cx="10357920" cy="498600"/>
           </a:xfrm>
           <a:prstGeom prst="rect">
             <a:avLst/>
@@ -51918,7 +50833,7 @@
         <p:spPr>
           <a:xfrm>
             <a:off x="542880" y="1267560"/>
-            <a:ext cx="10358280" cy="498960"/>
+            <a:ext cx="10357920" cy="498600"/>
           </a:xfrm>
           <a:prstGeom prst="rect">
             <a:avLst/>
@@ -52006,7 +50921,7 @@
         <p:spPr>
           <a:xfrm>
             <a:off x="539640" y="1339200"/>
-            <a:ext cx="10658520" cy="4859640"/>
+            <a:ext cx="10658160" cy="4859280"/>
           </a:xfrm>
           <a:prstGeom prst="rect">
             <a:avLst/>
@@ -52211,7 +51126,7 @@
         <p:spPr>
           <a:xfrm>
             <a:off x="542880" y="722160"/>
-            <a:ext cx="10358280" cy="498960"/>
+            <a:ext cx="10357920" cy="498600"/>
           </a:xfrm>
           <a:prstGeom prst="rect">
             <a:avLst/>
@@ -52265,7 +51180,7 @@
         <p:spPr>
           <a:xfrm>
             <a:off x="542880" y="1267560"/>
-            <a:ext cx="10358280" cy="498960"/>
+            <a:ext cx="10357920" cy="498600"/>
           </a:xfrm>
           <a:prstGeom prst="rect">
             <a:avLst/>
@@ -52319,7 +51234,7 @@
         <p:spPr>
           <a:xfrm>
             <a:off x="411480" y="4416840"/>
-            <a:ext cx="9611280" cy="1066320"/>
+            <a:ext cx="9610920" cy="1065960"/>
           </a:xfrm>
           <a:prstGeom prst="roundRect">
             <a:avLst>
@@ -52465,7 +51380,7 @@
         <p:spPr>
           <a:xfrm>
             <a:off x="539640" y="1339200"/>
-            <a:ext cx="11521440" cy="4859640"/>
+            <a:ext cx="11521080" cy="4859280"/>
           </a:xfrm>
           <a:prstGeom prst="rect">
             <a:avLst/>
@@ -52735,7 +51650,7 @@
         <p:spPr>
           <a:xfrm>
             <a:off x="542880" y="722160"/>
-            <a:ext cx="10358280" cy="498960"/>
+            <a:ext cx="10357920" cy="498600"/>
           </a:xfrm>
           <a:prstGeom prst="rect">
             <a:avLst/>
@@ -52789,7 +51704,7 @@
         <p:spPr>
           <a:xfrm>
             <a:off x="542880" y="1267560"/>
-            <a:ext cx="10358280" cy="498960"/>
+            <a:ext cx="10357920" cy="498600"/>
           </a:xfrm>
           <a:prstGeom prst="rect">
             <a:avLst/>
@@ -53982,10 +52897,10 @@
   <a:themeElements>
     <a:clrScheme name="Office">
       <a:dk1>
-        <a:sysClr val="windowText" lastClr="000000"/>
+        <a:srgbClr val="000000"/>
       </a:dk1>
       <a:lt1>
-        <a:sysClr val="window" lastClr="FFFFFF"/>
+        <a:srgbClr val="ffffff"/>
       </a:lt1>
       <a:dk2>
         <a:srgbClr val="1f497d"/>
